--- a/presentation.pptx
+++ b/presentation.pptx
@@ -105,6 +105,11 @@
       </a:defRPr>
     </a:lvl9pPr>
   </p:defaultTextStyle>
+  <p:extLst>
+    <p:ext uri="{EFAFB233-063F-42B5-8137-9DF3F51BA10A}">
+      <p15:sldGuideLst xmlns:p15="http://schemas.microsoft.com/office/powerpoint/2012/main"/>
+    </p:ext>
+  </p:extLst>
 </p:presentation>
 </file>
 
@@ -158,7 +163,7 @@
           <a:noFill/>
           <a:extLst>
             <a:ext uri="{909E8E84-426E-40dd-AFC4-6F175D3DCCD1}">
-              <a14:hiddenFill xmlns:a14="http://schemas.microsoft.com/office/drawing/2010/main" xmlns="">
+              <a14:hiddenFill xmlns="" xmlns:a14="http://schemas.microsoft.com/office/drawing/2010/main">
                 <a:solidFill>
                   <a:srgbClr val="FFFFFF"/>
                 </a:solidFill>
@@ -218,7 +223,7 @@
             </a:ln>
             <a:extLst>
               <a:ext uri="{91240B29-F687-4f45-9708-019B960494DF}">
-                <a14:hiddenLine xmlns:a14="http://schemas.microsoft.com/office/drawing/2010/main" xmlns="" w="9525">
+                <a14:hiddenLine xmlns="" xmlns:a14="http://schemas.microsoft.com/office/drawing/2010/main" w="9525">
                   <a:solidFill>
                     <a:srgbClr val="000000"/>
                   </a:solidFill>
@@ -308,7 +313,7 @@
             </a:ln>
             <a:extLst>
               <a:ext uri="{91240B29-F687-4f45-9708-019B960494DF}">
-                <a14:hiddenLine xmlns:a14="http://schemas.microsoft.com/office/drawing/2010/main" xmlns="" w="9525">
+                <a14:hiddenLine xmlns="" xmlns:a14="http://schemas.microsoft.com/office/drawing/2010/main" w="9525">
                   <a:solidFill>
                     <a:srgbClr val="000000"/>
                   </a:solidFill>
@@ -398,7 +403,7 @@
             </a:ln>
             <a:extLst>
               <a:ext uri="{91240B29-F687-4f45-9708-019B960494DF}">
-                <a14:hiddenLine xmlns:a14="http://schemas.microsoft.com/office/drawing/2010/main" xmlns="" w="9525">
+                <a14:hiddenLine xmlns="" xmlns:a14="http://schemas.microsoft.com/office/drawing/2010/main" w="9525">
                   <a:solidFill>
                     <a:srgbClr val="000000"/>
                   </a:solidFill>
@@ -432,7 +437,7 @@
             </a:ln>
             <a:extLst>
               <a:ext uri="{91240B29-F687-4f45-9708-019B960494DF}">
-                <a14:hiddenLine xmlns:a14="http://schemas.microsoft.com/office/drawing/2010/main" xmlns="" w="9525">
+                <a14:hiddenLine xmlns="" xmlns:a14="http://schemas.microsoft.com/office/drawing/2010/main" w="9525">
                   <a:solidFill>
                     <a:srgbClr val="000000"/>
                   </a:solidFill>
@@ -522,7 +527,7 @@
             </a:ln>
             <a:extLst>
               <a:ext uri="{91240B29-F687-4f45-9708-019B960494DF}">
-                <a14:hiddenLine xmlns:a14="http://schemas.microsoft.com/office/drawing/2010/main" xmlns="" w="9525">
+                <a14:hiddenLine xmlns="" xmlns:a14="http://schemas.microsoft.com/office/drawing/2010/main" w="9525">
                   <a:solidFill>
                     <a:srgbClr val="000000"/>
                   </a:solidFill>
@@ -584,7 +589,7 @@
             </a:ln>
             <a:extLst>
               <a:ext uri="{91240B29-F687-4f45-9708-019B960494DF}">
-                <a14:hiddenLine xmlns:a14="http://schemas.microsoft.com/office/drawing/2010/main" xmlns="" w="9525">
+                <a14:hiddenLine xmlns="" xmlns:a14="http://schemas.microsoft.com/office/drawing/2010/main" w="9525">
                   <a:solidFill>
                     <a:srgbClr val="000000"/>
                   </a:solidFill>
@@ -646,7 +651,7 @@
             </a:ln>
             <a:extLst>
               <a:ext uri="{91240B29-F687-4f45-9708-019B960494DF}">
-                <a14:hiddenLine xmlns:a14="http://schemas.microsoft.com/office/drawing/2010/main" xmlns="" w="9525">
+                <a14:hiddenLine xmlns="" xmlns:a14="http://schemas.microsoft.com/office/drawing/2010/main" w="9525">
                   <a:solidFill>
                     <a:srgbClr val="000000"/>
                   </a:solidFill>
@@ -736,7 +741,7 @@
             </a:ln>
             <a:extLst>
               <a:ext uri="{91240B29-F687-4f45-9708-019B960494DF}">
-                <a14:hiddenLine xmlns:a14="http://schemas.microsoft.com/office/drawing/2010/main" xmlns="" w="9525">
+                <a14:hiddenLine xmlns="" xmlns:a14="http://schemas.microsoft.com/office/drawing/2010/main" w="9525">
                   <a:solidFill>
                     <a:srgbClr val="000000"/>
                   </a:solidFill>
@@ -798,7 +803,7 @@
             </a:ln>
             <a:extLst>
               <a:ext uri="{91240B29-F687-4f45-9708-019B960494DF}">
-                <a14:hiddenLine xmlns:a14="http://schemas.microsoft.com/office/drawing/2010/main" xmlns="" w="9525">
+                <a14:hiddenLine xmlns="" xmlns:a14="http://schemas.microsoft.com/office/drawing/2010/main" w="9525">
                   <a:solidFill>
                     <a:srgbClr val="000000"/>
                   </a:solidFill>
@@ -860,7 +865,7 @@
             </a:ln>
             <a:extLst>
               <a:ext uri="{91240B29-F687-4f45-9708-019B960494DF}">
-                <a14:hiddenLine xmlns:a14="http://schemas.microsoft.com/office/drawing/2010/main" xmlns="" w="9525">
+                <a14:hiddenLine xmlns="" xmlns:a14="http://schemas.microsoft.com/office/drawing/2010/main" w="9525">
                   <a:solidFill>
                     <a:srgbClr val="000000"/>
                   </a:solidFill>
@@ -950,7 +955,7 @@
             </a:ln>
             <a:extLst>
               <a:ext uri="{91240B29-F687-4f45-9708-019B960494DF}">
-                <a14:hiddenLine xmlns:a14="http://schemas.microsoft.com/office/drawing/2010/main" xmlns="" w="9525">
+                <a14:hiddenLine xmlns="" xmlns:a14="http://schemas.microsoft.com/office/drawing/2010/main" w="9525">
                   <a:solidFill>
                     <a:srgbClr val="000000"/>
                   </a:solidFill>
@@ -1040,7 +1045,7 @@
             </a:ln>
             <a:extLst>
               <a:ext uri="{91240B29-F687-4f45-9708-019B960494DF}">
-                <a14:hiddenLine xmlns:a14="http://schemas.microsoft.com/office/drawing/2010/main" xmlns="" w="9525">
+                <a14:hiddenLine xmlns="" xmlns:a14="http://schemas.microsoft.com/office/drawing/2010/main" w="9525">
                   <a:solidFill>
                     <a:srgbClr val="000000"/>
                   </a:solidFill>
@@ -1102,7 +1107,7 @@
             </a:ln>
             <a:extLst>
               <a:ext uri="{91240B29-F687-4f45-9708-019B960494DF}">
-                <a14:hiddenLine xmlns:a14="http://schemas.microsoft.com/office/drawing/2010/main" xmlns="" w="9525">
+                <a14:hiddenLine xmlns="" xmlns:a14="http://schemas.microsoft.com/office/drawing/2010/main" w="9525">
                   <a:solidFill>
                     <a:srgbClr val="000000"/>
                   </a:solidFill>
@@ -1212,7 +1217,7 @@
             </a:ln>
             <a:extLst>
               <a:ext uri="{91240B29-F687-4f45-9708-019B960494DF}">
-                <a14:hiddenLine xmlns:a14="http://schemas.microsoft.com/office/drawing/2010/main" xmlns="" w="9525">
+                <a14:hiddenLine xmlns="" xmlns:a14="http://schemas.microsoft.com/office/drawing/2010/main" w="9525">
                   <a:solidFill>
                     <a:srgbClr val="000000"/>
                   </a:solidFill>
@@ -1274,7 +1279,7 @@
             </a:ln>
             <a:extLst>
               <a:ext uri="{91240B29-F687-4f45-9708-019B960494DF}">
-                <a14:hiddenLine xmlns:a14="http://schemas.microsoft.com/office/drawing/2010/main" xmlns="" w="9525">
+                <a14:hiddenLine xmlns="" xmlns:a14="http://schemas.microsoft.com/office/drawing/2010/main" w="9525">
                   <a:solidFill>
                     <a:srgbClr val="000000"/>
                   </a:solidFill>
@@ -1364,7 +1369,7 @@
             </a:ln>
             <a:extLst>
               <a:ext uri="{91240B29-F687-4f45-9708-019B960494DF}">
-                <a14:hiddenLine xmlns:a14="http://schemas.microsoft.com/office/drawing/2010/main" xmlns="" w="9525">
+                <a14:hiddenLine xmlns="" xmlns:a14="http://schemas.microsoft.com/office/drawing/2010/main" w="9525">
                   <a:solidFill>
                     <a:srgbClr val="000000"/>
                   </a:solidFill>
@@ -1454,7 +1459,7 @@
             </a:ln>
             <a:extLst>
               <a:ext uri="{91240B29-F687-4f45-9708-019B960494DF}">
-                <a14:hiddenLine xmlns:a14="http://schemas.microsoft.com/office/drawing/2010/main" xmlns="" w="9525">
+                <a14:hiddenLine xmlns="" xmlns:a14="http://schemas.microsoft.com/office/drawing/2010/main" w="9525">
                   <a:solidFill>
                     <a:srgbClr val="000000"/>
                   </a:solidFill>
@@ -1516,7 +1521,7 @@
             </a:ln>
             <a:extLst>
               <a:ext uri="{91240B29-F687-4f45-9708-019B960494DF}">
-                <a14:hiddenLine xmlns:a14="http://schemas.microsoft.com/office/drawing/2010/main" xmlns="" w="9525">
+                <a14:hiddenLine xmlns="" xmlns:a14="http://schemas.microsoft.com/office/drawing/2010/main" w="9525">
                   <a:solidFill>
                     <a:srgbClr val="000000"/>
                   </a:solidFill>
@@ -1606,7 +1611,7 @@
             </a:ln>
             <a:extLst>
               <a:ext uri="{91240B29-F687-4f45-9708-019B960494DF}">
-                <a14:hiddenLine xmlns:a14="http://schemas.microsoft.com/office/drawing/2010/main" xmlns="" w="9525">
+                <a14:hiddenLine xmlns="" xmlns:a14="http://schemas.microsoft.com/office/drawing/2010/main" w="9525">
                   <a:solidFill>
                     <a:srgbClr val="000000"/>
                   </a:solidFill>
@@ -1696,7 +1701,7 @@
             </a:ln>
             <a:extLst>
               <a:ext uri="{91240B29-F687-4f45-9708-019B960494DF}">
-                <a14:hiddenLine xmlns:a14="http://schemas.microsoft.com/office/drawing/2010/main" xmlns="" w="9525">
+                <a14:hiddenLine xmlns="" xmlns:a14="http://schemas.microsoft.com/office/drawing/2010/main" w="9525">
                   <a:solidFill>
                     <a:srgbClr val="000000"/>
                   </a:solidFill>
@@ -1752,7 +1757,7 @@
             </a:ln>
             <a:extLst>
               <a:ext uri="{91240B29-F687-4f45-9708-019B960494DF}">
-                <a14:hiddenLine xmlns:a14="http://schemas.microsoft.com/office/drawing/2010/main" xmlns="" w="9525">
+                <a14:hiddenLine xmlns="" xmlns:a14="http://schemas.microsoft.com/office/drawing/2010/main" w="9525">
                   <a:solidFill>
                     <a:srgbClr val="000000"/>
                   </a:solidFill>
@@ -1842,7 +1847,7 @@
             </a:ln>
             <a:extLst>
               <a:ext uri="{91240B29-F687-4f45-9708-019B960494DF}">
-                <a14:hiddenLine xmlns:a14="http://schemas.microsoft.com/office/drawing/2010/main" xmlns="" w="9525">
+                <a14:hiddenLine xmlns="" xmlns:a14="http://schemas.microsoft.com/office/drawing/2010/main" w="9525">
                   <a:solidFill>
                     <a:srgbClr val="000000"/>
                   </a:solidFill>
@@ -1898,7 +1903,7 @@
             </a:ln>
             <a:extLst>
               <a:ext uri="{91240B29-F687-4f45-9708-019B960494DF}">
-                <a14:hiddenLine xmlns:a14="http://schemas.microsoft.com/office/drawing/2010/main" xmlns="" w="9525">
+                <a14:hiddenLine xmlns="" xmlns:a14="http://schemas.microsoft.com/office/drawing/2010/main" w="9525">
                   <a:solidFill>
                     <a:srgbClr val="000000"/>
                   </a:solidFill>
@@ -1988,7 +1993,7 @@
             </a:ln>
             <a:extLst>
               <a:ext uri="{91240B29-F687-4f45-9708-019B960494DF}">
-                <a14:hiddenLine xmlns:a14="http://schemas.microsoft.com/office/drawing/2010/main" xmlns="" w="9525">
+                <a14:hiddenLine xmlns="" xmlns:a14="http://schemas.microsoft.com/office/drawing/2010/main" w="9525">
                   <a:solidFill>
                     <a:srgbClr val="000000"/>
                   </a:solidFill>
@@ -2056,7 +2061,7 @@
             </a:ln>
             <a:extLst>
               <a:ext uri="{91240B29-F687-4f45-9708-019B960494DF}">
-                <a14:hiddenLine xmlns:a14="http://schemas.microsoft.com/office/drawing/2010/main" xmlns="" w="9525">
+                <a14:hiddenLine xmlns="" xmlns:a14="http://schemas.microsoft.com/office/drawing/2010/main" w="9525">
                   <a:solidFill>
                     <a:srgbClr val="000000"/>
                   </a:solidFill>
@@ -2146,7 +2151,7 @@
             </a:ln>
             <a:extLst>
               <a:ext uri="{91240B29-F687-4f45-9708-019B960494DF}">
-                <a14:hiddenLine xmlns:a14="http://schemas.microsoft.com/office/drawing/2010/main" xmlns="" w="9525">
+                <a14:hiddenLine xmlns="" xmlns:a14="http://schemas.microsoft.com/office/drawing/2010/main" w="9525">
                   <a:solidFill>
                     <a:srgbClr val="000000"/>
                   </a:solidFill>
@@ -2214,7 +2219,7 @@
             </a:ln>
             <a:extLst>
               <a:ext uri="{91240B29-F687-4f45-9708-019B960494DF}">
-                <a14:hiddenLine xmlns:a14="http://schemas.microsoft.com/office/drawing/2010/main" xmlns="" w="9525">
+                <a14:hiddenLine xmlns="" xmlns:a14="http://schemas.microsoft.com/office/drawing/2010/main" w="9525">
                   <a:solidFill>
                     <a:srgbClr val="000000"/>
                   </a:solidFill>
@@ -2304,7 +2309,7 @@
             </a:ln>
             <a:extLst>
               <a:ext uri="{91240B29-F687-4f45-9708-019B960494DF}">
-                <a14:hiddenLine xmlns:a14="http://schemas.microsoft.com/office/drawing/2010/main" xmlns="" w="9525">
+                <a14:hiddenLine xmlns="" xmlns:a14="http://schemas.microsoft.com/office/drawing/2010/main" w="9525">
                   <a:solidFill>
                     <a:srgbClr val="000000"/>
                   </a:solidFill>
@@ -2338,7 +2343,7 @@
             </a:ln>
             <a:extLst>
               <a:ext uri="{91240B29-F687-4f45-9708-019B960494DF}">
-                <a14:hiddenLine xmlns:a14="http://schemas.microsoft.com/office/drawing/2010/main" xmlns="" w="9525">
+                <a14:hiddenLine xmlns="" xmlns:a14="http://schemas.microsoft.com/office/drawing/2010/main" w="9525">
                   <a:solidFill>
                     <a:srgbClr val="000000"/>
                   </a:solidFill>
@@ -2428,7 +2433,7 @@
             </a:ln>
             <a:extLst>
               <a:ext uri="{91240B29-F687-4f45-9708-019B960494DF}">
-                <a14:hiddenLine xmlns:a14="http://schemas.microsoft.com/office/drawing/2010/main" xmlns="" w="9525">
+                <a14:hiddenLine xmlns="" xmlns:a14="http://schemas.microsoft.com/office/drawing/2010/main" w="9525">
                   <a:solidFill>
                     <a:srgbClr val="000000"/>
                   </a:solidFill>
@@ -2490,7 +2495,7 @@
             </a:ln>
             <a:extLst>
               <a:ext uri="{91240B29-F687-4f45-9708-019B960494DF}">
-                <a14:hiddenLine xmlns:a14="http://schemas.microsoft.com/office/drawing/2010/main" xmlns="" w="9525">
+                <a14:hiddenLine xmlns="" xmlns:a14="http://schemas.microsoft.com/office/drawing/2010/main" w="9525">
                   <a:solidFill>
                     <a:srgbClr val="000000"/>
                   </a:solidFill>
@@ -2552,7 +2557,7 @@
             </a:ln>
             <a:extLst>
               <a:ext uri="{91240B29-F687-4f45-9708-019B960494DF}">
-                <a14:hiddenLine xmlns:a14="http://schemas.microsoft.com/office/drawing/2010/main" xmlns="" w="9525">
+                <a14:hiddenLine xmlns="" xmlns:a14="http://schemas.microsoft.com/office/drawing/2010/main" w="9525">
                   <a:solidFill>
                     <a:srgbClr val="000000"/>
                   </a:solidFill>
@@ -2642,7 +2647,7 @@
             </a:ln>
             <a:extLst>
               <a:ext uri="{91240B29-F687-4f45-9708-019B960494DF}">
-                <a14:hiddenLine xmlns:a14="http://schemas.microsoft.com/office/drawing/2010/main" xmlns="" w="9525">
+                <a14:hiddenLine xmlns="" xmlns:a14="http://schemas.microsoft.com/office/drawing/2010/main" w="9525">
                   <a:solidFill>
                     <a:srgbClr val="000000"/>
                   </a:solidFill>
@@ -2710,7 +2715,7 @@
             </a:ln>
             <a:extLst>
               <a:ext uri="{91240B29-F687-4f45-9708-019B960494DF}">
-                <a14:hiddenLine xmlns:a14="http://schemas.microsoft.com/office/drawing/2010/main" xmlns="" w="9525">
+                <a14:hiddenLine xmlns="" xmlns:a14="http://schemas.microsoft.com/office/drawing/2010/main" w="9525">
                   <a:solidFill>
                     <a:srgbClr val="000000"/>
                   </a:solidFill>
@@ -2772,7 +2777,7 @@
             </a:ln>
             <a:extLst>
               <a:ext uri="{91240B29-F687-4f45-9708-019B960494DF}">
-                <a14:hiddenLine xmlns:a14="http://schemas.microsoft.com/office/drawing/2010/main" xmlns="" w="9525">
+                <a14:hiddenLine xmlns="" xmlns:a14="http://schemas.microsoft.com/office/drawing/2010/main" w="9525">
                   <a:solidFill>
                     <a:srgbClr val="000000"/>
                   </a:solidFill>
@@ -2862,7 +2867,7 @@
             </a:ln>
             <a:extLst>
               <a:ext uri="{91240B29-F687-4f45-9708-019B960494DF}">
-                <a14:hiddenLine xmlns:a14="http://schemas.microsoft.com/office/drawing/2010/main" xmlns="" w="9525">
+                <a14:hiddenLine xmlns="" xmlns:a14="http://schemas.microsoft.com/office/drawing/2010/main" w="9525">
                   <a:solidFill>
                     <a:srgbClr val="000000"/>
                   </a:solidFill>
@@ -2924,7 +2929,7 @@
             </a:ln>
             <a:extLst>
               <a:ext uri="{91240B29-F687-4f45-9708-019B960494DF}">
-                <a14:hiddenLine xmlns:a14="http://schemas.microsoft.com/office/drawing/2010/main" xmlns="" w="9525">
+                <a14:hiddenLine xmlns="" xmlns:a14="http://schemas.microsoft.com/office/drawing/2010/main" w="9525">
                   <a:solidFill>
                     <a:srgbClr val="000000"/>
                   </a:solidFill>
@@ -3014,7 +3019,7 @@
             </a:ln>
             <a:extLst>
               <a:ext uri="{91240B29-F687-4f45-9708-019B960494DF}">
-                <a14:hiddenLine xmlns:a14="http://schemas.microsoft.com/office/drawing/2010/main" xmlns="" w="9525">
+                <a14:hiddenLine xmlns="" xmlns:a14="http://schemas.microsoft.com/office/drawing/2010/main" w="9525">
                   <a:solidFill>
                     <a:srgbClr val="000000"/>
                   </a:solidFill>
@@ -3076,7 +3081,7 @@
             </a:ln>
             <a:extLst>
               <a:ext uri="{91240B29-F687-4f45-9708-019B960494DF}">
-                <a14:hiddenLine xmlns:a14="http://schemas.microsoft.com/office/drawing/2010/main" xmlns="" w="9525">
+                <a14:hiddenLine xmlns="" xmlns:a14="http://schemas.microsoft.com/office/drawing/2010/main" w="9525">
                   <a:solidFill>
                     <a:srgbClr val="000000"/>
                   </a:solidFill>
@@ -3166,7 +3171,7 @@
             </a:ln>
             <a:extLst>
               <a:ext uri="{91240B29-F687-4f45-9708-019B960494DF}">
-                <a14:hiddenLine xmlns:a14="http://schemas.microsoft.com/office/drawing/2010/main" xmlns="" w="9525">
+                <a14:hiddenLine xmlns="" xmlns:a14="http://schemas.microsoft.com/office/drawing/2010/main" w="9525">
                   <a:solidFill>
                     <a:srgbClr val="000000"/>
                   </a:solidFill>
@@ -3200,7 +3205,7 @@
             </a:ln>
             <a:extLst>
               <a:ext uri="{91240B29-F687-4f45-9708-019B960494DF}">
-                <a14:hiddenLine xmlns:a14="http://schemas.microsoft.com/office/drawing/2010/main" xmlns="" w="9525">
+                <a14:hiddenLine xmlns="" xmlns:a14="http://schemas.microsoft.com/office/drawing/2010/main" w="9525">
                   <a:solidFill>
                     <a:srgbClr val="000000"/>
                   </a:solidFill>
@@ -3265,7 +3270,7 @@
             </a:ln>
             <a:extLst>
               <a:ext uri="{91240B29-F687-4f45-9708-019B960494DF}">
-                <a14:hiddenLine xmlns:a14="http://schemas.microsoft.com/office/drawing/2010/main" xmlns="" w="9525">
+                <a14:hiddenLine xmlns="" xmlns:a14="http://schemas.microsoft.com/office/drawing/2010/main" w="9525">
                   <a:solidFill>
                     <a:srgbClr val="000000"/>
                   </a:solidFill>
@@ -3355,7 +3360,7 @@
             </a:ln>
             <a:extLst>
               <a:ext uri="{91240B29-F687-4f45-9708-019B960494DF}">
-                <a14:hiddenLine xmlns:a14="http://schemas.microsoft.com/office/drawing/2010/main" xmlns="" w="9525">
+                <a14:hiddenLine xmlns="" xmlns:a14="http://schemas.microsoft.com/office/drawing/2010/main" w="9525">
                   <a:solidFill>
                     <a:srgbClr val="000000"/>
                   </a:solidFill>
@@ -3417,7 +3422,7 @@
             </a:ln>
             <a:extLst>
               <a:ext uri="{91240B29-F687-4f45-9708-019B960494DF}">
-                <a14:hiddenLine xmlns:a14="http://schemas.microsoft.com/office/drawing/2010/main" xmlns="" w="9525">
+                <a14:hiddenLine xmlns="" xmlns:a14="http://schemas.microsoft.com/office/drawing/2010/main" w="9525">
                   <a:solidFill>
                     <a:srgbClr val="000000"/>
                   </a:solidFill>
@@ -3507,7 +3512,7 @@
             </a:ln>
             <a:extLst>
               <a:ext uri="{91240B29-F687-4f45-9708-019B960494DF}">
-                <a14:hiddenLine xmlns:a14="http://schemas.microsoft.com/office/drawing/2010/main" xmlns="" w="9525">
+                <a14:hiddenLine xmlns="" xmlns:a14="http://schemas.microsoft.com/office/drawing/2010/main" w="9525">
                   <a:solidFill>
                     <a:srgbClr val="000000"/>
                   </a:solidFill>
@@ -3597,7 +3602,7 @@
             </a:ln>
             <a:extLst>
               <a:ext uri="{91240B29-F687-4f45-9708-019B960494DF}">
-                <a14:hiddenLine xmlns:a14="http://schemas.microsoft.com/office/drawing/2010/main" xmlns="" w="9525">
+                <a14:hiddenLine xmlns="" xmlns:a14="http://schemas.microsoft.com/office/drawing/2010/main" w="9525">
                   <a:solidFill>
                     <a:srgbClr val="000000"/>
                   </a:solidFill>
@@ -3662,7 +3667,7 @@
             </a:ln>
             <a:extLst>
               <a:ext uri="{91240B29-F687-4f45-9708-019B960494DF}">
-                <a14:hiddenLine xmlns:a14="http://schemas.microsoft.com/office/drawing/2010/main" xmlns="" w="9525">
+                <a14:hiddenLine xmlns="" xmlns:a14="http://schemas.microsoft.com/office/drawing/2010/main" w="9525">
                   <a:solidFill>
                     <a:srgbClr val="000000"/>
                   </a:solidFill>
@@ -3724,7 +3729,7 @@
             </a:ln>
             <a:extLst>
               <a:ext uri="{91240B29-F687-4f45-9708-019B960494DF}">
-                <a14:hiddenLine xmlns:a14="http://schemas.microsoft.com/office/drawing/2010/main" xmlns="" w="9525">
+                <a14:hiddenLine xmlns="" xmlns:a14="http://schemas.microsoft.com/office/drawing/2010/main" w="9525">
                   <a:solidFill>
                     <a:srgbClr val="000000"/>
                   </a:solidFill>
@@ -3814,7 +3819,7 @@
             </a:ln>
             <a:extLst>
               <a:ext uri="{91240B29-F687-4f45-9708-019B960494DF}">
-                <a14:hiddenLine xmlns:a14="http://schemas.microsoft.com/office/drawing/2010/main" xmlns="" w="9525">
+                <a14:hiddenLine xmlns="" xmlns:a14="http://schemas.microsoft.com/office/drawing/2010/main" w="9525">
                   <a:solidFill>
                     <a:srgbClr val="000000"/>
                   </a:solidFill>
@@ -3904,7 +3909,7 @@
             </a:ln>
             <a:extLst>
               <a:ext uri="{91240B29-F687-4f45-9708-019B960494DF}">
-                <a14:hiddenLine xmlns:a14="http://schemas.microsoft.com/office/drawing/2010/main" xmlns="" w="9525">
+                <a14:hiddenLine xmlns="" xmlns:a14="http://schemas.microsoft.com/office/drawing/2010/main" w="9525">
                   <a:solidFill>
                     <a:srgbClr val="000000"/>
                   </a:solidFill>
@@ -3966,7 +3971,7 @@
             </a:ln>
             <a:extLst>
               <a:ext uri="{91240B29-F687-4f45-9708-019B960494DF}">
-                <a14:hiddenLine xmlns:a14="http://schemas.microsoft.com/office/drawing/2010/main" xmlns="" w="9525">
+                <a14:hiddenLine xmlns="" xmlns:a14="http://schemas.microsoft.com/office/drawing/2010/main" w="9525">
                   <a:solidFill>
                     <a:srgbClr val="000000"/>
                   </a:solidFill>
@@ -4086,7 +4091,7 @@
             </a:ln>
             <a:extLst>
               <a:ext uri="{91240B29-F687-4f45-9708-019B960494DF}">
-                <a14:hiddenLine xmlns:a14="http://schemas.microsoft.com/office/drawing/2010/main" xmlns="" w="9525">
+                <a14:hiddenLine xmlns="" xmlns:a14="http://schemas.microsoft.com/office/drawing/2010/main" w="9525">
                   <a:solidFill>
                     <a:srgbClr val="000000"/>
                   </a:solidFill>
@@ -4154,7 +4159,7 @@
             </a:ln>
             <a:extLst>
               <a:ext uri="{91240B29-F687-4f45-9708-019B960494DF}">
-                <a14:hiddenLine xmlns:a14="http://schemas.microsoft.com/office/drawing/2010/main" xmlns="" w="9525">
+                <a14:hiddenLine xmlns="" xmlns:a14="http://schemas.microsoft.com/office/drawing/2010/main" w="9525">
                   <a:solidFill>
                     <a:srgbClr val="000000"/>
                   </a:solidFill>
@@ -4244,7 +4249,7 @@
             </a:ln>
             <a:extLst>
               <a:ext uri="{91240B29-F687-4f45-9708-019B960494DF}">
-                <a14:hiddenLine xmlns:a14="http://schemas.microsoft.com/office/drawing/2010/main" xmlns="" w="9525">
+                <a14:hiddenLine xmlns="" xmlns:a14="http://schemas.microsoft.com/office/drawing/2010/main" w="9525">
                   <a:solidFill>
                     <a:srgbClr val="000000"/>
                   </a:solidFill>
@@ -4384,7 +4389,7 @@
           <a:p>
             <a:fld id="{48A87A34-81AB-432B-8DAE-1953F412C126}" type="datetimeFigureOut">
               <a:rPr lang="en-US" dirty="0"/>
-              <a:t>11/4/23</a:t>
+              <a:t>11/5/23</a:t>
             </a:fld>
             <a:endParaRPr lang="en-US" dirty="0"/>
           </a:p>
@@ -4646,7 +4651,7 @@
           <a:p>
             <a:fld id="{48A87A34-81AB-432B-8DAE-1953F412C126}" type="datetimeFigureOut">
               <a:rPr lang="en-US" dirty="0"/>
-              <a:t>11/4/23</a:t>
+              <a:t>11/5/23</a:t>
             </a:fld>
             <a:endParaRPr lang="en-US" dirty="0"/>
           </a:p>
@@ -4837,7 +4842,7 @@
           <a:p>
             <a:fld id="{48A87A34-81AB-432B-8DAE-1953F412C126}" type="datetimeFigureOut">
               <a:rPr lang="en-US" dirty="0"/>
-              <a:t>11/4/23</a:t>
+              <a:t>11/5/23</a:t>
             </a:fld>
             <a:endParaRPr lang="en-US" dirty="0"/>
           </a:p>
@@ -5095,7 +5100,7 @@
           <a:p>
             <a:fld id="{48A87A34-81AB-432B-8DAE-1953F412C126}" type="datetimeFigureOut">
               <a:rPr lang="en-US" dirty="0"/>
-              <a:t>11/4/23</a:t>
+              <a:t>11/5/23</a:t>
             </a:fld>
             <a:endParaRPr lang="en-US" dirty="0"/>
           </a:p>
@@ -5524,7 +5529,7 @@
           <a:p>
             <a:fld id="{48A87A34-81AB-432B-8DAE-1953F412C126}" type="datetimeFigureOut">
               <a:rPr lang="en-US" dirty="0"/>
-              <a:t>11/4/23</a:t>
+              <a:t>11/5/23</a:t>
             </a:fld>
             <a:endParaRPr lang="en-US" dirty="0"/>
           </a:p>
@@ -6065,7 +6070,7 @@
           <a:p>
             <a:fld id="{48A87A34-81AB-432B-8DAE-1953F412C126}" type="datetimeFigureOut">
               <a:rPr lang="en-US" dirty="0"/>
-              <a:t>11/4/23</a:t>
+              <a:t>11/5/23</a:t>
             </a:fld>
             <a:endParaRPr lang="en-US" dirty="0"/>
           </a:p>
@@ -6780,7 +6785,7 @@
           <a:p>
             <a:fld id="{48A87A34-81AB-432B-8DAE-1953F412C126}" type="datetimeFigureOut">
               <a:rPr lang="en-US" dirty="0"/>
-              <a:t>11/4/23</a:t>
+              <a:t>11/5/23</a:t>
             </a:fld>
             <a:endParaRPr lang="en-US" dirty="0"/>
           </a:p>
@@ -6945,7 +6950,7 @@
           <a:p>
             <a:fld id="{48A87A34-81AB-432B-8DAE-1953F412C126}" type="datetimeFigureOut">
               <a:rPr lang="en-US" dirty="0"/>
-              <a:t>11/4/23</a:t>
+              <a:t>11/5/23</a:t>
             </a:fld>
             <a:endParaRPr lang="en-US" dirty="0"/>
           </a:p>
@@ -7120,7 +7125,7 @@
           <a:p>
             <a:fld id="{48A87A34-81AB-432B-8DAE-1953F412C126}" type="datetimeFigureOut">
               <a:rPr lang="en-US" dirty="0"/>
-              <a:t>11/4/23</a:t>
+              <a:t>11/5/23</a:t>
             </a:fld>
             <a:endParaRPr lang="en-US" dirty="0"/>
           </a:p>
@@ -7285,7 +7290,7 @@
           <a:p>
             <a:fld id="{48A87A34-81AB-432B-8DAE-1953F412C126}" type="datetimeFigureOut">
               <a:rPr lang="en-US" dirty="0"/>
-              <a:t>11/4/23</a:t>
+              <a:t>11/5/23</a:t>
             </a:fld>
             <a:endParaRPr lang="en-US" dirty="0"/>
           </a:p>
@@ -7530,7 +7535,7 @@
           <a:p>
             <a:fld id="{48A87A34-81AB-432B-8DAE-1953F412C126}" type="datetimeFigureOut">
               <a:rPr lang="en-US" dirty="0"/>
-              <a:t>11/4/23</a:t>
+              <a:t>11/5/23</a:t>
             </a:fld>
             <a:endParaRPr lang="en-US" dirty="0"/>
           </a:p>
@@ -7757,7 +7762,7 @@
           <a:p>
             <a:fld id="{48A87A34-81AB-432B-8DAE-1953F412C126}" type="datetimeFigureOut">
               <a:rPr lang="en-US" dirty="0"/>
-              <a:t>11/4/23</a:t>
+              <a:t>11/5/23</a:t>
             </a:fld>
             <a:endParaRPr lang="en-US" dirty="0"/>
           </a:p>
@@ -8133,7 +8138,7 @@
           <a:p>
             <a:fld id="{48A87A34-81AB-432B-8DAE-1953F412C126}" type="datetimeFigureOut">
               <a:rPr lang="en-US" dirty="0"/>
-              <a:t>11/4/23</a:t>
+              <a:t>11/5/23</a:t>
             </a:fld>
             <a:endParaRPr lang="en-US" dirty="0"/>
           </a:p>
@@ -8246,7 +8251,7 @@
           <a:p>
             <a:fld id="{48A87A34-81AB-432B-8DAE-1953F412C126}" type="datetimeFigureOut">
               <a:rPr lang="en-US" dirty="0"/>
-              <a:t>11/4/23</a:t>
+              <a:t>11/5/23</a:t>
             </a:fld>
             <a:endParaRPr lang="en-US" dirty="0"/>
           </a:p>
@@ -8336,7 +8341,7 @@
           <a:p>
             <a:fld id="{48A87A34-81AB-432B-8DAE-1953F412C126}" type="datetimeFigureOut">
               <a:rPr lang="en-US" dirty="0"/>
-              <a:t>11/4/23</a:t>
+              <a:t>11/5/23</a:t>
             </a:fld>
             <a:endParaRPr lang="en-US" dirty="0"/>
           </a:p>
@@ -8580,7 +8585,7 @@
           <a:p>
             <a:fld id="{48A87A34-81AB-432B-8DAE-1953F412C126}" type="datetimeFigureOut">
               <a:rPr lang="en-US" dirty="0"/>
-              <a:t>11/4/23</a:t>
+              <a:t>11/5/23</a:t>
             </a:fld>
             <a:endParaRPr lang="en-US" dirty="0"/>
           </a:p>
@@ -8855,7 +8860,7 @@
           <a:p>
             <a:fld id="{48A87A34-81AB-432B-8DAE-1953F412C126}" type="datetimeFigureOut">
               <a:rPr lang="en-US" dirty="0"/>
-              <a:t>11/4/23</a:t>
+              <a:t>11/5/23</a:t>
             </a:fld>
             <a:endParaRPr lang="en-US" dirty="0"/>
           </a:p>
@@ -8966,7 +8971,7 @@
           <a:noFill/>
           <a:extLst>
             <a:ext uri="{909E8E84-426E-40dd-AFC4-6F175D3DCCD1}">
-              <a14:hiddenFill xmlns:a14="http://schemas.microsoft.com/office/drawing/2010/main" xmlns="">
+              <a14:hiddenFill xmlns="" xmlns:a14="http://schemas.microsoft.com/office/drawing/2010/main">
                 <a:solidFill>
                   <a:srgbClr val="FFFFFF"/>
                 </a:solidFill>
@@ -9040,7 +9045,7 @@
               </a:ln>
               <a:extLst>
                 <a:ext uri="{91240B29-F687-4f45-9708-019B960494DF}">
-                  <a14:hiddenLine xmlns:a14="http://schemas.microsoft.com/office/drawing/2010/main" xmlns="" w="9525">
+                  <a14:hiddenLine xmlns="" xmlns:a14="http://schemas.microsoft.com/office/drawing/2010/main" w="9525">
                     <a:solidFill>
                       <a:srgbClr val="000000"/>
                     </a:solidFill>
@@ -9130,7 +9135,7 @@
               </a:ln>
               <a:extLst>
                 <a:ext uri="{91240B29-F687-4f45-9708-019B960494DF}">
-                  <a14:hiddenLine xmlns:a14="http://schemas.microsoft.com/office/drawing/2010/main" xmlns="" w="9525">
+                  <a14:hiddenLine xmlns="" xmlns:a14="http://schemas.microsoft.com/office/drawing/2010/main" w="9525">
                     <a:solidFill>
                       <a:srgbClr val="000000"/>
                     </a:solidFill>
@@ -9220,7 +9225,7 @@
               </a:ln>
               <a:extLst>
                 <a:ext uri="{91240B29-F687-4f45-9708-019B960494DF}">
-                  <a14:hiddenLine xmlns:a14="http://schemas.microsoft.com/office/drawing/2010/main" xmlns="" w="9525">
+                  <a14:hiddenLine xmlns="" xmlns:a14="http://schemas.microsoft.com/office/drawing/2010/main" w="9525">
                     <a:solidFill>
                       <a:srgbClr val="000000"/>
                     </a:solidFill>
@@ -9282,7 +9287,7 @@
               </a:ln>
               <a:extLst>
                 <a:ext uri="{91240B29-F687-4f45-9708-019B960494DF}">
-                  <a14:hiddenLine xmlns:a14="http://schemas.microsoft.com/office/drawing/2010/main" xmlns="" w="9525">
+                  <a14:hiddenLine xmlns="" xmlns:a14="http://schemas.microsoft.com/office/drawing/2010/main" w="9525">
                     <a:solidFill>
                       <a:srgbClr val="000000"/>
                     </a:solidFill>
@@ -9372,7 +9377,7 @@
               </a:ln>
               <a:extLst>
                 <a:ext uri="{91240B29-F687-4f45-9708-019B960494DF}">
-                  <a14:hiddenLine xmlns:a14="http://schemas.microsoft.com/office/drawing/2010/main" xmlns="" w="9525">
+                  <a14:hiddenLine xmlns="" xmlns:a14="http://schemas.microsoft.com/office/drawing/2010/main" w="9525">
                     <a:solidFill>
                       <a:srgbClr val="000000"/>
                     </a:solidFill>
@@ -9434,7 +9439,7 @@
               </a:ln>
               <a:extLst>
                 <a:ext uri="{91240B29-F687-4f45-9708-019B960494DF}">
-                  <a14:hiddenLine xmlns:a14="http://schemas.microsoft.com/office/drawing/2010/main" xmlns="" w="9525">
+                  <a14:hiddenLine xmlns="" xmlns:a14="http://schemas.microsoft.com/office/drawing/2010/main" w="9525">
                     <a:solidFill>
                       <a:srgbClr val="000000"/>
                     </a:solidFill>
@@ -9496,7 +9501,7 @@
               </a:ln>
               <a:extLst>
                 <a:ext uri="{91240B29-F687-4f45-9708-019B960494DF}">
-                  <a14:hiddenLine xmlns:a14="http://schemas.microsoft.com/office/drawing/2010/main" xmlns="" w="9525">
+                  <a14:hiddenLine xmlns="" xmlns:a14="http://schemas.microsoft.com/office/drawing/2010/main" w="9525">
                     <a:solidFill>
                       <a:srgbClr val="000000"/>
                     </a:solidFill>
@@ -9586,7 +9591,7 @@
               </a:ln>
               <a:extLst>
                 <a:ext uri="{91240B29-F687-4f45-9708-019B960494DF}">
-                  <a14:hiddenLine xmlns:a14="http://schemas.microsoft.com/office/drawing/2010/main" xmlns="" w="9525">
+                  <a14:hiddenLine xmlns="" xmlns:a14="http://schemas.microsoft.com/office/drawing/2010/main" w="9525">
                     <a:solidFill>
                       <a:srgbClr val="000000"/>
                     </a:solidFill>
@@ -9676,7 +9681,7 @@
               </a:ln>
               <a:extLst>
                 <a:ext uri="{91240B29-F687-4f45-9708-019B960494DF}">
-                  <a14:hiddenLine xmlns:a14="http://schemas.microsoft.com/office/drawing/2010/main" xmlns="" w="9525">
+                  <a14:hiddenLine xmlns="" xmlns:a14="http://schemas.microsoft.com/office/drawing/2010/main" w="9525">
                     <a:solidFill>
                       <a:srgbClr val="000000"/>
                     </a:solidFill>
@@ -9738,7 +9743,7 @@
               </a:ln>
               <a:extLst>
                 <a:ext uri="{91240B29-F687-4f45-9708-019B960494DF}">
-                  <a14:hiddenLine xmlns:a14="http://schemas.microsoft.com/office/drawing/2010/main" xmlns="" w="9525">
+                  <a14:hiddenLine xmlns="" xmlns:a14="http://schemas.microsoft.com/office/drawing/2010/main" w="9525">
                     <a:solidFill>
                       <a:srgbClr val="000000"/>
                     </a:solidFill>
@@ -9848,7 +9853,7 @@
               </a:ln>
               <a:extLst>
                 <a:ext uri="{91240B29-F687-4f45-9708-019B960494DF}">
-                  <a14:hiddenLine xmlns:a14="http://schemas.microsoft.com/office/drawing/2010/main" xmlns="" w="9525">
+                  <a14:hiddenLine xmlns="" xmlns:a14="http://schemas.microsoft.com/office/drawing/2010/main" w="9525">
                     <a:solidFill>
                       <a:srgbClr val="000000"/>
                     </a:solidFill>
@@ -9932,7 +9937,7 @@
               </a:ln>
               <a:extLst>
                 <a:ext uri="{91240B29-F687-4f45-9708-019B960494DF}">
-                  <a14:hiddenLine xmlns:a14="http://schemas.microsoft.com/office/drawing/2010/main" xmlns="" w="9525">
+                  <a14:hiddenLine xmlns="" xmlns:a14="http://schemas.microsoft.com/office/drawing/2010/main" w="9525">
                     <a:solidFill>
                       <a:srgbClr val="000000"/>
                     </a:solidFill>
@@ -9994,7 +9999,7 @@
               </a:ln>
               <a:extLst>
                 <a:ext uri="{91240B29-F687-4f45-9708-019B960494DF}">
-                  <a14:hiddenLine xmlns:a14="http://schemas.microsoft.com/office/drawing/2010/main" xmlns="" w="9525">
+                  <a14:hiddenLine xmlns="" xmlns:a14="http://schemas.microsoft.com/office/drawing/2010/main" w="9525">
                     <a:solidFill>
                       <a:srgbClr val="000000"/>
                     </a:solidFill>
@@ -10056,7 +10061,7 @@
               </a:ln>
               <a:extLst>
                 <a:ext uri="{91240B29-F687-4f45-9708-019B960494DF}">
-                  <a14:hiddenLine xmlns:a14="http://schemas.microsoft.com/office/drawing/2010/main" xmlns="" w="9525">
+                  <a14:hiddenLine xmlns="" xmlns:a14="http://schemas.microsoft.com/office/drawing/2010/main" w="9525">
                     <a:solidFill>
                       <a:srgbClr val="000000"/>
                     </a:solidFill>
@@ -10146,7 +10151,7 @@
               </a:ln>
               <a:extLst>
                 <a:ext uri="{91240B29-F687-4f45-9708-019B960494DF}">
-                  <a14:hiddenLine xmlns:a14="http://schemas.microsoft.com/office/drawing/2010/main" xmlns="" w="9525">
+                  <a14:hiddenLine xmlns="" xmlns:a14="http://schemas.microsoft.com/office/drawing/2010/main" w="9525">
                     <a:solidFill>
                       <a:srgbClr val="000000"/>
                     </a:solidFill>
@@ -10180,7 +10185,7 @@
               </a:ln>
               <a:extLst>
                 <a:ext uri="{91240B29-F687-4f45-9708-019B960494DF}">
-                  <a14:hiddenLine xmlns:a14="http://schemas.microsoft.com/office/drawing/2010/main" xmlns="" w="9525">
+                  <a14:hiddenLine xmlns="" xmlns:a14="http://schemas.microsoft.com/office/drawing/2010/main" w="9525">
                     <a:solidFill>
                       <a:srgbClr val="000000"/>
                     </a:solidFill>
@@ -10245,7 +10250,7 @@
               </a:ln>
               <a:extLst>
                 <a:ext uri="{91240B29-F687-4f45-9708-019B960494DF}">
-                  <a14:hiddenLine xmlns:a14="http://schemas.microsoft.com/office/drawing/2010/main" xmlns="" w="9525">
+                  <a14:hiddenLine xmlns="" xmlns:a14="http://schemas.microsoft.com/office/drawing/2010/main" w="9525">
                     <a:solidFill>
                       <a:srgbClr val="000000"/>
                     </a:solidFill>
@@ -10335,7 +10340,7 @@
               </a:ln>
               <a:extLst>
                 <a:ext uri="{91240B29-F687-4f45-9708-019B960494DF}">
-                  <a14:hiddenLine xmlns:a14="http://schemas.microsoft.com/office/drawing/2010/main" xmlns="" w="9525">
+                  <a14:hiddenLine xmlns="" xmlns:a14="http://schemas.microsoft.com/office/drawing/2010/main" w="9525">
                     <a:solidFill>
                       <a:srgbClr val="000000"/>
                     </a:solidFill>
@@ -10397,7 +10402,7 @@
               </a:ln>
               <a:extLst>
                 <a:ext uri="{91240B29-F687-4f45-9708-019B960494DF}">
-                  <a14:hiddenLine xmlns:a14="http://schemas.microsoft.com/office/drawing/2010/main" xmlns="" w="9525">
+                  <a14:hiddenLine xmlns="" xmlns:a14="http://schemas.microsoft.com/office/drawing/2010/main" w="9525">
                     <a:solidFill>
                       <a:srgbClr val="000000"/>
                     </a:solidFill>
@@ -10487,7 +10492,7 @@
               </a:ln>
               <a:extLst>
                 <a:ext uri="{91240B29-F687-4f45-9708-019B960494DF}">
-                  <a14:hiddenLine xmlns:a14="http://schemas.microsoft.com/office/drawing/2010/main" xmlns="" w="9525">
+                  <a14:hiddenLine xmlns="" xmlns:a14="http://schemas.microsoft.com/office/drawing/2010/main" w="9525">
                     <a:solidFill>
                       <a:srgbClr val="000000"/>
                     </a:solidFill>
@@ -10552,7 +10557,7 @@
               </a:ln>
               <a:extLst>
                 <a:ext uri="{91240B29-F687-4f45-9708-019B960494DF}">
-                  <a14:hiddenLine xmlns:a14="http://schemas.microsoft.com/office/drawing/2010/main" xmlns="" w="9525">
+                  <a14:hiddenLine xmlns="" xmlns:a14="http://schemas.microsoft.com/office/drawing/2010/main" w="9525">
                     <a:solidFill>
                       <a:srgbClr val="000000"/>
                     </a:solidFill>
@@ -10614,7 +10619,7 @@
               </a:ln>
               <a:extLst>
                 <a:ext uri="{91240B29-F687-4f45-9708-019B960494DF}">
-                  <a14:hiddenLine xmlns:a14="http://schemas.microsoft.com/office/drawing/2010/main" xmlns="" w="9525">
+                  <a14:hiddenLine xmlns="" xmlns:a14="http://schemas.microsoft.com/office/drawing/2010/main" w="9525">
                     <a:solidFill>
                       <a:srgbClr val="000000"/>
                     </a:solidFill>
@@ -10704,7 +10709,7 @@
               </a:ln>
               <a:extLst>
                 <a:ext uri="{91240B29-F687-4f45-9708-019B960494DF}">
-                  <a14:hiddenLine xmlns:a14="http://schemas.microsoft.com/office/drawing/2010/main" xmlns="" w="9525">
+                  <a14:hiddenLine xmlns="" xmlns:a14="http://schemas.microsoft.com/office/drawing/2010/main" w="9525">
                     <a:solidFill>
                       <a:srgbClr val="000000"/>
                     </a:solidFill>
@@ -10794,7 +10799,7 @@
               </a:ln>
               <a:extLst>
                 <a:ext uri="{91240B29-F687-4f45-9708-019B960494DF}">
-                  <a14:hiddenLine xmlns:a14="http://schemas.microsoft.com/office/drawing/2010/main" xmlns="" w="9525">
+                  <a14:hiddenLine xmlns="" xmlns:a14="http://schemas.microsoft.com/office/drawing/2010/main" w="9525">
                     <a:solidFill>
                       <a:srgbClr val="000000"/>
                     </a:solidFill>
@@ -10859,7 +10864,7 @@
               </a:ln>
               <a:extLst>
                 <a:ext uri="{91240B29-F687-4f45-9708-019B960494DF}">
-                  <a14:hiddenLine xmlns:a14="http://schemas.microsoft.com/office/drawing/2010/main" xmlns="" w="9525">
+                  <a14:hiddenLine xmlns="" xmlns:a14="http://schemas.microsoft.com/office/drawing/2010/main" w="9525">
                     <a:solidFill>
                       <a:srgbClr val="000000"/>
                     </a:solidFill>
@@ -10979,7 +10984,7 @@
               </a:ln>
               <a:extLst>
                 <a:ext uri="{91240B29-F687-4f45-9708-019B960494DF}">
-                  <a14:hiddenLine xmlns:a14="http://schemas.microsoft.com/office/drawing/2010/main" xmlns="" w="9525">
+                  <a14:hiddenLine xmlns="" xmlns:a14="http://schemas.microsoft.com/office/drawing/2010/main" w="9525">
                     <a:solidFill>
                       <a:srgbClr val="000000"/>
                     </a:solidFill>
@@ -11077,7 +11082,7 @@
               </a:ln>
               <a:extLst>
                 <a:ext uri="{91240B29-F687-4f45-9708-019B960494DF}">
-                  <a14:hiddenLine xmlns:a14="http://schemas.microsoft.com/office/drawing/2010/main" xmlns="" w="9525">
+                  <a14:hiddenLine xmlns="" xmlns:a14="http://schemas.microsoft.com/office/drawing/2010/main" w="9525">
                     <a:solidFill>
                       <a:srgbClr val="000000"/>
                     </a:solidFill>
@@ -11192,7 +11197,7 @@
               </a:ln>
               <a:extLst>
                 <a:ext uri="{91240B29-F687-4f45-9708-019B960494DF}">
-                  <a14:hiddenLine xmlns:a14="http://schemas.microsoft.com/office/drawing/2010/main" xmlns="" w="9525">
+                  <a14:hiddenLine xmlns="" xmlns:a14="http://schemas.microsoft.com/office/drawing/2010/main" w="9525">
                     <a:solidFill>
                       <a:srgbClr val="000000"/>
                     </a:solidFill>
@@ -11282,7 +11287,7 @@
               </a:ln>
               <a:extLst>
                 <a:ext uri="{91240B29-F687-4f45-9708-019B960494DF}">
-                  <a14:hiddenLine xmlns:a14="http://schemas.microsoft.com/office/drawing/2010/main" xmlns="" w="9525">
+                  <a14:hiddenLine xmlns="" xmlns:a14="http://schemas.microsoft.com/office/drawing/2010/main" w="9525">
                     <a:solidFill>
                       <a:srgbClr val="000000"/>
                     </a:solidFill>
@@ -11347,7 +11352,7 @@
               </a:ln>
               <a:extLst>
                 <a:ext uri="{91240B29-F687-4f45-9708-019B960494DF}">
-                  <a14:hiddenLine xmlns:a14="http://schemas.microsoft.com/office/drawing/2010/main" xmlns="" w="9525">
+                  <a14:hiddenLine xmlns="" xmlns:a14="http://schemas.microsoft.com/office/drawing/2010/main" w="9525">
                     <a:solidFill>
                       <a:srgbClr val="000000"/>
                     </a:solidFill>
@@ -11437,7 +11442,7 @@
               </a:ln>
               <a:extLst>
                 <a:ext uri="{91240B29-F687-4f45-9708-019B960494DF}">
-                  <a14:hiddenLine xmlns:a14="http://schemas.microsoft.com/office/drawing/2010/main" xmlns="" w="9525">
+                  <a14:hiddenLine xmlns="" xmlns:a14="http://schemas.microsoft.com/office/drawing/2010/main" w="9525">
                     <a:solidFill>
                       <a:srgbClr val="000000"/>
                     </a:solidFill>
@@ -11505,7 +11510,7 @@
               </a:ln>
               <a:extLst>
                 <a:ext uri="{91240B29-F687-4f45-9708-019B960494DF}">
-                  <a14:hiddenLine xmlns:a14="http://schemas.microsoft.com/office/drawing/2010/main" xmlns="" w="9525">
+                  <a14:hiddenLine xmlns="" xmlns:a14="http://schemas.microsoft.com/office/drawing/2010/main" w="9525">
                     <a:solidFill>
                       <a:srgbClr val="000000"/>
                     </a:solidFill>
@@ -11595,7 +11600,7 @@
               </a:ln>
               <a:extLst>
                 <a:ext uri="{91240B29-F687-4f45-9708-019B960494DF}">
-                  <a14:hiddenLine xmlns:a14="http://schemas.microsoft.com/office/drawing/2010/main" xmlns="" w="9525">
+                  <a14:hiddenLine xmlns="" xmlns:a14="http://schemas.microsoft.com/office/drawing/2010/main" w="9525">
                     <a:solidFill>
                       <a:srgbClr val="000000"/>
                     </a:solidFill>
@@ -11663,7 +11668,7 @@
               </a:ln>
               <a:extLst>
                 <a:ext uri="{91240B29-F687-4f45-9708-019B960494DF}">
-                  <a14:hiddenLine xmlns:a14="http://schemas.microsoft.com/office/drawing/2010/main" xmlns="" w="9525">
+                  <a14:hiddenLine xmlns="" xmlns:a14="http://schemas.microsoft.com/office/drawing/2010/main" w="9525">
                     <a:solidFill>
                       <a:srgbClr val="000000"/>
                     </a:solidFill>
@@ -11753,7 +11758,7 @@
               </a:ln>
               <a:extLst>
                 <a:ext uri="{91240B29-F687-4f45-9708-019B960494DF}">
-                  <a14:hiddenLine xmlns:a14="http://schemas.microsoft.com/office/drawing/2010/main" xmlns="" w="9525">
+                  <a14:hiddenLine xmlns="" xmlns:a14="http://schemas.microsoft.com/office/drawing/2010/main" w="9525">
                     <a:solidFill>
                       <a:srgbClr val="000000"/>
                     </a:solidFill>
@@ -11787,7 +11792,7 @@
               </a:ln>
               <a:extLst>
                 <a:ext uri="{91240B29-F687-4f45-9708-019B960494DF}">
-                  <a14:hiddenLine xmlns:a14="http://schemas.microsoft.com/office/drawing/2010/main" xmlns="" w="9525">
+                  <a14:hiddenLine xmlns="" xmlns:a14="http://schemas.microsoft.com/office/drawing/2010/main" w="9525">
                     <a:solidFill>
                       <a:srgbClr val="000000"/>
                     </a:solidFill>
@@ -11928,7 +11933,7 @@
             <a:fld id="{48A87A34-81AB-432B-8DAE-1953F412C126}" type="datetimeFigureOut">
               <a:rPr lang="en-US" dirty="0"/>
               <a:pPr/>
-              <a:t>11/4/23</a:t>
+              <a:t>11/5/23</a:t>
             </a:fld>
             <a:endParaRPr lang="en-US" dirty="0"/>
           </a:p>
@@ -12403,15 +12408,7 @@
           <a:p>
             <a:r>
               <a:rPr lang="en-US" dirty="0"/>
-              <a:t>Benjamin </a:t>
-            </a:r>
-            <a:r>
-              <a:rPr lang="en-US" dirty="0" err="1"/>
-              <a:t>Coull-Neveu</a:t>
-            </a:r>
-            <a:r>
-              <a:rPr lang="en-US" dirty="0"/>
-              <a:t>, Franco Del </a:t>
+              <a:t>Ben Coull-Neveu, Franco Del </a:t>
             </a:r>
             <a:r>
               <a:rPr lang="en-US" dirty="0" err="1"/>
@@ -12614,8 +12611,8 @@
           </a:p>
         </p:txBody>
       </p:sp>
-      <mc:AlternateContent xmlns:mc="http://schemas.openxmlformats.org/markup-compatibility/2006">
-        <mc:Choice xmlns:a14="http://schemas.microsoft.com/office/drawing/2010/main" Requires="a14">
+      <mc:AlternateContent xmlns:mc="http://schemas.openxmlformats.org/markup-compatibility/2006" xmlns:a14="http://schemas.microsoft.com/office/drawing/2010/main">
+        <mc:Choice Requires="a14">
           <p:sp>
             <p:nvSpPr>
               <p:cNvPr id="10" name="TextBox 9">
@@ -12644,6 +12641,7 @@
               </a:bodyPr>
               <a:lstStyle/>
               <a:p>
+                <a:pPr/>
                 <a14:m>
                   <m:oMathPara xmlns:m="http://schemas.openxmlformats.org/officeDocument/2006/math">
                     <m:oMathParaPr>
@@ -12818,7 +12816,7 @@
             </p:txBody>
           </p:sp>
         </mc:Choice>
-        <mc:Fallback>
+        <mc:Fallback xmlns="">
           <p:sp>
             <p:nvSpPr>
               <p:cNvPr id="10" name="TextBox 9">

--- a/presentation.pptx
+++ b/presentation.pptx
@@ -7,6 +7,10 @@
   <p:sldIdLst>
     <p:sldId id="256" r:id="rId2"/>
     <p:sldId id="257" r:id="rId3"/>
+    <p:sldId id="258" r:id="rId4"/>
+    <p:sldId id="259" r:id="rId5"/>
+    <p:sldId id="260" r:id="rId6"/>
+    <p:sldId id="261" r:id="rId7"/>
   </p:sldIdLst>
   <p:sldSz cx="12192000" cy="6858000"/>
   <p:notesSz cx="6858000" cy="9144000"/>
@@ -12330,6 +12334,14 @@
 <file path=ppt/slides/slide1.xml><?xml version="1.0" encoding="utf-8"?>
 <p:sld xmlns:a="http://schemas.openxmlformats.org/drawingml/2006/main" xmlns:r="http://schemas.openxmlformats.org/officeDocument/2006/relationships" xmlns:p="http://schemas.openxmlformats.org/presentationml/2006/main">
   <p:cSld>
+    <p:bg>
+      <p:bgPr>
+        <a:solidFill>
+          <a:schemeClr val="bg2"/>
+        </a:solidFill>
+        <a:effectLst/>
+      </p:bgPr>
+    </p:bg>
     <p:spTree>
       <p:nvGrpSpPr>
         <p:cNvPr id="1" name=""/>
@@ -12346,6 +12358,5423 @@
       </p:grpSpPr>
       <p:sp>
         <p:nvSpPr>
+          <p:cNvPr id="93" name="Rectangle 92">
+            <a:extLst>
+              <a:ext uri="{FF2B5EF4-FFF2-40B4-BE49-F238E27FC236}">
+                <a16:creationId xmlns:a16="http://schemas.microsoft.com/office/drawing/2014/main" id="{4D6A640B-6684-4338-9199-6EE758735581}"/>
+              </a:ext>
+              <a:ext uri="{C183D7F6-B498-43B3-948B-1728B52AA6E4}">
+                <adec:decorative xmlns:adec="http://schemas.microsoft.com/office/drawing/2017/decorative" val="1"/>
+              </a:ext>
+            </a:extLst>
+          </p:cNvPr>
+          <p:cNvSpPr>
+            <a:spLocks noGrp="1" noRot="1" noChangeAspect="1" noMove="1" noResize="1" noEditPoints="1" noAdjustHandles="1" noChangeArrowheads="1" noChangeShapeType="1" noTextEdit="1"/>
+          </p:cNvSpPr>
+          <p:nvPr>
+            <p:extLst>
+              <p:ext uri="{386F3935-93C4-4BCD-93E2-E3B085C9AB24}">
+                <p16:designElem xmlns:p16="http://schemas.microsoft.com/office/powerpoint/2015/main" val="1"/>
+              </p:ext>
+            </p:extLst>
+          </p:nvPr>
+        </p:nvSpPr>
+        <p:spPr>
+          <a:xfrm>
+            <a:off x="0" y="0"/>
+            <a:ext cx="12192000" cy="6858000"/>
+          </a:xfrm>
+          <a:prstGeom prst="rect">
+            <a:avLst/>
+          </a:prstGeom>
+          <a:solidFill>
+            <a:schemeClr val="bg1">
+              <a:lumMod val="85000"/>
+              <a:lumOff val="15000"/>
+            </a:schemeClr>
+          </a:solidFill>
+          <a:ln>
+            <a:noFill/>
+          </a:ln>
+        </p:spPr>
+        <p:style>
+          <a:lnRef idx="2">
+            <a:schemeClr val="accent1">
+              <a:shade val="50000"/>
+            </a:schemeClr>
+          </a:lnRef>
+          <a:fillRef idx="1">
+            <a:schemeClr val="accent1"/>
+          </a:fillRef>
+          <a:effectRef idx="0">
+            <a:schemeClr val="accent1"/>
+          </a:effectRef>
+          <a:fontRef idx="minor">
+            <a:schemeClr val="lt1"/>
+          </a:fontRef>
+        </p:style>
+        <p:txBody>
+          <a:bodyPr rtlCol="0" anchor="ctr"/>
+          <a:lstStyle/>
+          <a:p>
+            <a:pPr algn="ctr"/>
+            <a:endParaRPr lang="en-US"/>
+          </a:p>
+        </p:txBody>
+      </p:sp>
+      <p:grpSp>
+        <p:nvGrpSpPr>
+          <p:cNvPr id="95" name="Group 94">
+            <a:extLst>
+              <a:ext uri="{FF2B5EF4-FFF2-40B4-BE49-F238E27FC236}">
+                <a16:creationId xmlns:a16="http://schemas.microsoft.com/office/drawing/2014/main" id="{5BAB052D-92E4-4715-895B-E423230754C2}"/>
+              </a:ext>
+              <a:ext uri="{C183D7F6-B498-43B3-948B-1728B52AA6E4}">
+                <adec:decorative xmlns:adec="http://schemas.microsoft.com/office/drawing/2017/decorative" val="1"/>
+              </a:ext>
+            </a:extLst>
+          </p:cNvPr>
+          <p:cNvGrpSpPr>
+            <a:grpSpLocks noGrp="1" noUngrp="1" noRot="1" noChangeAspect="1" noMove="1" noResize="1"/>
+          </p:cNvGrpSpPr>
+          <p:nvPr>
+            <p:extLst>
+              <p:ext uri="{386F3935-93C4-4BCD-93E2-E3B085C9AB24}">
+                <p16:designElem xmlns:p16="http://schemas.microsoft.com/office/powerpoint/2015/main" val="1"/>
+              </p:ext>
+            </p:extLst>
+          </p:nvPr>
+        </p:nvGrpSpPr>
+        <p:grpSpPr>
+          <a:xfrm>
+            <a:off x="0" y="-1"/>
+            <a:ext cx="2305051" cy="6858001"/>
+            <a:chOff x="0" y="0"/>
+            <a:chExt cx="2305051" cy="6858001"/>
+          </a:xfrm>
+          <a:solidFill>
+            <a:schemeClr val="bg2">
+              <a:lumMod val="60000"/>
+              <a:lumOff val="40000"/>
+              <a:alpha val="60000"/>
+            </a:schemeClr>
+          </a:solidFill>
+          <a:effectLst/>
+        </p:grpSpPr>
+        <p:sp>
+          <p:nvSpPr>
+            <p:cNvPr id="96" name="Rectangle 5">
+              <a:extLst>
+                <a:ext uri="{FF2B5EF4-FFF2-40B4-BE49-F238E27FC236}">
+                  <a16:creationId xmlns:a16="http://schemas.microsoft.com/office/drawing/2014/main" id="{F9792D54-14D4-44D6-A491-DEA72C26C373}"/>
+                </a:ext>
+                <a:ext uri="{C183D7F6-B498-43B3-948B-1728B52AA6E4}">
+                  <adec:decorative xmlns:adec="http://schemas.microsoft.com/office/drawing/2017/decorative" val="1"/>
+                </a:ext>
+              </a:extLst>
+            </p:cNvPr>
+            <p:cNvSpPr>
+              <a:spLocks noChangeArrowheads="1"/>
+            </p:cNvSpPr>
+            <p:nvPr>
+              <p:extLst>
+                <p:ext uri="{386F3935-93C4-4BCD-93E2-E3B085C9AB24}">
+                  <p16:designElem xmlns:p16="http://schemas.microsoft.com/office/powerpoint/2015/main" val="1"/>
+                </p:ext>
+              </p:extLst>
+            </p:nvPr>
+          </p:nvSpPr>
+          <p:spPr bwMode="auto">
+            <a:xfrm>
+              <a:off x="1209675" y="4763"/>
+              <a:ext cx="23813" cy="2181225"/>
+            </a:xfrm>
+            <a:prstGeom prst="rect">
+              <a:avLst/>
+            </a:prstGeom>
+            <a:grpFill/>
+            <a:ln>
+              <a:noFill/>
+            </a:ln>
+            <a:extLst>
+              <a:ext uri="{91240B29-F687-4f45-9708-019B960494DF}">
+                <a14:hiddenLine xmlns="" xmlns:a16="http://schemas.microsoft.com/office/drawing/2014/main" xmlns:p14="http://schemas.microsoft.com/office/powerpoint/2010/main" xmlns:a14="http://schemas.microsoft.com/office/drawing/2010/main" w="9525">
+                  <a:solidFill>
+                    <a:srgbClr val="000000"/>
+                  </a:solidFill>
+                  <a:miter lim="800000"/>
+                  <a:headEnd/>
+                  <a:tailEnd/>
+                </a14:hiddenLine>
+              </a:ext>
+            </a:extLst>
+          </p:spPr>
+          <p:txBody>
+            <a:bodyPr/>
+            <a:lstStyle/>
+            <a:p>
+              <a:endParaRPr lang="en-US"/>
+            </a:p>
+          </p:txBody>
+        </p:sp>
+        <p:sp>
+          <p:nvSpPr>
+            <p:cNvPr id="97" name="Freeform 6">
+              <a:extLst>
+                <a:ext uri="{FF2B5EF4-FFF2-40B4-BE49-F238E27FC236}">
+                  <a16:creationId xmlns:a16="http://schemas.microsoft.com/office/drawing/2014/main" id="{D3CB19E7-637B-4FA1-B5E7-E35CF50AD39C}"/>
+                </a:ext>
+                <a:ext uri="{C183D7F6-B498-43B3-948B-1728B52AA6E4}">
+                  <adec:decorative xmlns:adec="http://schemas.microsoft.com/office/drawing/2017/decorative" val="1"/>
+                </a:ext>
+              </a:extLst>
+            </p:cNvPr>
+            <p:cNvSpPr>
+              <a:spLocks noEditPoints="1"/>
+            </p:cNvSpPr>
+            <p:nvPr>
+              <p:extLst>
+                <p:ext uri="{386F3935-93C4-4BCD-93E2-E3B085C9AB24}">
+                  <p16:designElem xmlns:p16="http://schemas.microsoft.com/office/powerpoint/2015/main" val="1"/>
+                </p:ext>
+              </p:extLst>
+            </p:nvPr>
+          </p:nvSpPr>
+          <p:spPr bwMode="auto">
+            <a:xfrm>
+              <a:off x="1128713" y="2176463"/>
+              <a:ext cx="190500" cy="190500"/>
+            </a:xfrm>
+            <a:custGeom>
+              <a:avLst/>
+              <a:gdLst/>
+              <a:ahLst/>
+              <a:cxnLst/>
+              <a:rect l="0" t="0" r="r" b="b"/>
+              <a:pathLst>
+                <a:path w="40" h="40">
+                  <a:moveTo>
+                    <a:pt x="20" y="40"/>
+                  </a:moveTo>
+                  <a:cubicBezTo>
+                    <a:pt x="9" y="40"/>
+                    <a:pt x="0" y="31"/>
+                    <a:pt x="0" y="20"/>
+                  </a:cubicBezTo>
+                  <a:cubicBezTo>
+                    <a:pt x="0" y="9"/>
+                    <a:pt x="9" y="0"/>
+                    <a:pt x="20" y="0"/>
+                  </a:cubicBezTo>
+                  <a:cubicBezTo>
+                    <a:pt x="31" y="0"/>
+                    <a:pt x="40" y="9"/>
+                    <a:pt x="40" y="20"/>
+                  </a:cubicBezTo>
+                  <a:cubicBezTo>
+                    <a:pt x="40" y="31"/>
+                    <a:pt x="31" y="40"/>
+                    <a:pt x="20" y="40"/>
+                  </a:cubicBezTo>
+                  <a:close/>
+                  <a:moveTo>
+                    <a:pt x="20" y="4"/>
+                  </a:moveTo>
+                  <a:cubicBezTo>
+                    <a:pt x="11" y="4"/>
+                    <a:pt x="4" y="11"/>
+                    <a:pt x="4" y="20"/>
+                  </a:cubicBezTo>
+                  <a:cubicBezTo>
+                    <a:pt x="4" y="29"/>
+                    <a:pt x="11" y="36"/>
+                    <a:pt x="20" y="36"/>
+                  </a:cubicBezTo>
+                  <a:cubicBezTo>
+                    <a:pt x="28" y="36"/>
+                    <a:pt x="36" y="29"/>
+                    <a:pt x="36" y="20"/>
+                  </a:cubicBezTo>
+                  <a:cubicBezTo>
+                    <a:pt x="36" y="11"/>
+                    <a:pt x="28" y="4"/>
+                    <a:pt x="20" y="4"/>
+                  </a:cubicBezTo>
+                  <a:close/>
+                </a:path>
+              </a:pathLst>
+            </a:custGeom>
+            <a:grpFill/>
+            <a:ln>
+              <a:noFill/>
+            </a:ln>
+            <a:extLst>
+              <a:ext uri="{91240B29-F687-4f45-9708-019B960494DF}">
+                <a14:hiddenLine xmlns="" xmlns:a16="http://schemas.microsoft.com/office/drawing/2014/main" xmlns:p14="http://schemas.microsoft.com/office/powerpoint/2010/main" xmlns:a14="http://schemas.microsoft.com/office/drawing/2010/main" w="9525">
+                  <a:solidFill>
+                    <a:srgbClr val="000000"/>
+                  </a:solidFill>
+                  <a:round/>
+                  <a:headEnd/>
+                  <a:tailEnd/>
+                </a14:hiddenLine>
+              </a:ext>
+            </a:extLst>
+          </p:spPr>
+          <p:txBody>
+            <a:bodyPr/>
+            <a:lstStyle/>
+            <a:p>
+              <a:endParaRPr lang="en-US"/>
+            </a:p>
+          </p:txBody>
+        </p:sp>
+        <p:sp>
+          <p:nvSpPr>
+            <p:cNvPr id="98" name="Freeform 7">
+              <a:extLst>
+                <a:ext uri="{FF2B5EF4-FFF2-40B4-BE49-F238E27FC236}">
+                  <a16:creationId xmlns:a16="http://schemas.microsoft.com/office/drawing/2014/main" id="{B8CED72B-CBE7-450E-BE7C-247E884393A5}"/>
+                </a:ext>
+                <a:ext uri="{C183D7F6-B498-43B3-948B-1728B52AA6E4}">
+                  <adec:decorative xmlns:adec="http://schemas.microsoft.com/office/drawing/2017/decorative" val="1"/>
+                </a:ext>
+              </a:extLst>
+            </p:cNvPr>
+            <p:cNvSpPr>
+              <a:spLocks noEditPoints="1"/>
+            </p:cNvSpPr>
+            <p:nvPr>
+              <p:extLst>
+                <p:ext uri="{386F3935-93C4-4BCD-93E2-E3B085C9AB24}">
+                  <p16:designElem xmlns:p16="http://schemas.microsoft.com/office/powerpoint/2015/main" val="1"/>
+                </p:ext>
+              </p:extLst>
+            </p:nvPr>
+          </p:nvSpPr>
+          <p:spPr bwMode="auto">
+            <a:xfrm>
+              <a:off x="1123950" y="4021138"/>
+              <a:ext cx="190500" cy="188913"/>
+            </a:xfrm>
+            <a:custGeom>
+              <a:avLst/>
+              <a:gdLst/>
+              <a:ahLst/>
+              <a:cxnLst/>
+              <a:rect l="0" t="0" r="r" b="b"/>
+              <a:pathLst>
+                <a:path w="40" h="40">
+                  <a:moveTo>
+                    <a:pt x="20" y="40"/>
+                  </a:moveTo>
+                  <a:cubicBezTo>
+                    <a:pt x="9" y="40"/>
+                    <a:pt x="0" y="31"/>
+                    <a:pt x="0" y="20"/>
+                  </a:cubicBezTo>
+                  <a:cubicBezTo>
+                    <a:pt x="0" y="9"/>
+                    <a:pt x="9" y="0"/>
+                    <a:pt x="20" y="0"/>
+                  </a:cubicBezTo>
+                  <a:cubicBezTo>
+                    <a:pt x="31" y="0"/>
+                    <a:pt x="40" y="9"/>
+                    <a:pt x="40" y="20"/>
+                  </a:cubicBezTo>
+                  <a:cubicBezTo>
+                    <a:pt x="40" y="31"/>
+                    <a:pt x="31" y="40"/>
+                    <a:pt x="20" y="40"/>
+                  </a:cubicBezTo>
+                  <a:close/>
+                  <a:moveTo>
+                    <a:pt x="20" y="4"/>
+                  </a:moveTo>
+                  <a:cubicBezTo>
+                    <a:pt x="11" y="4"/>
+                    <a:pt x="4" y="11"/>
+                    <a:pt x="4" y="20"/>
+                  </a:cubicBezTo>
+                  <a:cubicBezTo>
+                    <a:pt x="4" y="29"/>
+                    <a:pt x="11" y="36"/>
+                    <a:pt x="20" y="36"/>
+                  </a:cubicBezTo>
+                  <a:cubicBezTo>
+                    <a:pt x="29" y="36"/>
+                    <a:pt x="36" y="29"/>
+                    <a:pt x="36" y="20"/>
+                  </a:cubicBezTo>
+                  <a:cubicBezTo>
+                    <a:pt x="36" y="11"/>
+                    <a:pt x="29" y="4"/>
+                    <a:pt x="20" y="4"/>
+                  </a:cubicBezTo>
+                  <a:close/>
+                </a:path>
+              </a:pathLst>
+            </a:custGeom>
+            <a:grpFill/>
+            <a:ln>
+              <a:noFill/>
+            </a:ln>
+            <a:extLst>
+              <a:ext uri="{91240B29-F687-4f45-9708-019B960494DF}">
+                <a14:hiddenLine xmlns="" xmlns:a16="http://schemas.microsoft.com/office/drawing/2014/main" xmlns:p14="http://schemas.microsoft.com/office/powerpoint/2010/main" xmlns:a14="http://schemas.microsoft.com/office/drawing/2010/main" w="9525">
+                  <a:solidFill>
+                    <a:srgbClr val="000000"/>
+                  </a:solidFill>
+                  <a:round/>
+                  <a:headEnd/>
+                  <a:tailEnd/>
+                </a14:hiddenLine>
+              </a:ext>
+            </a:extLst>
+          </p:spPr>
+          <p:txBody>
+            <a:bodyPr/>
+            <a:lstStyle/>
+            <a:p>
+              <a:endParaRPr lang="en-US"/>
+            </a:p>
+          </p:txBody>
+        </p:sp>
+        <p:sp>
+          <p:nvSpPr>
+            <p:cNvPr id="99" name="Rectangle 8">
+              <a:extLst>
+                <a:ext uri="{FF2B5EF4-FFF2-40B4-BE49-F238E27FC236}">
+                  <a16:creationId xmlns:a16="http://schemas.microsoft.com/office/drawing/2014/main" id="{3BBD7465-3665-40AE-98E8-F8503EE2096A}"/>
+                </a:ext>
+                <a:ext uri="{C183D7F6-B498-43B3-948B-1728B52AA6E4}">
+                  <adec:decorative xmlns:adec="http://schemas.microsoft.com/office/drawing/2017/decorative" val="1"/>
+                </a:ext>
+              </a:extLst>
+            </p:cNvPr>
+            <p:cNvSpPr>
+              <a:spLocks noChangeArrowheads="1"/>
+            </p:cNvSpPr>
+            <p:nvPr>
+              <p:extLst>
+                <p:ext uri="{386F3935-93C4-4BCD-93E2-E3B085C9AB24}">
+                  <p16:designElem xmlns:p16="http://schemas.microsoft.com/office/powerpoint/2015/main" val="1"/>
+                </p:ext>
+              </p:extLst>
+            </p:nvPr>
+          </p:nvSpPr>
+          <p:spPr bwMode="auto">
+            <a:xfrm>
+              <a:off x="414338" y="9525"/>
+              <a:ext cx="28575" cy="4481513"/>
+            </a:xfrm>
+            <a:prstGeom prst="rect">
+              <a:avLst/>
+            </a:prstGeom>
+            <a:grpFill/>
+            <a:ln>
+              <a:noFill/>
+            </a:ln>
+            <a:extLst>
+              <a:ext uri="{91240B29-F687-4f45-9708-019B960494DF}">
+                <a14:hiddenLine xmlns="" xmlns:a16="http://schemas.microsoft.com/office/drawing/2014/main" xmlns:p14="http://schemas.microsoft.com/office/powerpoint/2010/main" xmlns:a14="http://schemas.microsoft.com/office/drawing/2010/main" w="9525">
+                  <a:solidFill>
+                    <a:srgbClr val="000000"/>
+                  </a:solidFill>
+                  <a:miter lim="800000"/>
+                  <a:headEnd/>
+                  <a:tailEnd/>
+                </a14:hiddenLine>
+              </a:ext>
+            </a:extLst>
+          </p:spPr>
+          <p:txBody>
+            <a:bodyPr/>
+            <a:lstStyle/>
+            <a:p>
+              <a:endParaRPr lang="en-US"/>
+            </a:p>
+          </p:txBody>
+        </p:sp>
+        <p:sp>
+          <p:nvSpPr>
+            <p:cNvPr id="100" name="Freeform 9">
+              <a:extLst>
+                <a:ext uri="{FF2B5EF4-FFF2-40B4-BE49-F238E27FC236}">
+                  <a16:creationId xmlns:a16="http://schemas.microsoft.com/office/drawing/2014/main" id="{86CB6F49-3080-4A29-860D-F8F1AC4AC305}"/>
+                </a:ext>
+                <a:ext uri="{C183D7F6-B498-43B3-948B-1728B52AA6E4}">
+                  <adec:decorative xmlns:adec="http://schemas.microsoft.com/office/drawing/2017/decorative" val="1"/>
+                </a:ext>
+              </a:extLst>
+            </p:cNvPr>
+            <p:cNvSpPr>
+              <a:spLocks noEditPoints="1"/>
+            </p:cNvSpPr>
+            <p:nvPr>
+              <p:extLst>
+                <p:ext uri="{386F3935-93C4-4BCD-93E2-E3B085C9AB24}">
+                  <p16:designElem xmlns:p16="http://schemas.microsoft.com/office/powerpoint/2015/main" val="1"/>
+                </p:ext>
+              </p:extLst>
+            </p:nvPr>
+          </p:nvSpPr>
+          <p:spPr bwMode="auto">
+            <a:xfrm>
+              <a:off x="333375" y="4481513"/>
+              <a:ext cx="190500" cy="190500"/>
+            </a:xfrm>
+            <a:custGeom>
+              <a:avLst/>
+              <a:gdLst/>
+              <a:ahLst/>
+              <a:cxnLst/>
+              <a:rect l="0" t="0" r="r" b="b"/>
+              <a:pathLst>
+                <a:path w="40" h="40">
+                  <a:moveTo>
+                    <a:pt x="20" y="40"/>
+                  </a:moveTo>
+                  <a:cubicBezTo>
+                    <a:pt x="9" y="40"/>
+                    <a:pt x="0" y="31"/>
+                    <a:pt x="0" y="20"/>
+                  </a:cubicBezTo>
+                  <a:cubicBezTo>
+                    <a:pt x="0" y="9"/>
+                    <a:pt x="9" y="0"/>
+                    <a:pt x="20" y="0"/>
+                  </a:cubicBezTo>
+                  <a:cubicBezTo>
+                    <a:pt x="31" y="0"/>
+                    <a:pt x="40" y="9"/>
+                    <a:pt x="40" y="20"/>
+                  </a:cubicBezTo>
+                  <a:cubicBezTo>
+                    <a:pt x="40" y="31"/>
+                    <a:pt x="31" y="40"/>
+                    <a:pt x="20" y="40"/>
+                  </a:cubicBezTo>
+                  <a:close/>
+                  <a:moveTo>
+                    <a:pt x="20" y="4"/>
+                  </a:moveTo>
+                  <a:cubicBezTo>
+                    <a:pt x="11" y="4"/>
+                    <a:pt x="4" y="11"/>
+                    <a:pt x="4" y="20"/>
+                  </a:cubicBezTo>
+                  <a:cubicBezTo>
+                    <a:pt x="4" y="29"/>
+                    <a:pt x="11" y="36"/>
+                    <a:pt x="20" y="36"/>
+                  </a:cubicBezTo>
+                  <a:cubicBezTo>
+                    <a:pt x="29" y="36"/>
+                    <a:pt x="36" y="29"/>
+                    <a:pt x="36" y="20"/>
+                  </a:cubicBezTo>
+                  <a:cubicBezTo>
+                    <a:pt x="36" y="11"/>
+                    <a:pt x="29" y="4"/>
+                    <a:pt x="20" y="4"/>
+                  </a:cubicBezTo>
+                  <a:close/>
+                </a:path>
+              </a:pathLst>
+            </a:custGeom>
+            <a:grpFill/>
+            <a:ln>
+              <a:noFill/>
+            </a:ln>
+            <a:extLst>
+              <a:ext uri="{91240B29-F687-4f45-9708-019B960494DF}">
+                <a14:hiddenLine xmlns="" xmlns:a16="http://schemas.microsoft.com/office/drawing/2014/main" xmlns:p14="http://schemas.microsoft.com/office/powerpoint/2010/main" xmlns:a14="http://schemas.microsoft.com/office/drawing/2010/main" w="9525">
+                  <a:solidFill>
+                    <a:srgbClr val="000000"/>
+                  </a:solidFill>
+                  <a:round/>
+                  <a:headEnd/>
+                  <a:tailEnd/>
+                </a14:hiddenLine>
+              </a:ext>
+            </a:extLst>
+          </p:spPr>
+          <p:txBody>
+            <a:bodyPr/>
+            <a:lstStyle/>
+            <a:p>
+              <a:endParaRPr lang="en-US"/>
+            </a:p>
+          </p:txBody>
+        </p:sp>
+        <p:sp>
+          <p:nvSpPr>
+            <p:cNvPr id="101" name="Freeform 10">
+              <a:extLst>
+                <a:ext uri="{FF2B5EF4-FFF2-40B4-BE49-F238E27FC236}">
+                  <a16:creationId xmlns:a16="http://schemas.microsoft.com/office/drawing/2014/main" id="{EA3A8EBB-EC1C-42C6-B409-E065ACD0EF56}"/>
+                </a:ext>
+                <a:ext uri="{C183D7F6-B498-43B3-948B-1728B52AA6E4}">
+                  <adec:decorative xmlns:adec="http://schemas.microsoft.com/office/drawing/2017/decorative" val="1"/>
+                </a:ext>
+              </a:extLst>
+            </p:cNvPr>
+            <p:cNvSpPr/>
+            <p:nvPr>
+              <p:extLst>
+                <p:ext uri="{386F3935-93C4-4BCD-93E2-E3B085C9AB24}">
+                  <p16:designElem xmlns:p16="http://schemas.microsoft.com/office/powerpoint/2015/main" val="1"/>
+                </p:ext>
+              </p:extLst>
+            </p:nvPr>
+          </p:nvSpPr>
+          <p:spPr bwMode="auto">
+            <a:xfrm>
+              <a:off x="190500" y="9525"/>
+              <a:ext cx="152400" cy="908050"/>
+            </a:xfrm>
+            <a:custGeom>
+              <a:avLst/>
+              <a:gdLst/>
+              <a:ahLst/>
+              <a:cxnLst/>
+              <a:rect l="0" t="0" r="r" b="b"/>
+              <a:pathLst>
+                <a:path w="96" h="572">
+                  <a:moveTo>
+                    <a:pt x="15" y="572"/>
+                  </a:moveTo>
+                  <a:lnTo>
+                    <a:pt x="0" y="566"/>
+                  </a:lnTo>
+                  <a:lnTo>
+                    <a:pt x="81" y="380"/>
+                  </a:lnTo>
+                  <a:lnTo>
+                    <a:pt x="81" y="0"/>
+                  </a:lnTo>
+                  <a:lnTo>
+                    <a:pt x="96" y="0"/>
+                  </a:lnTo>
+                  <a:lnTo>
+                    <a:pt x="96" y="383"/>
+                  </a:lnTo>
+                  <a:lnTo>
+                    <a:pt x="15" y="572"/>
+                  </a:lnTo>
+                  <a:close/>
+                </a:path>
+              </a:pathLst>
+            </a:custGeom>
+            <a:grpFill/>
+            <a:ln>
+              <a:noFill/>
+            </a:ln>
+            <a:extLst>
+              <a:ext uri="{91240B29-F687-4f45-9708-019B960494DF}">
+                <a14:hiddenLine xmlns="" xmlns:a16="http://schemas.microsoft.com/office/drawing/2014/main" xmlns:p14="http://schemas.microsoft.com/office/powerpoint/2010/main" xmlns:a14="http://schemas.microsoft.com/office/drawing/2010/main" w="9525">
+                  <a:solidFill>
+                    <a:srgbClr val="000000"/>
+                  </a:solidFill>
+                  <a:round/>
+                  <a:headEnd/>
+                  <a:tailEnd/>
+                </a14:hiddenLine>
+              </a:ext>
+            </a:extLst>
+          </p:spPr>
+          <p:txBody>
+            <a:bodyPr/>
+            <a:lstStyle/>
+            <a:p>
+              <a:endParaRPr lang="en-US"/>
+            </a:p>
+          </p:txBody>
+        </p:sp>
+        <p:sp>
+          <p:nvSpPr>
+            <p:cNvPr id="102" name="Freeform 11">
+              <a:extLst>
+                <a:ext uri="{FF2B5EF4-FFF2-40B4-BE49-F238E27FC236}">
+                  <a16:creationId xmlns:a16="http://schemas.microsoft.com/office/drawing/2014/main" id="{0F0AAA08-BD9A-4F88-A60C-F2ECB84CEEFF}"/>
+                </a:ext>
+                <a:ext uri="{C183D7F6-B498-43B3-948B-1728B52AA6E4}">
+                  <adec:decorative xmlns:adec="http://schemas.microsoft.com/office/drawing/2017/decorative" val="1"/>
+                </a:ext>
+              </a:extLst>
+            </p:cNvPr>
+            <p:cNvSpPr/>
+            <p:nvPr>
+              <p:extLst>
+                <p:ext uri="{386F3935-93C4-4BCD-93E2-E3B085C9AB24}">
+                  <p16:designElem xmlns:p16="http://schemas.microsoft.com/office/powerpoint/2015/main" val="1"/>
+                </p:ext>
+              </p:extLst>
+            </p:nvPr>
+          </p:nvSpPr>
+          <p:spPr bwMode="auto">
+            <a:xfrm>
+              <a:off x="1290638" y="14288"/>
+              <a:ext cx="376238" cy="1801813"/>
+            </a:xfrm>
+            <a:custGeom>
+              <a:avLst/>
+              <a:gdLst/>
+              <a:ahLst/>
+              <a:cxnLst/>
+              <a:rect l="0" t="0" r="r" b="b"/>
+              <a:pathLst>
+                <a:path w="237" h="1135">
+                  <a:moveTo>
+                    <a:pt x="222" y="1135"/>
+                  </a:moveTo>
+                  <a:lnTo>
+                    <a:pt x="0" y="620"/>
+                  </a:lnTo>
+                  <a:lnTo>
+                    <a:pt x="0" y="0"/>
+                  </a:lnTo>
+                  <a:lnTo>
+                    <a:pt x="18" y="0"/>
+                  </a:lnTo>
+                  <a:lnTo>
+                    <a:pt x="18" y="617"/>
+                  </a:lnTo>
+                  <a:lnTo>
+                    <a:pt x="237" y="1129"/>
+                  </a:lnTo>
+                  <a:lnTo>
+                    <a:pt x="222" y="1135"/>
+                  </a:lnTo>
+                  <a:close/>
+                </a:path>
+              </a:pathLst>
+            </a:custGeom>
+            <a:grpFill/>
+            <a:ln>
+              <a:noFill/>
+            </a:ln>
+            <a:extLst>
+              <a:ext uri="{91240B29-F687-4f45-9708-019B960494DF}">
+                <a14:hiddenLine xmlns="" xmlns:a16="http://schemas.microsoft.com/office/drawing/2014/main" xmlns:p14="http://schemas.microsoft.com/office/powerpoint/2010/main" xmlns:a14="http://schemas.microsoft.com/office/drawing/2010/main" w="9525">
+                  <a:solidFill>
+                    <a:srgbClr val="000000"/>
+                  </a:solidFill>
+                  <a:round/>
+                  <a:headEnd/>
+                  <a:tailEnd/>
+                </a14:hiddenLine>
+              </a:ext>
+            </a:extLst>
+          </p:spPr>
+          <p:txBody>
+            <a:bodyPr/>
+            <a:lstStyle/>
+            <a:p>
+              <a:endParaRPr lang="en-US"/>
+            </a:p>
+          </p:txBody>
+        </p:sp>
+        <p:sp>
+          <p:nvSpPr>
+            <p:cNvPr id="103" name="Freeform 12">
+              <a:extLst>
+                <a:ext uri="{FF2B5EF4-FFF2-40B4-BE49-F238E27FC236}">
+                  <a16:creationId xmlns:a16="http://schemas.microsoft.com/office/drawing/2014/main" id="{44ACFC6E-01EE-4A01-8C39-0C4BC6B4EFFF}"/>
+                </a:ext>
+                <a:ext uri="{C183D7F6-B498-43B3-948B-1728B52AA6E4}">
+                  <adec:decorative xmlns:adec="http://schemas.microsoft.com/office/drawing/2017/decorative" val="1"/>
+                </a:ext>
+              </a:extLst>
+            </p:cNvPr>
+            <p:cNvSpPr>
+              <a:spLocks noEditPoints="1"/>
+            </p:cNvSpPr>
+            <p:nvPr>
+              <p:extLst>
+                <p:ext uri="{386F3935-93C4-4BCD-93E2-E3B085C9AB24}">
+                  <p16:designElem xmlns:p16="http://schemas.microsoft.com/office/powerpoint/2015/main" val="1"/>
+                </p:ext>
+              </p:extLst>
+            </p:nvPr>
+          </p:nvSpPr>
+          <p:spPr bwMode="auto">
+            <a:xfrm>
+              <a:off x="1600200" y="1801813"/>
+              <a:ext cx="190500" cy="188913"/>
+            </a:xfrm>
+            <a:custGeom>
+              <a:avLst/>
+              <a:gdLst/>
+              <a:ahLst/>
+              <a:cxnLst/>
+              <a:rect l="0" t="0" r="r" b="b"/>
+              <a:pathLst>
+                <a:path w="40" h="40">
+                  <a:moveTo>
+                    <a:pt x="20" y="40"/>
+                  </a:moveTo>
+                  <a:cubicBezTo>
+                    <a:pt x="9" y="40"/>
+                    <a:pt x="0" y="31"/>
+                    <a:pt x="0" y="20"/>
+                  </a:cubicBezTo>
+                  <a:cubicBezTo>
+                    <a:pt x="0" y="9"/>
+                    <a:pt x="9" y="0"/>
+                    <a:pt x="20" y="0"/>
+                  </a:cubicBezTo>
+                  <a:cubicBezTo>
+                    <a:pt x="31" y="0"/>
+                    <a:pt x="40" y="9"/>
+                    <a:pt x="40" y="20"/>
+                  </a:cubicBezTo>
+                  <a:cubicBezTo>
+                    <a:pt x="40" y="31"/>
+                    <a:pt x="31" y="40"/>
+                    <a:pt x="20" y="40"/>
+                  </a:cubicBezTo>
+                  <a:close/>
+                  <a:moveTo>
+                    <a:pt x="20" y="4"/>
+                  </a:moveTo>
+                  <a:cubicBezTo>
+                    <a:pt x="11" y="4"/>
+                    <a:pt x="4" y="11"/>
+                    <a:pt x="4" y="20"/>
+                  </a:cubicBezTo>
+                  <a:cubicBezTo>
+                    <a:pt x="4" y="29"/>
+                    <a:pt x="11" y="36"/>
+                    <a:pt x="20" y="36"/>
+                  </a:cubicBezTo>
+                  <a:cubicBezTo>
+                    <a:pt x="28" y="36"/>
+                    <a:pt x="36" y="29"/>
+                    <a:pt x="36" y="20"/>
+                  </a:cubicBezTo>
+                  <a:cubicBezTo>
+                    <a:pt x="36" y="11"/>
+                    <a:pt x="28" y="4"/>
+                    <a:pt x="20" y="4"/>
+                  </a:cubicBezTo>
+                  <a:close/>
+                </a:path>
+              </a:pathLst>
+            </a:custGeom>
+            <a:grpFill/>
+            <a:ln>
+              <a:noFill/>
+            </a:ln>
+            <a:extLst>
+              <a:ext uri="{91240B29-F687-4f45-9708-019B960494DF}">
+                <a14:hiddenLine xmlns="" xmlns:a16="http://schemas.microsoft.com/office/drawing/2014/main" xmlns:p14="http://schemas.microsoft.com/office/powerpoint/2010/main" xmlns:a14="http://schemas.microsoft.com/office/drawing/2010/main" w="9525">
+                  <a:solidFill>
+                    <a:srgbClr val="000000"/>
+                  </a:solidFill>
+                  <a:round/>
+                  <a:headEnd/>
+                  <a:tailEnd/>
+                </a14:hiddenLine>
+              </a:ext>
+            </a:extLst>
+          </p:spPr>
+          <p:txBody>
+            <a:bodyPr/>
+            <a:lstStyle/>
+            <a:p>
+              <a:endParaRPr lang="en-US"/>
+            </a:p>
+          </p:txBody>
+        </p:sp>
+        <p:sp>
+          <p:nvSpPr>
+            <p:cNvPr id="104" name="Freeform 13">
+              <a:extLst>
+                <a:ext uri="{FF2B5EF4-FFF2-40B4-BE49-F238E27FC236}">
+                  <a16:creationId xmlns:a16="http://schemas.microsoft.com/office/drawing/2014/main" id="{DDE8B861-702A-45C6-A7C5-D20764B55D80}"/>
+                </a:ext>
+                <a:ext uri="{C183D7F6-B498-43B3-948B-1728B52AA6E4}">
+                  <adec:decorative xmlns:adec="http://schemas.microsoft.com/office/drawing/2017/decorative" val="1"/>
+                </a:ext>
+              </a:extLst>
+            </p:cNvPr>
+            <p:cNvSpPr/>
+            <p:nvPr>
+              <p:extLst>
+                <p:ext uri="{386F3935-93C4-4BCD-93E2-E3B085C9AB24}">
+                  <p16:designElem xmlns:p16="http://schemas.microsoft.com/office/powerpoint/2015/main" val="1"/>
+                </p:ext>
+              </p:extLst>
+            </p:nvPr>
+          </p:nvSpPr>
+          <p:spPr bwMode="auto">
+            <a:xfrm>
+              <a:off x="1381125" y="9525"/>
+              <a:ext cx="371475" cy="1425575"/>
+            </a:xfrm>
+            <a:custGeom>
+              <a:avLst/>
+              <a:gdLst/>
+              <a:ahLst/>
+              <a:cxnLst/>
+              <a:rect l="0" t="0" r="r" b="b"/>
+              <a:pathLst>
+                <a:path w="234" h="898">
+                  <a:moveTo>
+                    <a:pt x="219" y="898"/>
+                  </a:moveTo>
+                  <a:lnTo>
+                    <a:pt x="0" y="383"/>
+                  </a:lnTo>
+                  <a:lnTo>
+                    <a:pt x="0" y="0"/>
+                  </a:lnTo>
+                  <a:lnTo>
+                    <a:pt x="15" y="0"/>
+                  </a:lnTo>
+                  <a:lnTo>
+                    <a:pt x="15" y="380"/>
+                  </a:lnTo>
+                  <a:lnTo>
+                    <a:pt x="234" y="892"/>
+                  </a:lnTo>
+                  <a:lnTo>
+                    <a:pt x="219" y="898"/>
+                  </a:lnTo>
+                  <a:close/>
+                </a:path>
+              </a:pathLst>
+            </a:custGeom>
+            <a:grpFill/>
+            <a:ln>
+              <a:noFill/>
+            </a:ln>
+            <a:extLst>
+              <a:ext uri="{91240B29-F687-4f45-9708-019B960494DF}">
+                <a14:hiddenLine xmlns="" xmlns:a16="http://schemas.microsoft.com/office/drawing/2014/main" xmlns:p14="http://schemas.microsoft.com/office/powerpoint/2010/main" xmlns:a14="http://schemas.microsoft.com/office/drawing/2010/main" w="9525">
+                  <a:solidFill>
+                    <a:srgbClr val="000000"/>
+                  </a:solidFill>
+                  <a:round/>
+                  <a:headEnd/>
+                  <a:tailEnd/>
+                </a14:hiddenLine>
+              </a:ext>
+            </a:extLst>
+          </p:spPr>
+          <p:txBody>
+            <a:bodyPr/>
+            <a:lstStyle/>
+            <a:p>
+              <a:endParaRPr lang="en-US"/>
+            </a:p>
+          </p:txBody>
+        </p:sp>
+        <p:sp>
+          <p:nvSpPr>
+            <p:cNvPr id="105" name="Freeform 14">
+              <a:extLst>
+                <a:ext uri="{FF2B5EF4-FFF2-40B4-BE49-F238E27FC236}">
+                  <a16:creationId xmlns:a16="http://schemas.microsoft.com/office/drawing/2014/main" id="{28DFAFFC-4BAC-4606-8F45-47284ED217D4}"/>
+                </a:ext>
+                <a:ext uri="{C183D7F6-B498-43B3-948B-1728B52AA6E4}">
+                  <adec:decorative xmlns:adec="http://schemas.microsoft.com/office/drawing/2017/decorative" val="1"/>
+                </a:ext>
+              </a:extLst>
+            </p:cNvPr>
+            <p:cNvSpPr/>
+            <p:nvPr>
+              <p:extLst>
+                <p:ext uri="{386F3935-93C4-4BCD-93E2-E3B085C9AB24}">
+                  <p16:designElem xmlns:p16="http://schemas.microsoft.com/office/powerpoint/2015/main" val="1"/>
+                </p:ext>
+              </p:extLst>
+            </p:nvPr>
+          </p:nvSpPr>
+          <p:spPr bwMode="auto">
+            <a:xfrm>
+              <a:off x="1643063" y="0"/>
+              <a:ext cx="152400" cy="912813"/>
+            </a:xfrm>
+            <a:custGeom>
+              <a:avLst/>
+              <a:gdLst/>
+              <a:ahLst/>
+              <a:cxnLst/>
+              <a:rect l="0" t="0" r="r" b="b"/>
+              <a:pathLst>
+                <a:path w="96" h="575">
+                  <a:moveTo>
+                    <a:pt x="96" y="575"/>
+                  </a:moveTo>
+                  <a:lnTo>
+                    <a:pt x="78" y="575"/>
+                  </a:lnTo>
+                  <a:lnTo>
+                    <a:pt x="78" y="192"/>
+                  </a:lnTo>
+                  <a:lnTo>
+                    <a:pt x="0" y="6"/>
+                  </a:lnTo>
+                  <a:lnTo>
+                    <a:pt x="15" y="0"/>
+                  </a:lnTo>
+                  <a:lnTo>
+                    <a:pt x="96" y="189"/>
+                  </a:lnTo>
+                  <a:lnTo>
+                    <a:pt x="96" y="575"/>
+                  </a:lnTo>
+                  <a:close/>
+                </a:path>
+              </a:pathLst>
+            </a:custGeom>
+            <a:grpFill/>
+            <a:ln>
+              <a:noFill/>
+            </a:ln>
+            <a:extLst>
+              <a:ext uri="{91240B29-F687-4f45-9708-019B960494DF}">
+                <a14:hiddenLine xmlns="" xmlns:a16="http://schemas.microsoft.com/office/drawing/2014/main" xmlns:p14="http://schemas.microsoft.com/office/powerpoint/2010/main" xmlns:a14="http://schemas.microsoft.com/office/drawing/2010/main" w="9525">
+                  <a:solidFill>
+                    <a:srgbClr val="000000"/>
+                  </a:solidFill>
+                  <a:round/>
+                  <a:headEnd/>
+                  <a:tailEnd/>
+                </a14:hiddenLine>
+              </a:ext>
+            </a:extLst>
+          </p:spPr>
+          <p:txBody>
+            <a:bodyPr/>
+            <a:lstStyle/>
+            <a:p>
+              <a:endParaRPr lang="en-US"/>
+            </a:p>
+          </p:txBody>
+        </p:sp>
+        <p:sp>
+          <p:nvSpPr>
+            <p:cNvPr id="106" name="Freeform 15">
+              <a:extLst>
+                <a:ext uri="{FF2B5EF4-FFF2-40B4-BE49-F238E27FC236}">
+                  <a16:creationId xmlns:a16="http://schemas.microsoft.com/office/drawing/2014/main" id="{B141C913-8CB4-4E5B-B684-BD4036777538}"/>
+                </a:ext>
+                <a:ext uri="{C183D7F6-B498-43B3-948B-1728B52AA6E4}">
+                  <adec:decorative xmlns:adec="http://schemas.microsoft.com/office/drawing/2017/decorative" val="1"/>
+                </a:ext>
+              </a:extLst>
+            </p:cNvPr>
+            <p:cNvSpPr>
+              <a:spLocks noEditPoints="1"/>
+            </p:cNvSpPr>
+            <p:nvPr>
+              <p:extLst>
+                <p:ext uri="{386F3935-93C4-4BCD-93E2-E3B085C9AB24}">
+                  <p16:designElem xmlns:p16="http://schemas.microsoft.com/office/powerpoint/2015/main" val="1"/>
+                </p:ext>
+              </p:extLst>
+            </p:nvPr>
+          </p:nvSpPr>
+          <p:spPr bwMode="auto">
+            <a:xfrm>
+              <a:off x="1685925" y="1420813"/>
+              <a:ext cx="190500" cy="190500"/>
+            </a:xfrm>
+            <a:custGeom>
+              <a:avLst/>
+              <a:gdLst/>
+              <a:ahLst/>
+              <a:cxnLst/>
+              <a:rect l="0" t="0" r="r" b="b"/>
+              <a:pathLst>
+                <a:path w="40" h="40">
+                  <a:moveTo>
+                    <a:pt x="20" y="40"/>
+                  </a:moveTo>
+                  <a:cubicBezTo>
+                    <a:pt x="9" y="40"/>
+                    <a:pt x="0" y="31"/>
+                    <a:pt x="0" y="20"/>
+                  </a:cubicBezTo>
+                  <a:cubicBezTo>
+                    <a:pt x="0" y="9"/>
+                    <a:pt x="9" y="0"/>
+                    <a:pt x="20" y="0"/>
+                  </a:cubicBezTo>
+                  <a:cubicBezTo>
+                    <a:pt x="31" y="0"/>
+                    <a:pt x="40" y="9"/>
+                    <a:pt x="40" y="20"/>
+                  </a:cubicBezTo>
+                  <a:cubicBezTo>
+                    <a:pt x="40" y="31"/>
+                    <a:pt x="31" y="40"/>
+                    <a:pt x="20" y="40"/>
+                  </a:cubicBezTo>
+                  <a:close/>
+                  <a:moveTo>
+                    <a:pt x="20" y="4"/>
+                  </a:moveTo>
+                  <a:cubicBezTo>
+                    <a:pt x="11" y="4"/>
+                    <a:pt x="4" y="11"/>
+                    <a:pt x="4" y="20"/>
+                  </a:cubicBezTo>
+                  <a:cubicBezTo>
+                    <a:pt x="4" y="29"/>
+                    <a:pt x="11" y="36"/>
+                    <a:pt x="20" y="36"/>
+                  </a:cubicBezTo>
+                  <a:cubicBezTo>
+                    <a:pt x="29" y="36"/>
+                    <a:pt x="36" y="29"/>
+                    <a:pt x="36" y="20"/>
+                  </a:cubicBezTo>
+                  <a:cubicBezTo>
+                    <a:pt x="36" y="11"/>
+                    <a:pt x="29" y="4"/>
+                    <a:pt x="20" y="4"/>
+                  </a:cubicBezTo>
+                  <a:close/>
+                </a:path>
+              </a:pathLst>
+            </a:custGeom>
+            <a:grpFill/>
+            <a:ln>
+              <a:noFill/>
+            </a:ln>
+            <a:extLst>
+              <a:ext uri="{91240B29-F687-4f45-9708-019B960494DF}">
+                <a14:hiddenLine xmlns="" xmlns:a16="http://schemas.microsoft.com/office/drawing/2014/main" xmlns:p14="http://schemas.microsoft.com/office/powerpoint/2010/main" xmlns:a14="http://schemas.microsoft.com/office/drawing/2010/main" w="9525">
+                  <a:solidFill>
+                    <a:srgbClr val="000000"/>
+                  </a:solidFill>
+                  <a:round/>
+                  <a:headEnd/>
+                  <a:tailEnd/>
+                </a14:hiddenLine>
+              </a:ext>
+            </a:extLst>
+          </p:spPr>
+          <p:txBody>
+            <a:bodyPr/>
+            <a:lstStyle/>
+            <a:p>
+              <a:endParaRPr lang="en-US"/>
+            </a:p>
+          </p:txBody>
+        </p:sp>
+        <p:sp>
+          <p:nvSpPr>
+            <p:cNvPr id="107" name="Freeform 16">
+              <a:extLst>
+                <a:ext uri="{FF2B5EF4-FFF2-40B4-BE49-F238E27FC236}">
+                  <a16:creationId xmlns:a16="http://schemas.microsoft.com/office/drawing/2014/main" id="{81E80ADE-DC6D-491B-BAC4-A90D44FD458A}"/>
+                </a:ext>
+                <a:ext uri="{C183D7F6-B498-43B3-948B-1728B52AA6E4}">
+                  <adec:decorative xmlns:adec="http://schemas.microsoft.com/office/drawing/2017/decorative" val="1"/>
+                </a:ext>
+              </a:extLst>
+            </p:cNvPr>
+            <p:cNvSpPr>
+              <a:spLocks noEditPoints="1"/>
+            </p:cNvSpPr>
+            <p:nvPr>
+              <p:extLst>
+                <p:ext uri="{386F3935-93C4-4BCD-93E2-E3B085C9AB24}">
+                  <p16:designElem xmlns:p16="http://schemas.microsoft.com/office/powerpoint/2015/main" val="1"/>
+                </p:ext>
+              </p:extLst>
+            </p:nvPr>
+          </p:nvSpPr>
+          <p:spPr bwMode="auto">
+            <a:xfrm>
+              <a:off x="1685925" y="903288"/>
+              <a:ext cx="190500" cy="190500"/>
+            </a:xfrm>
+            <a:custGeom>
+              <a:avLst/>
+              <a:gdLst/>
+              <a:ahLst/>
+              <a:cxnLst/>
+              <a:rect l="0" t="0" r="r" b="b"/>
+              <a:pathLst>
+                <a:path w="40" h="40">
+                  <a:moveTo>
+                    <a:pt x="20" y="40"/>
+                  </a:moveTo>
+                  <a:cubicBezTo>
+                    <a:pt x="9" y="40"/>
+                    <a:pt x="0" y="31"/>
+                    <a:pt x="0" y="20"/>
+                  </a:cubicBezTo>
+                  <a:cubicBezTo>
+                    <a:pt x="0" y="9"/>
+                    <a:pt x="9" y="0"/>
+                    <a:pt x="20" y="0"/>
+                  </a:cubicBezTo>
+                  <a:cubicBezTo>
+                    <a:pt x="31" y="0"/>
+                    <a:pt x="40" y="9"/>
+                    <a:pt x="40" y="20"/>
+                  </a:cubicBezTo>
+                  <a:cubicBezTo>
+                    <a:pt x="40" y="31"/>
+                    <a:pt x="31" y="40"/>
+                    <a:pt x="20" y="40"/>
+                  </a:cubicBezTo>
+                  <a:close/>
+                  <a:moveTo>
+                    <a:pt x="20" y="4"/>
+                  </a:moveTo>
+                  <a:cubicBezTo>
+                    <a:pt x="11" y="4"/>
+                    <a:pt x="4" y="11"/>
+                    <a:pt x="4" y="20"/>
+                  </a:cubicBezTo>
+                  <a:cubicBezTo>
+                    <a:pt x="4" y="29"/>
+                    <a:pt x="11" y="36"/>
+                    <a:pt x="20" y="36"/>
+                  </a:cubicBezTo>
+                  <a:cubicBezTo>
+                    <a:pt x="29" y="36"/>
+                    <a:pt x="36" y="29"/>
+                    <a:pt x="36" y="20"/>
+                  </a:cubicBezTo>
+                  <a:cubicBezTo>
+                    <a:pt x="36" y="11"/>
+                    <a:pt x="29" y="4"/>
+                    <a:pt x="20" y="4"/>
+                  </a:cubicBezTo>
+                  <a:close/>
+                </a:path>
+              </a:pathLst>
+            </a:custGeom>
+            <a:grpFill/>
+            <a:ln>
+              <a:noFill/>
+            </a:ln>
+            <a:extLst>
+              <a:ext uri="{91240B29-F687-4f45-9708-019B960494DF}">
+                <a14:hiddenLine xmlns="" xmlns:a16="http://schemas.microsoft.com/office/drawing/2014/main" xmlns:p14="http://schemas.microsoft.com/office/powerpoint/2010/main" xmlns:a14="http://schemas.microsoft.com/office/drawing/2010/main" w="9525">
+                  <a:solidFill>
+                    <a:srgbClr val="000000"/>
+                  </a:solidFill>
+                  <a:round/>
+                  <a:headEnd/>
+                  <a:tailEnd/>
+                </a14:hiddenLine>
+              </a:ext>
+            </a:extLst>
+          </p:spPr>
+          <p:txBody>
+            <a:bodyPr/>
+            <a:lstStyle/>
+            <a:p>
+              <a:endParaRPr lang="en-US"/>
+            </a:p>
+          </p:txBody>
+        </p:sp>
+        <p:sp>
+          <p:nvSpPr>
+            <p:cNvPr id="108" name="Freeform 17">
+              <a:extLst>
+                <a:ext uri="{FF2B5EF4-FFF2-40B4-BE49-F238E27FC236}">
+                  <a16:creationId xmlns:a16="http://schemas.microsoft.com/office/drawing/2014/main" id="{4A425A61-47B5-41CA-A1D6-21C358B89DB8}"/>
+                </a:ext>
+                <a:ext uri="{C183D7F6-B498-43B3-948B-1728B52AA6E4}">
+                  <adec:decorative xmlns:adec="http://schemas.microsoft.com/office/drawing/2017/decorative" val="1"/>
+                </a:ext>
+              </a:extLst>
+            </p:cNvPr>
+            <p:cNvSpPr/>
+            <p:nvPr>
+              <p:extLst>
+                <p:ext uri="{386F3935-93C4-4BCD-93E2-E3B085C9AB24}">
+                  <p16:designElem xmlns:p16="http://schemas.microsoft.com/office/powerpoint/2015/main" val="1"/>
+                </p:ext>
+              </p:extLst>
+            </p:nvPr>
+          </p:nvSpPr>
+          <p:spPr bwMode="auto">
+            <a:xfrm>
+              <a:off x="1743075" y="4763"/>
+              <a:ext cx="419100" cy="522288"/>
+            </a:xfrm>
+            <a:custGeom>
+              <a:avLst/>
+              <a:gdLst/>
+              <a:ahLst/>
+              <a:cxnLst/>
+              <a:rect l="0" t="0" r="r" b="b"/>
+              <a:pathLst>
+                <a:path w="264" h="329">
+                  <a:moveTo>
+                    <a:pt x="252" y="329"/>
+                  </a:moveTo>
+                  <a:lnTo>
+                    <a:pt x="45" y="120"/>
+                  </a:lnTo>
+                  <a:lnTo>
+                    <a:pt x="0" y="6"/>
+                  </a:lnTo>
+                  <a:lnTo>
+                    <a:pt x="15" y="0"/>
+                  </a:lnTo>
+                  <a:lnTo>
+                    <a:pt x="60" y="111"/>
+                  </a:lnTo>
+                  <a:lnTo>
+                    <a:pt x="264" y="317"/>
+                  </a:lnTo>
+                  <a:lnTo>
+                    <a:pt x="252" y="329"/>
+                  </a:lnTo>
+                  <a:close/>
+                </a:path>
+              </a:pathLst>
+            </a:custGeom>
+            <a:grpFill/>
+            <a:ln>
+              <a:noFill/>
+            </a:ln>
+            <a:extLst>
+              <a:ext uri="{91240B29-F687-4f45-9708-019B960494DF}">
+                <a14:hiddenLine xmlns="" xmlns:a16="http://schemas.microsoft.com/office/drawing/2014/main" xmlns:p14="http://schemas.microsoft.com/office/powerpoint/2010/main" xmlns:a14="http://schemas.microsoft.com/office/drawing/2010/main" w="9525">
+                  <a:solidFill>
+                    <a:srgbClr val="000000"/>
+                  </a:solidFill>
+                  <a:round/>
+                  <a:headEnd/>
+                  <a:tailEnd/>
+                </a14:hiddenLine>
+              </a:ext>
+            </a:extLst>
+          </p:spPr>
+          <p:txBody>
+            <a:bodyPr/>
+            <a:lstStyle/>
+            <a:p>
+              <a:endParaRPr lang="en-US"/>
+            </a:p>
+          </p:txBody>
+        </p:sp>
+        <p:sp>
+          <p:nvSpPr>
+            <p:cNvPr id="109" name="Freeform 18">
+              <a:extLst>
+                <a:ext uri="{FF2B5EF4-FFF2-40B4-BE49-F238E27FC236}">
+                  <a16:creationId xmlns:a16="http://schemas.microsoft.com/office/drawing/2014/main" id="{B44D4532-40A1-4CEB-8A1C-711180D58612}"/>
+                </a:ext>
+                <a:ext uri="{C183D7F6-B498-43B3-948B-1728B52AA6E4}">
+                  <adec:decorative xmlns:adec="http://schemas.microsoft.com/office/drawing/2017/decorative" val="1"/>
+                </a:ext>
+              </a:extLst>
+            </p:cNvPr>
+            <p:cNvSpPr>
+              <a:spLocks noEditPoints="1"/>
+            </p:cNvSpPr>
+            <p:nvPr>
+              <p:extLst>
+                <p:ext uri="{386F3935-93C4-4BCD-93E2-E3B085C9AB24}">
+                  <p16:designElem xmlns:p16="http://schemas.microsoft.com/office/powerpoint/2015/main" val="1"/>
+                </p:ext>
+              </p:extLst>
+            </p:nvPr>
+          </p:nvSpPr>
+          <p:spPr bwMode="auto">
+            <a:xfrm>
+              <a:off x="2119313" y="488950"/>
+              <a:ext cx="161925" cy="147638"/>
+            </a:xfrm>
+            <a:custGeom>
+              <a:avLst/>
+              <a:gdLst/>
+              <a:ahLst/>
+              <a:cxnLst/>
+              <a:rect l="0" t="0" r="r" b="b"/>
+              <a:pathLst>
+                <a:path w="34" h="31">
+                  <a:moveTo>
+                    <a:pt x="17" y="31"/>
+                  </a:moveTo>
+                  <a:cubicBezTo>
+                    <a:pt x="13" y="31"/>
+                    <a:pt x="9" y="30"/>
+                    <a:pt x="6" y="27"/>
+                  </a:cubicBezTo>
+                  <a:cubicBezTo>
+                    <a:pt x="0" y="20"/>
+                    <a:pt x="0" y="10"/>
+                    <a:pt x="6" y="4"/>
+                  </a:cubicBezTo>
+                  <a:cubicBezTo>
+                    <a:pt x="9" y="1"/>
+                    <a:pt x="13" y="0"/>
+                    <a:pt x="17" y="0"/>
+                  </a:cubicBezTo>
+                  <a:cubicBezTo>
+                    <a:pt x="21" y="0"/>
+                    <a:pt x="25" y="1"/>
+                    <a:pt x="28" y="4"/>
+                  </a:cubicBezTo>
+                  <a:cubicBezTo>
+                    <a:pt x="34" y="10"/>
+                    <a:pt x="34" y="20"/>
+                    <a:pt x="28" y="27"/>
+                  </a:cubicBezTo>
+                  <a:cubicBezTo>
+                    <a:pt x="25" y="30"/>
+                    <a:pt x="21" y="31"/>
+                    <a:pt x="17" y="31"/>
+                  </a:cubicBezTo>
+                  <a:close/>
+                  <a:moveTo>
+                    <a:pt x="17" y="4"/>
+                  </a:moveTo>
+                  <a:cubicBezTo>
+                    <a:pt x="14" y="4"/>
+                    <a:pt x="11" y="5"/>
+                    <a:pt x="9" y="7"/>
+                  </a:cubicBezTo>
+                  <a:cubicBezTo>
+                    <a:pt x="4" y="12"/>
+                    <a:pt x="4" y="19"/>
+                    <a:pt x="9" y="24"/>
+                  </a:cubicBezTo>
+                  <a:cubicBezTo>
+                    <a:pt x="11" y="26"/>
+                    <a:pt x="14" y="27"/>
+                    <a:pt x="17" y="27"/>
+                  </a:cubicBezTo>
+                  <a:cubicBezTo>
+                    <a:pt x="20" y="27"/>
+                    <a:pt x="23" y="26"/>
+                    <a:pt x="25" y="24"/>
+                  </a:cubicBezTo>
+                  <a:cubicBezTo>
+                    <a:pt x="30" y="19"/>
+                    <a:pt x="30" y="12"/>
+                    <a:pt x="25" y="7"/>
+                  </a:cubicBezTo>
+                  <a:cubicBezTo>
+                    <a:pt x="23" y="5"/>
+                    <a:pt x="20" y="4"/>
+                    <a:pt x="17" y="4"/>
+                  </a:cubicBezTo>
+                  <a:close/>
+                </a:path>
+              </a:pathLst>
+            </a:custGeom>
+            <a:grpFill/>
+            <a:ln>
+              <a:noFill/>
+            </a:ln>
+            <a:extLst>
+              <a:ext uri="{91240B29-F687-4f45-9708-019B960494DF}">
+                <a14:hiddenLine xmlns="" xmlns:a16="http://schemas.microsoft.com/office/drawing/2014/main" xmlns:p14="http://schemas.microsoft.com/office/powerpoint/2010/main" xmlns:a14="http://schemas.microsoft.com/office/drawing/2010/main" w="9525">
+                  <a:solidFill>
+                    <a:srgbClr val="000000"/>
+                  </a:solidFill>
+                  <a:round/>
+                  <a:headEnd/>
+                  <a:tailEnd/>
+                </a14:hiddenLine>
+              </a:ext>
+            </a:extLst>
+          </p:spPr>
+          <p:txBody>
+            <a:bodyPr/>
+            <a:lstStyle/>
+            <a:p>
+              <a:endParaRPr lang="en-US"/>
+            </a:p>
+          </p:txBody>
+        </p:sp>
+        <p:sp>
+          <p:nvSpPr>
+            <p:cNvPr id="110" name="Freeform 19">
+              <a:extLst>
+                <a:ext uri="{FF2B5EF4-FFF2-40B4-BE49-F238E27FC236}">
+                  <a16:creationId xmlns:a16="http://schemas.microsoft.com/office/drawing/2014/main" id="{31056221-3B7D-4E0B-A366-3E03523EF541}"/>
+                </a:ext>
+                <a:ext uri="{C183D7F6-B498-43B3-948B-1728B52AA6E4}">
+                  <adec:decorative xmlns:adec="http://schemas.microsoft.com/office/drawing/2017/decorative" val="1"/>
+                </a:ext>
+              </a:extLst>
+            </p:cNvPr>
+            <p:cNvSpPr/>
+            <p:nvPr>
+              <p:extLst>
+                <p:ext uri="{386F3935-93C4-4BCD-93E2-E3B085C9AB24}">
+                  <p16:designElem xmlns:p16="http://schemas.microsoft.com/office/powerpoint/2015/main" val="1"/>
+                </p:ext>
+              </p:extLst>
+            </p:nvPr>
+          </p:nvSpPr>
+          <p:spPr bwMode="auto">
+            <a:xfrm>
+              <a:off x="952500" y="4763"/>
+              <a:ext cx="152400" cy="908050"/>
+            </a:xfrm>
+            <a:custGeom>
+              <a:avLst/>
+              <a:gdLst/>
+              <a:ahLst/>
+              <a:cxnLst/>
+              <a:rect l="0" t="0" r="r" b="b"/>
+              <a:pathLst>
+                <a:path w="96" h="572">
+                  <a:moveTo>
+                    <a:pt x="15" y="572"/>
+                  </a:moveTo>
+                  <a:lnTo>
+                    <a:pt x="0" y="572"/>
+                  </a:lnTo>
+                  <a:lnTo>
+                    <a:pt x="0" y="189"/>
+                  </a:lnTo>
+                  <a:lnTo>
+                    <a:pt x="81" y="0"/>
+                  </a:lnTo>
+                  <a:lnTo>
+                    <a:pt x="96" y="6"/>
+                  </a:lnTo>
+                  <a:lnTo>
+                    <a:pt x="15" y="192"/>
+                  </a:lnTo>
+                  <a:lnTo>
+                    <a:pt x="15" y="572"/>
+                  </a:lnTo>
+                  <a:close/>
+                </a:path>
+              </a:pathLst>
+            </a:custGeom>
+            <a:grpFill/>
+            <a:ln>
+              <a:noFill/>
+            </a:ln>
+            <a:extLst>
+              <a:ext uri="{91240B29-F687-4f45-9708-019B960494DF}">
+                <a14:hiddenLine xmlns="" xmlns:a16="http://schemas.microsoft.com/office/drawing/2014/main" xmlns:p14="http://schemas.microsoft.com/office/powerpoint/2010/main" xmlns:a14="http://schemas.microsoft.com/office/drawing/2010/main" w="9525">
+                  <a:solidFill>
+                    <a:srgbClr val="000000"/>
+                  </a:solidFill>
+                  <a:round/>
+                  <a:headEnd/>
+                  <a:tailEnd/>
+                </a14:hiddenLine>
+              </a:ext>
+            </a:extLst>
+          </p:spPr>
+          <p:txBody>
+            <a:bodyPr/>
+            <a:lstStyle/>
+            <a:p>
+              <a:endParaRPr lang="en-US"/>
+            </a:p>
+          </p:txBody>
+        </p:sp>
+        <p:sp>
+          <p:nvSpPr>
+            <p:cNvPr id="111" name="Freeform 20">
+              <a:extLst>
+                <a:ext uri="{FF2B5EF4-FFF2-40B4-BE49-F238E27FC236}">
+                  <a16:creationId xmlns:a16="http://schemas.microsoft.com/office/drawing/2014/main" id="{0F4CE988-2CA1-4875-8419-BC9914E7A90D}"/>
+                </a:ext>
+                <a:ext uri="{C183D7F6-B498-43B3-948B-1728B52AA6E4}">
+                  <adec:decorative xmlns:adec="http://schemas.microsoft.com/office/drawing/2017/decorative" val="1"/>
+                </a:ext>
+              </a:extLst>
+            </p:cNvPr>
+            <p:cNvSpPr>
+              <a:spLocks noEditPoints="1"/>
+            </p:cNvSpPr>
+            <p:nvPr>
+              <p:extLst>
+                <p:ext uri="{386F3935-93C4-4BCD-93E2-E3B085C9AB24}">
+                  <p16:designElem xmlns:p16="http://schemas.microsoft.com/office/powerpoint/2015/main" val="1"/>
+                </p:ext>
+              </p:extLst>
+            </p:nvPr>
+          </p:nvSpPr>
+          <p:spPr bwMode="auto">
+            <a:xfrm>
+              <a:off x="866775" y="903288"/>
+              <a:ext cx="190500" cy="190500"/>
+            </a:xfrm>
+            <a:custGeom>
+              <a:avLst/>
+              <a:gdLst/>
+              <a:ahLst/>
+              <a:cxnLst/>
+              <a:rect l="0" t="0" r="r" b="b"/>
+              <a:pathLst>
+                <a:path w="40" h="40">
+                  <a:moveTo>
+                    <a:pt x="20" y="40"/>
+                  </a:moveTo>
+                  <a:cubicBezTo>
+                    <a:pt x="9" y="40"/>
+                    <a:pt x="0" y="31"/>
+                    <a:pt x="0" y="20"/>
+                  </a:cubicBezTo>
+                  <a:cubicBezTo>
+                    <a:pt x="0" y="9"/>
+                    <a:pt x="9" y="0"/>
+                    <a:pt x="20" y="0"/>
+                  </a:cubicBezTo>
+                  <a:cubicBezTo>
+                    <a:pt x="31" y="0"/>
+                    <a:pt x="40" y="9"/>
+                    <a:pt x="40" y="20"/>
+                  </a:cubicBezTo>
+                  <a:cubicBezTo>
+                    <a:pt x="40" y="31"/>
+                    <a:pt x="31" y="40"/>
+                    <a:pt x="20" y="40"/>
+                  </a:cubicBezTo>
+                  <a:close/>
+                  <a:moveTo>
+                    <a:pt x="20" y="4"/>
+                  </a:moveTo>
+                  <a:cubicBezTo>
+                    <a:pt x="11" y="4"/>
+                    <a:pt x="4" y="12"/>
+                    <a:pt x="4" y="20"/>
+                  </a:cubicBezTo>
+                  <a:cubicBezTo>
+                    <a:pt x="4" y="29"/>
+                    <a:pt x="11" y="36"/>
+                    <a:pt x="20" y="36"/>
+                  </a:cubicBezTo>
+                  <a:cubicBezTo>
+                    <a:pt x="29" y="36"/>
+                    <a:pt x="36" y="29"/>
+                    <a:pt x="36" y="20"/>
+                  </a:cubicBezTo>
+                  <a:cubicBezTo>
+                    <a:pt x="36" y="12"/>
+                    <a:pt x="29" y="4"/>
+                    <a:pt x="20" y="4"/>
+                  </a:cubicBezTo>
+                  <a:close/>
+                </a:path>
+              </a:pathLst>
+            </a:custGeom>
+            <a:grpFill/>
+            <a:ln>
+              <a:noFill/>
+            </a:ln>
+            <a:extLst>
+              <a:ext uri="{91240B29-F687-4f45-9708-019B960494DF}">
+                <a14:hiddenLine xmlns="" xmlns:a16="http://schemas.microsoft.com/office/drawing/2014/main" xmlns:p14="http://schemas.microsoft.com/office/powerpoint/2010/main" xmlns:a14="http://schemas.microsoft.com/office/drawing/2010/main" w="9525">
+                  <a:solidFill>
+                    <a:srgbClr val="000000"/>
+                  </a:solidFill>
+                  <a:round/>
+                  <a:headEnd/>
+                  <a:tailEnd/>
+                </a14:hiddenLine>
+              </a:ext>
+            </a:extLst>
+          </p:spPr>
+          <p:txBody>
+            <a:bodyPr/>
+            <a:lstStyle/>
+            <a:p>
+              <a:endParaRPr lang="en-US"/>
+            </a:p>
+          </p:txBody>
+        </p:sp>
+        <p:sp>
+          <p:nvSpPr>
+            <p:cNvPr id="112" name="Freeform 21">
+              <a:extLst>
+                <a:ext uri="{FF2B5EF4-FFF2-40B4-BE49-F238E27FC236}">
+                  <a16:creationId xmlns:a16="http://schemas.microsoft.com/office/drawing/2014/main" id="{D5E11DED-8522-4839-A2C5-9D64FBB03123}"/>
+                </a:ext>
+                <a:ext uri="{C183D7F6-B498-43B3-948B-1728B52AA6E4}">
+                  <adec:decorative xmlns:adec="http://schemas.microsoft.com/office/drawing/2017/decorative" val="1"/>
+                </a:ext>
+              </a:extLst>
+            </p:cNvPr>
+            <p:cNvSpPr>
+              <a:spLocks noEditPoints="1"/>
+            </p:cNvSpPr>
+            <p:nvPr>
+              <p:extLst>
+                <p:ext uri="{386F3935-93C4-4BCD-93E2-E3B085C9AB24}">
+                  <p16:designElem xmlns:p16="http://schemas.microsoft.com/office/powerpoint/2015/main" val="1"/>
+                </p:ext>
+              </p:extLst>
+            </p:nvPr>
+          </p:nvSpPr>
+          <p:spPr bwMode="auto">
+            <a:xfrm>
+              <a:off x="890588" y="1554163"/>
+              <a:ext cx="190500" cy="190500"/>
+            </a:xfrm>
+            <a:custGeom>
+              <a:avLst/>
+              <a:gdLst/>
+              <a:ahLst/>
+              <a:cxnLst/>
+              <a:rect l="0" t="0" r="r" b="b"/>
+              <a:pathLst>
+                <a:path w="40" h="40">
+                  <a:moveTo>
+                    <a:pt x="20" y="40"/>
+                  </a:moveTo>
+                  <a:cubicBezTo>
+                    <a:pt x="9" y="40"/>
+                    <a:pt x="0" y="31"/>
+                    <a:pt x="0" y="20"/>
+                  </a:cubicBezTo>
+                  <a:cubicBezTo>
+                    <a:pt x="0" y="9"/>
+                    <a:pt x="9" y="0"/>
+                    <a:pt x="20" y="0"/>
+                  </a:cubicBezTo>
+                  <a:cubicBezTo>
+                    <a:pt x="31" y="0"/>
+                    <a:pt x="40" y="9"/>
+                    <a:pt x="40" y="20"/>
+                  </a:cubicBezTo>
+                  <a:cubicBezTo>
+                    <a:pt x="40" y="31"/>
+                    <a:pt x="31" y="40"/>
+                    <a:pt x="20" y="40"/>
+                  </a:cubicBezTo>
+                  <a:close/>
+                  <a:moveTo>
+                    <a:pt x="20" y="4"/>
+                  </a:moveTo>
+                  <a:cubicBezTo>
+                    <a:pt x="11" y="4"/>
+                    <a:pt x="4" y="11"/>
+                    <a:pt x="4" y="20"/>
+                  </a:cubicBezTo>
+                  <a:cubicBezTo>
+                    <a:pt x="4" y="28"/>
+                    <a:pt x="11" y="36"/>
+                    <a:pt x="20" y="36"/>
+                  </a:cubicBezTo>
+                  <a:cubicBezTo>
+                    <a:pt x="29" y="36"/>
+                    <a:pt x="36" y="28"/>
+                    <a:pt x="36" y="20"/>
+                  </a:cubicBezTo>
+                  <a:cubicBezTo>
+                    <a:pt x="36" y="11"/>
+                    <a:pt x="29" y="4"/>
+                    <a:pt x="20" y="4"/>
+                  </a:cubicBezTo>
+                  <a:close/>
+                </a:path>
+              </a:pathLst>
+            </a:custGeom>
+            <a:grpFill/>
+            <a:ln>
+              <a:noFill/>
+            </a:ln>
+            <a:extLst>
+              <a:ext uri="{91240B29-F687-4f45-9708-019B960494DF}">
+                <a14:hiddenLine xmlns="" xmlns:a16="http://schemas.microsoft.com/office/drawing/2014/main" xmlns:p14="http://schemas.microsoft.com/office/powerpoint/2010/main" xmlns:a14="http://schemas.microsoft.com/office/drawing/2010/main" w="9525">
+                  <a:solidFill>
+                    <a:srgbClr val="000000"/>
+                  </a:solidFill>
+                  <a:round/>
+                  <a:headEnd/>
+                  <a:tailEnd/>
+                </a14:hiddenLine>
+              </a:ext>
+            </a:extLst>
+          </p:spPr>
+          <p:txBody>
+            <a:bodyPr/>
+            <a:lstStyle/>
+            <a:p>
+              <a:endParaRPr lang="en-US"/>
+            </a:p>
+          </p:txBody>
+        </p:sp>
+        <p:sp>
+          <p:nvSpPr>
+            <p:cNvPr id="113" name="Freeform 22">
+              <a:extLst>
+                <a:ext uri="{FF2B5EF4-FFF2-40B4-BE49-F238E27FC236}">
+                  <a16:creationId xmlns:a16="http://schemas.microsoft.com/office/drawing/2014/main" id="{3A1EE55C-F160-4A56-ABFE-5EE18FE219C5}"/>
+                </a:ext>
+                <a:ext uri="{C183D7F6-B498-43B3-948B-1728B52AA6E4}">
+                  <adec:decorative xmlns:adec="http://schemas.microsoft.com/office/drawing/2017/decorative" val="1"/>
+                </a:ext>
+              </a:extLst>
+            </p:cNvPr>
+            <p:cNvSpPr/>
+            <p:nvPr>
+              <p:extLst>
+                <p:ext uri="{386F3935-93C4-4BCD-93E2-E3B085C9AB24}">
+                  <p16:designElem xmlns:p16="http://schemas.microsoft.com/office/powerpoint/2015/main" val="1"/>
+                </p:ext>
+              </p:extLst>
+            </p:nvPr>
+          </p:nvSpPr>
+          <p:spPr bwMode="auto">
+            <a:xfrm>
+              <a:off x="738188" y="5622925"/>
+              <a:ext cx="338138" cy="1216025"/>
+            </a:xfrm>
+            <a:custGeom>
+              <a:avLst/>
+              <a:gdLst/>
+              <a:ahLst/>
+              <a:cxnLst/>
+              <a:rect l="0" t="0" r="r" b="b"/>
+              <a:pathLst>
+                <a:path w="213" h="766">
+                  <a:moveTo>
+                    <a:pt x="213" y="766"/>
+                  </a:moveTo>
+                  <a:lnTo>
+                    <a:pt x="195" y="766"/>
+                  </a:lnTo>
+                  <a:lnTo>
+                    <a:pt x="195" y="464"/>
+                  </a:lnTo>
+                  <a:lnTo>
+                    <a:pt x="0" y="6"/>
+                  </a:lnTo>
+                  <a:lnTo>
+                    <a:pt x="12" y="0"/>
+                  </a:lnTo>
+                  <a:lnTo>
+                    <a:pt x="213" y="461"/>
+                  </a:lnTo>
+                  <a:lnTo>
+                    <a:pt x="213" y="766"/>
+                  </a:lnTo>
+                  <a:close/>
+                </a:path>
+              </a:pathLst>
+            </a:custGeom>
+            <a:grpFill/>
+            <a:ln>
+              <a:noFill/>
+            </a:ln>
+            <a:extLst>
+              <a:ext uri="{91240B29-F687-4f45-9708-019B960494DF}">
+                <a14:hiddenLine xmlns="" xmlns:a16="http://schemas.microsoft.com/office/drawing/2014/main" xmlns:p14="http://schemas.microsoft.com/office/powerpoint/2010/main" xmlns:a14="http://schemas.microsoft.com/office/drawing/2010/main" w="9525">
+                  <a:solidFill>
+                    <a:srgbClr val="000000"/>
+                  </a:solidFill>
+                  <a:round/>
+                  <a:headEnd/>
+                  <a:tailEnd/>
+                </a14:hiddenLine>
+              </a:ext>
+            </a:extLst>
+          </p:spPr>
+          <p:txBody>
+            <a:bodyPr/>
+            <a:lstStyle/>
+            <a:p>
+              <a:endParaRPr lang="en-US"/>
+            </a:p>
+          </p:txBody>
+        </p:sp>
+        <p:sp>
+          <p:nvSpPr>
+            <p:cNvPr id="114" name="Freeform 23">
+              <a:extLst>
+                <a:ext uri="{FF2B5EF4-FFF2-40B4-BE49-F238E27FC236}">
+                  <a16:creationId xmlns:a16="http://schemas.microsoft.com/office/drawing/2014/main" id="{519A9CFB-FBD5-4742-9228-976E852BCC6D}"/>
+                </a:ext>
+                <a:ext uri="{C183D7F6-B498-43B3-948B-1728B52AA6E4}">
+                  <adec:decorative xmlns:adec="http://schemas.microsoft.com/office/drawing/2017/decorative" val="1"/>
+                </a:ext>
+              </a:extLst>
+            </p:cNvPr>
+            <p:cNvSpPr>
+              <a:spLocks noEditPoints="1"/>
+            </p:cNvSpPr>
+            <p:nvPr>
+              <p:extLst>
+                <p:ext uri="{386F3935-93C4-4BCD-93E2-E3B085C9AB24}">
+                  <p16:designElem xmlns:p16="http://schemas.microsoft.com/office/powerpoint/2015/main" val="1"/>
+                </p:ext>
+              </p:extLst>
+            </p:nvPr>
+          </p:nvSpPr>
+          <p:spPr bwMode="auto">
+            <a:xfrm>
+              <a:off x="647700" y="5480050"/>
+              <a:ext cx="157163" cy="157163"/>
+            </a:xfrm>
+            <a:custGeom>
+              <a:avLst/>
+              <a:gdLst/>
+              <a:ahLst/>
+              <a:cxnLst/>
+              <a:rect l="0" t="0" r="r" b="b"/>
+              <a:pathLst>
+                <a:path w="33" h="33">
+                  <a:moveTo>
+                    <a:pt x="17" y="33"/>
+                  </a:moveTo>
+                  <a:cubicBezTo>
+                    <a:pt x="8" y="33"/>
+                    <a:pt x="0" y="26"/>
+                    <a:pt x="0" y="17"/>
+                  </a:cubicBezTo>
+                  <a:cubicBezTo>
+                    <a:pt x="0" y="8"/>
+                    <a:pt x="8" y="0"/>
+                    <a:pt x="17" y="0"/>
+                  </a:cubicBezTo>
+                  <a:cubicBezTo>
+                    <a:pt x="26" y="0"/>
+                    <a:pt x="33" y="8"/>
+                    <a:pt x="33" y="17"/>
+                  </a:cubicBezTo>
+                  <a:cubicBezTo>
+                    <a:pt x="33" y="26"/>
+                    <a:pt x="26" y="33"/>
+                    <a:pt x="17" y="33"/>
+                  </a:cubicBezTo>
+                  <a:close/>
+                  <a:moveTo>
+                    <a:pt x="17" y="4"/>
+                  </a:moveTo>
+                  <a:cubicBezTo>
+                    <a:pt x="10" y="4"/>
+                    <a:pt x="4" y="10"/>
+                    <a:pt x="4" y="17"/>
+                  </a:cubicBezTo>
+                  <a:cubicBezTo>
+                    <a:pt x="4" y="24"/>
+                    <a:pt x="10" y="29"/>
+                    <a:pt x="17" y="29"/>
+                  </a:cubicBezTo>
+                  <a:cubicBezTo>
+                    <a:pt x="23" y="29"/>
+                    <a:pt x="29" y="24"/>
+                    <a:pt x="29" y="17"/>
+                  </a:cubicBezTo>
+                  <a:cubicBezTo>
+                    <a:pt x="29" y="10"/>
+                    <a:pt x="23" y="4"/>
+                    <a:pt x="17" y="4"/>
+                  </a:cubicBezTo>
+                  <a:close/>
+                </a:path>
+              </a:pathLst>
+            </a:custGeom>
+            <a:grpFill/>
+            <a:ln>
+              <a:noFill/>
+            </a:ln>
+            <a:extLst>
+              <a:ext uri="{91240B29-F687-4f45-9708-019B960494DF}">
+                <a14:hiddenLine xmlns="" xmlns:a16="http://schemas.microsoft.com/office/drawing/2014/main" xmlns:p14="http://schemas.microsoft.com/office/powerpoint/2010/main" xmlns:a14="http://schemas.microsoft.com/office/drawing/2010/main" w="9525">
+                  <a:solidFill>
+                    <a:srgbClr val="000000"/>
+                  </a:solidFill>
+                  <a:round/>
+                  <a:headEnd/>
+                  <a:tailEnd/>
+                </a14:hiddenLine>
+              </a:ext>
+            </a:extLst>
+          </p:spPr>
+          <p:txBody>
+            <a:bodyPr/>
+            <a:lstStyle/>
+            <a:p>
+              <a:endParaRPr lang="en-US"/>
+            </a:p>
+          </p:txBody>
+        </p:sp>
+        <p:sp>
+          <p:nvSpPr>
+            <p:cNvPr id="115" name="Freeform 24">
+              <a:extLst>
+                <a:ext uri="{FF2B5EF4-FFF2-40B4-BE49-F238E27FC236}">
+                  <a16:creationId xmlns:a16="http://schemas.microsoft.com/office/drawing/2014/main" id="{E808A3F5-6663-49E0-B6BB-AFBBCD50874F}"/>
+                </a:ext>
+                <a:ext uri="{C183D7F6-B498-43B3-948B-1728B52AA6E4}">
+                  <adec:decorative xmlns:adec="http://schemas.microsoft.com/office/drawing/2017/decorative" val="1"/>
+                </a:ext>
+              </a:extLst>
+            </p:cNvPr>
+            <p:cNvSpPr>
+              <a:spLocks noEditPoints="1"/>
+            </p:cNvSpPr>
+            <p:nvPr>
+              <p:extLst>
+                <p:ext uri="{386F3935-93C4-4BCD-93E2-E3B085C9AB24}">
+                  <p16:designElem xmlns:p16="http://schemas.microsoft.com/office/powerpoint/2015/main" val="1"/>
+                </p:ext>
+              </p:extLst>
+            </p:nvPr>
+          </p:nvSpPr>
+          <p:spPr bwMode="auto">
+            <a:xfrm>
+              <a:off x="66675" y="903288"/>
+              <a:ext cx="190500" cy="190500"/>
+            </a:xfrm>
+            <a:custGeom>
+              <a:avLst/>
+              <a:gdLst/>
+              <a:ahLst/>
+              <a:cxnLst/>
+              <a:rect l="0" t="0" r="r" b="b"/>
+              <a:pathLst>
+                <a:path w="40" h="40">
+                  <a:moveTo>
+                    <a:pt x="20" y="40"/>
+                  </a:moveTo>
+                  <a:cubicBezTo>
+                    <a:pt x="9" y="40"/>
+                    <a:pt x="0" y="31"/>
+                    <a:pt x="0" y="20"/>
+                  </a:cubicBezTo>
+                  <a:cubicBezTo>
+                    <a:pt x="0" y="9"/>
+                    <a:pt x="9" y="0"/>
+                    <a:pt x="20" y="0"/>
+                  </a:cubicBezTo>
+                  <a:cubicBezTo>
+                    <a:pt x="32" y="0"/>
+                    <a:pt x="40" y="9"/>
+                    <a:pt x="40" y="20"/>
+                  </a:cubicBezTo>
+                  <a:cubicBezTo>
+                    <a:pt x="40" y="31"/>
+                    <a:pt x="32" y="40"/>
+                    <a:pt x="20" y="40"/>
+                  </a:cubicBezTo>
+                  <a:close/>
+                  <a:moveTo>
+                    <a:pt x="20" y="4"/>
+                  </a:moveTo>
+                  <a:cubicBezTo>
+                    <a:pt x="12" y="4"/>
+                    <a:pt x="4" y="12"/>
+                    <a:pt x="4" y="20"/>
+                  </a:cubicBezTo>
+                  <a:cubicBezTo>
+                    <a:pt x="4" y="29"/>
+                    <a:pt x="12" y="36"/>
+                    <a:pt x="20" y="36"/>
+                  </a:cubicBezTo>
+                  <a:cubicBezTo>
+                    <a:pt x="29" y="36"/>
+                    <a:pt x="36" y="29"/>
+                    <a:pt x="36" y="20"/>
+                  </a:cubicBezTo>
+                  <a:cubicBezTo>
+                    <a:pt x="36" y="12"/>
+                    <a:pt x="29" y="4"/>
+                    <a:pt x="20" y="4"/>
+                  </a:cubicBezTo>
+                  <a:close/>
+                </a:path>
+              </a:pathLst>
+            </a:custGeom>
+            <a:grpFill/>
+            <a:ln>
+              <a:noFill/>
+            </a:ln>
+            <a:extLst>
+              <a:ext uri="{91240B29-F687-4f45-9708-019B960494DF}">
+                <a14:hiddenLine xmlns="" xmlns:a16="http://schemas.microsoft.com/office/drawing/2014/main" xmlns:p14="http://schemas.microsoft.com/office/powerpoint/2010/main" xmlns:a14="http://schemas.microsoft.com/office/drawing/2010/main" w="9525">
+                  <a:solidFill>
+                    <a:srgbClr val="000000"/>
+                  </a:solidFill>
+                  <a:round/>
+                  <a:headEnd/>
+                  <a:tailEnd/>
+                </a14:hiddenLine>
+              </a:ext>
+            </a:extLst>
+          </p:spPr>
+          <p:txBody>
+            <a:bodyPr/>
+            <a:lstStyle/>
+            <a:p>
+              <a:endParaRPr lang="en-US"/>
+            </a:p>
+          </p:txBody>
+        </p:sp>
+        <p:sp>
+          <p:nvSpPr>
+            <p:cNvPr id="116" name="Freeform 25">
+              <a:extLst>
+                <a:ext uri="{FF2B5EF4-FFF2-40B4-BE49-F238E27FC236}">
+                  <a16:creationId xmlns:a16="http://schemas.microsoft.com/office/drawing/2014/main" id="{33A492F1-3A43-47FE-8E3E-4BF2B7864946}"/>
+                </a:ext>
+                <a:ext uri="{C183D7F6-B498-43B3-948B-1728B52AA6E4}">
+                  <adec:decorative xmlns:adec="http://schemas.microsoft.com/office/drawing/2017/decorative" val="1"/>
+                </a:ext>
+              </a:extLst>
+            </p:cNvPr>
+            <p:cNvSpPr/>
+            <p:nvPr>
+              <p:extLst>
+                <p:ext uri="{386F3935-93C4-4BCD-93E2-E3B085C9AB24}">
+                  <p16:designElem xmlns:p16="http://schemas.microsoft.com/office/powerpoint/2015/main" val="1"/>
+                </p:ext>
+              </p:extLst>
+            </p:nvPr>
+          </p:nvSpPr>
+          <p:spPr bwMode="auto">
+            <a:xfrm>
+              <a:off x="0" y="3897313"/>
+              <a:ext cx="133350" cy="266700"/>
+            </a:xfrm>
+            <a:custGeom>
+              <a:avLst/>
+              <a:gdLst/>
+              <a:ahLst/>
+              <a:cxnLst/>
+              <a:rect l="0" t="0" r="r" b="b"/>
+              <a:pathLst>
+                <a:path w="84" h="168">
+                  <a:moveTo>
+                    <a:pt x="69" y="168"/>
+                  </a:moveTo>
+                  <a:lnTo>
+                    <a:pt x="0" y="6"/>
+                  </a:lnTo>
+                  <a:lnTo>
+                    <a:pt x="12" y="0"/>
+                  </a:lnTo>
+                  <a:lnTo>
+                    <a:pt x="84" y="162"/>
+                  </a:lnTo>
+                  <a:lnTo>
+                    <a:pt x="69" y="168"/>
+                  </a:lnTo>
+                  <a:close/>
+                </a:path>
+              </a:pathLst>
+            </a:custGeom>
+            <a:grpFill/>
+            <a:ln>
+              <a:noFill/>
+            </a:ln>
+            <a:extLst>
+              <a:ext uri="{91240B29-F687-4f45-9708-019B960494DF}">
+                <a14:hiddenLine xmlns="" xmlns:a16="http://schemas.microsoft.com/office/drawing/2014/main" xmlns:p14="http://schemas.microsoft.com/office/powerpoint/2010/main" xmlns:a14="http://schemas.microsoft.com/office/drawing/2010/main" w="9525">
+                  <a:solidFill>
+                    <a:srgbClr val="000000"/>
+                  </a:solidFill>
+                  <a:round/>
+                  <a:headEnd/>
+                  <a:tailEnd/>
+                </a14:hiddenLine>
+              </a:ext>
+            </a:extLst>
+          </p:spPr>
+          <p:txBody>
+            <a:bodyPr/>
+            <a:lstStyle/>
+            <a:p>
+              <a:endParaRPr lang="en-US"/>
+            </a:p>
+          </p:txBody>
+        </p:sp>
+        <p:sp>
+          <p:nvSpPr>
+            <p:cNvPr id="117" name="Freeform 26">
+              <a:extLst>
+                <a:ext uri="{FF2B5EF4-FFF2-40B4-BE49-F238E27FC236}">
+                  <a16:creationId xmlns:a16="http://schemas.microsoft.com/office/drawing/2014/main" id="{2ED7DF23-0B1F-4E17-8EC2-1B74D318FB5F}"/>
+                </a:ext>
+                <a:ext uri="{C183D7F6-B498-43B3-948B-1728B52AA6E4}">
+                  <adec:decorative xmlns:adec="http://schemas.microsoft.com/office/drawing/2017/decorative" val="1"/>
+                </a:ext>
+              </a:extLst>
+            </p:cNvPr>
+            <p:cNvSpPr>
+              <a:spLocks noEditPoints="1"/>
+            </p:cNvSpPr>
+            <p:nvPr>
+              <p:extLst>
+                <p:ext uri="{386F3935-93C4-4BCD-93E2-E3B085C9AB24}">
+                  <p16:designElem xmlns:p16="http://schemas.microsoft.com/office/powerpoint/2015/main" val="1"/>
+                </p:ext>
+              </p:extLst>
+            </p:nvPr>
+          </p:nvSpPr>
+          <p:spPr bwMode="auto">
+            <a:xfrm>
+              <a:off x="66675" y="4149725"/>
+              <a:ext cx="190500" cy="188913"/>
+            </a:xfrm>
+            <a:custGeom>
+              <a:avLst/>
+              <a:gdLst/>
+              <a:ahLst/>
+              <a:cxnLst/>
+              <a:rect l="0" t="0" r="r" b="b"/>
+              <a:pathLst>
+                <a:path w="40" h="40">
+                  <a:moveTo>
+                    <a:pt x="20" y="40"/>
+                  </a:moveTo>
+                  <a:cubicBezTo>
+                    <a:pt x="9" y="40"/>
+                    <a:pt x="0" y="31"/>
+                    <a:pt x="0" y="20"/>
+                  </a:cubicBezTo>
+                  <a:cubicBezTo>
+                    <a:pt x="0" y="9"/>
+                    <a:pt x="9" y="0"/>
+                    <a:pt x="20" y="0"/>
+                  </a:cubicBezTo>
+                  <a:cubicBezTo>
+                    <a:pt x="31" y="0"/>
+                    <a:pt x="40" y="9"/>
+                    <a:pt x="40" y="20"/>
+                  </a:cubicBezTo>
+                  <a:cubicBezTo>
+                    <a:pt x="40" y="31"/>
+                    <a:pt x="31" y="40"/>
+                    <a:pt x="20" y="40"/>
+                  </a:cubicBezTo>
+                  <a:close/>
+                  <a:moveTo>
+                    <a:pt x="20" y="4"/>
+                  </a:moveTo>
+                  <a:cubicBezTo>
+                    <a:pt x="11" y="4"/>
+                    <a:pt x="4" y="11"/>
+                    <a:pt x="4" y="20"/>
+                  </a:cubicBezTo>
+                  <a:cubicBezTo>
+                    <a:pt x="4" y="28"/>
+                    <a:pt x="11" y="36"/>
+                    <a:pt x="20" y="36"/>
+                  </a:cubicBezTo>
+                  <a:cubicBezTo>
+                    <a:pt x="29" y="36"/>
+                    <a:pt x="36" y="28"/>
+                    <a:pt x="36" y="20"/>
+                  </a:cubicBezTo>
+                  <a:cubicBezTo>
+                    <a:pt x="36" y="11"/>
+                    <a:pt x="29" y="4"/>
+                    <a:pt x="20" y="4"/>
+                  </a:cubicBezTo>
+                  <a:close/>
+                </a:path>
+              </a:pathLst>
+            </a:custGeom>
+            <a:grpFill/>
+            <a:ln>
+              <a:noFill/>
+            </a:ln>
+            <a:extLst>
+              <a:ext uri="{91240B29-F687-4f45-9708-019B960494DF}">
+                <a14:hiddenLine xmlns="" xmlns:a16="http://schemas.microsoft.com/office/drawing/2014/main" xmlns:p14="http://schemas.microsoft.com/office/powerpoint/2010/main" xmlns:a14="http://schemas.microsoft.com/office/drawing/2010/main" w="9525">
+                  <a:solidFill>
+                    <a:srgbClr val="000000"/>
+                  </a:solidFill>
+                  <a:round/>
+                  <a:headEnd/>
+                  <a:tailEnd/>
+                </a14:hiddenLine>
+              </a:ext>
+            </a:extLst>
+          </p:spPr>
+          <p:txBody>
+            <a:bodyPr/>
+            <a:lstStyle/>
+            <a:p>
+              <a:endParaRPr lang="en-US"/>
+            </a:p>
+          </p:txBody>
+        </p:sp>
+        <p:sp>
+          <p:nvSpPr>
+            <p:cNvPr id="118" name="Freeform 27">
+              <a:extLst>
+                <a:ext uri="{FF2B5EF4-FFF2-40B4-BE49-F238E27FC236}">
+                  <a16:creationId xmlns:a16="http://schemas.microsoft.com/office/drawing/2014/main" id="{FE1204BD-7481-4989-957D-B61AEA964A5D}"/>
+                </a:ext>
+                <a:ext uri="{C183D7F6-B498-43B3-948B-1728B52AA6E4}">
+                  <adec:decorative xmlns:adec="http://schemas.microsoft.com/office/drawing/2017/decorative" val="1"/>
+                </a:ext>
+              </a:extLst>
+            </p:cNvPr>
+            <p:cNvSpPr/>
+            <p:nvPr>
+              <p:extLst>
+                <p:ext uri="{386F3935-93C4-4BCD-93E2-E3B085C9AB24}">
+                  <p16:designElem xmlns:p16="http://schemas.microsoft.com/office/powerpoint/2015/main" val="1"/>
+                </p:ext>
+              </p:extLst>
+            </p:nvPr>
+          </p:nvSpPr>
+          <p:spPr bwMode="auto">
+            <a:xfrm>
+              <a:off x="0" y="1644650"/>
+              <a:ext cx="133350" cy="269875"/>
+            </a:xfrm>
+            <a:custGeom>
+              <a:avLst/>
+              <a:gdLst/>
+              <a:ahLst/>
+              <a:cxnLst/>
+              <a:rect l="0" t="0" r="r" b="b"/>
+              <a:pathLst>
+                <a:path w="84" h="170">
+                  <a:moveTo>
+                    <a:pt x="12" y="170"/>
+                  </a:moveTo>
+                  <a:lnTo>
+                    <a:pt x="0" y="164"/>
+                  </a:lnTo>
+                  <a:lnTo>
+                    <a:pt x="69" y="0"/>
+                  </a:lnTo>
+                  <a:lnTo>
+                    <a:pt x="84" y="6"/>
+                  </a:lnTo>
+                  <a:lnTo>
+                    <a:pt x="12" y="170"/>
+                  </a:lnTo>
+                  <a:close/>
+                </a:path>
+              </a:pathLst>
+            </a:custGeom>
+            <a:grpFill/>
+            <a:ln>
+              <a:noFill/>
+            </a:ln>
+            <a:extLst>
+              <a:ext uri="{91240B29-F687-4f45-9708-019B960494DF}">
+                <a14:hiddenLine xmlns="" xmlns:a16="http://schemas.microsoft.com/office/drawing/2014/main" xmlns:p14="http://schemas.microsoft.com/office/powerpoint/2010/main" xmlns:a14="http://schemas.microsoft.com/office/drawing/2010/main" w="9525">
+                  <a:solidFill>
+                    <a:srgbClr val="000000"/>
+                  </a:solidFill>
+                  <a:round/>
+                  <a:headEnd/>
+                  <a:tailEnd/>
+                </a14:hiddenLine>
+              </a:ext>
+            </a:extLst>
+          </p:spPr>
+          <p:txBody>
+            <a:bodyPr/>
+            <a:lstStyle/>
+            <a:p>
+              <a:endParaRPr lang="en-US"/>
+            </a:p>
+          </p:txBody>
+        </p:sp>
+        <p:sp>
+          <p:nvSpPr>
+            <p:cNvPr id="119" name="Freeform 28">
+              <a:extLst>
+                <a:ext uri="{FF2B5EF4-FFF2-40B4-BE49-F238E27FC236}">
+                  <a16:creationId xmlns:a16="http://schemas.microsoft.com/office/drawing/2014/main" id="{DD3C5673-1874-477D-AE35-B37A91974146}"/>
+                </a:ext>
+                <a:ext uri="{C183D7F6-B498-43B3-948B-1728B52AA6E4}">
+                  <adec:decorative xmlns:adec="http://schemas.microsoft.com/office/drawing/2017/decorative" val="1"/>
+                </a:ext>
+              </a:extLst>
+            </p:cNvPr>
+            <p:cNvSpPr>
+              <a:spLocks noEditPoints="1"/>
+            </p:cNvSpPr>
+            <p:nvPr>
+              <p:extLst>
+                <p:ext uri="{386F3935-93C4-4BCD-93E2-E3B085C9AB24}">
+                  <p16:designElem xmlns:p16="http://schemas.microsoft.com/office/powerpoint/2015/main" val="1"/>
+                </p:ext>
+              </p:extLst>
+            </p:nvPr>
+          </p:nvSpPr>
+          <p:spPr bwMode="auto">
+            <a:xfrm>
+              <a:off x="66675" y="1468438"/>
+              <a:ext cx="190500" cy="190500"/>
+            </a:xfrm>
+            <a:custGeom>
+              <a:avLst/>
+              <a:gdLst/>
+              <a:ahLst/>
+              <a:cxnLst/>
+              <a:rect l="0" t="0" r="r" b="b"/>
+              <a:pathLst>
+                <a:path w="40" h="40">
+                  <a:moveTo>
+                    <a:pt x="20" y="40"/>
+                  </a:moveTo>
+                  <a:cubicBezTo>
+                    <a:pt x="9" y="40"/>
+                    <a:pt x="0" y="31"/>
+                    <a:pt x="0" y="20"/>
+                  </a:cubicBezTo>
+                  <a:cubicBezTo>
+                    <a:pt x="0" y="9"/>
+                    <a:pt x="9" y="0"/>
+                    <a:pt x="20" y="0"/>
+                  </a:cubicBezTo>
+                  <a:cubicBezTo>
+                    <a:pt x="31" y="0"/>
+                    <a:pt x="40" y="9"/>
+                    <a:pt x="40" y="20"/>
+                  </a:cubicBezTo>
+                  <a:cubicBezTo>
+                    <a:pt x="40" y="31"/>
+                    <a:pt x="31" y="40"/>
+                    <a:pt x="20" y="40"/>
+                  </a:cubicBezTo>
+                  <a:close/>
+                  <a:moveTo>
+                    <a:pt x="20" y="4"/>
+                  </a:moveTo>
+                  <a:cubicBezTo>
+                    <a:pt x="11" y="4"/>
+                    <a:pt x="4" y="11"/>
+                    <a:pt x="4" y="20"/>
+                  </a:cubicBezTo>
+                  <a:cubicBezTo>
+                    <a:pt x="4" y="28"/>
+                    <a:pt x="11" y="36"/>
+                    <a:pt x="20" y="36"/>
+                  </a:cubicBezTo>
+                  <a:cubicBezTo>
+                    <a:pt x="29" y="36"/>
+                    <a:pt x="36" y="28"/>
+                    <a:pt x="36" y="20"/>
+                  </a:cubicBezTo>
+                  <a:cubicBezTo>
+                    <a:pt x="36" y="11"/>
+                    <a:pt x="29" y="4"/>
+                    <a:pt x="20" y="4"/>
+                  </a:cubicBezTo>
+                  <a:close/>
+                </a:path>
+              </a:pathLst>
+            </a:custGeom>
+            <a:grpFill/>
+            <a:ln>
+              <a:noFill/>
+            </a:ln>
+            <a:extLst>
+              <a:ext uri="{91240B29-F687-4f45-9708-019B960494DF}">
+                <a14:hiddenLine xmlns="" xmlns:a16="http://schemas.microsoft.com/office/drawing/2014/main" xmlns:p14="http://schemas.microsoft.com/office/powerpoint/2010/main" xmlns:a14="http://schemas.microsoft.com/office/drawing/2010/main" w="9525">
+                  <a:solidFill>
+                    <a:srgbClr val="000000"/>
+                  </a:solidFill>
+                  <a:round/>
+                  <a:headEnd/>
+                  <a:tailEnd/>
+                </a14:hiddenLine>
+              </a:ext>
+            </a:extLst>
+          </p:spPr>
+          <p:txBody>
+            <a:bodyPr/>
+            <a:lstStyle/>
+            <a:p>
+              <a:endParaRPr lang="en-US"/>
+            </a:p>
+          </p:txBody>
+        </p:sp>
+        <p:sp>
+          <p:nvSpPr>
+            <p:cNvPr id="120" name="Freeform 29">
+              <a:extLst>
+                <a:ext uri="{FF2B5EF4-FFF2-40B4-BE49-F238E27FC236}">
+                  <a16:creationId xmlns:a16="http://schemas.microsoft.com/office/drawing/2014/main" id="{DA963A0C-386F-4A9E-89E8-67081094B921}"/>
+                </a:ext>
+                <a:ext uri="{C183D7F6-B498-43B3-948B-1728B52AA6E4}">
+                  <adec:decorative xmlns:adec="http://schemas.microsoft.com/office/drawing/2017/decorative" val="1"/>
+                </a:ext>
+              </a:extLst>
+            </p:cNvPr>
+            <p:cNvSpPr/>
+            <p:nvPr>
+              <p:extLst>
+                <p:ext uri="{386F3935-93C4-4BCD-93E2-E3B085C9AB24}">
+                  <p16:designElem xmlns:p16="http://schemas.microsoft.com/office/powerpoint/2015/main" val="1"/>
+                </p:ext>
+              </p:extLst>
+            </p:nvPr>
+          </p:nvSpPr>
+          <p:spPr bwMode="auto">
+            <a:xfrm>
+              <a:off x="695325" y="4763"/>
+              <a:ext cx="309563" cy="1558925"/>
+            </a:xfrm>
+            <a:custGeom>
+              <a:avLst/>
+              <a:gdLst/>
+              <a:ahLst/>
+              <a:cxnLst/>
+              <a:rect l="0" t="0" r="r" b="b"/>
+              <a:pathLst>
+                <a:path w="195" h="982">
+                  <a:moveTo>
+                    <a:pt x="195" y="982"/>
+                  </a:moveTo>
+                  <a:lnTo>
+                    <a:pt x="177" y="982"/>
+                  </a:lnTo>
+                  <a:lnTo>
+                    <a:pt x="177" y="805"/>
+                  </a:lnTo>
+                  <a:lnTo>
+                    <a:pt x="0" y="629"/>
+                  </a:lnTo>
+                  <a:lnTo>
+                    <a:pt x="0" y="0"/>
+                  </a:lnTo>
+                  <a:lnTo>
+                    <a:pt x="18" y="0"/>
+                  </a:lnTo>
+                  <a:lnTo>
+                    <a:pt x="18" y="623"/>
+                  </a:lnTo>
+                  <a:lnTo>
+                    <a:pt x="195" y="796"/>
+                  </a:lnTo>
+                  <a:lnTo>
+                    <a:pt x="195" y="982"/>
+                  </a:lnTo>
+                  <a:close/>
+                </a:path>
+              </a:pathLst>
+            </a:custGeom>
+            <a:grpFill/>
+            <a:ln>
+              <a:noFill/>
+            </a:ln>
+            <a:extLst>
+              <a:ext uri="{91240B29-F687-4f45-9708-019B960494DF}">
+                <a14:hiddenLine xmlns="" xmlns:a16="http://schemas.microsoft.com/office/drawing/2014/main" xmlns:p14="http://schemas.microsoft.com/office/powerpoint/2010/main" xmlns:a14="http://schemas.microsoft.com/office/drawing/2010/main" w="9525">
+                  <a:solidFill>
+                    <a:srgbClr val="000000"/>
+                  </a:solidFill>
+                  <a:round/>
+                  <a:headEnd/>
+                  <a:tailEnd/>
+                </a14:hiddenLine>
+              </a:ext>
+            </a:extLst>
+          </p:spPr>
+          <p:txBody>
+            <a:bodyPr/>
+            <a:lstStyle/>
+            <a:p>
+              <a:endParaRPr lang="en-US"/>
+            </a:p>
+          </p:txBody>
+        </p:sp>
+        <p:sp>
+          <p:nvSpPr>
+            <p:cNvPr id="121" name="Freeform 30">
+              <a:extLst>
+                <a:ext uri="{FF2B5EF4-FFF2-40B4-BE49-F238E27FC236}">
+                  <a16:creationId xmlns:a16="http://schemas.microsoft.com/office/drawing/2014/main" id="{D527BB52-D4EE-4CAA-A8A0-53A27DC7FFD9}"/>
+                </a:ext>
+                <a:ext uri="{C183D7F6-B498-43B3-948B-1728B52AA6E4}">
+                  <adec:decorative xmlns:adec="http://schemas.microsoft.com/office/drawing/2017/decorative" val="1"/>
+                </a:ext>
+              </a:extLst>
+            </p:cNvPr>
+            <p:cNvSpPr>
+              <a:spLocks noEditPoints="1"/>
+            </p:cNvSpPr>
+            <p:nvPr>
+              <p:extLst>
+                <p:ext uri="{386F3935-93C4-4BCD-93E2-E3B085C9AB24}">
+                  <p16:designElem xmlns:p16="http://schemas.microsoft.com/office/powerpoint/2015/main" val="1"/>
+                </p:ext>
+              </p:extLst>
+            </p:nvPr>
+          </p:nvSpPr>
+          <p:spPr bwMode="auto">
+            <a:xfrm>
+              <a:off x="57150" y="4881563"/>
+              <a:ext cx="190500" cy="188913"/>
+            </a:xfrm>
+            <a:custGeom>
+              <a:avLst/>
+              <a:gdLst/>
+              <a:ahLst/>
+              <a:cxnLst/>
+              <a:rect l="0" t="0" r="r" b="b"/>
+              <a:pathLst>
+                <a:path w="40" h="40">
+                  <a:moveTo>
+                    <a:pt x="20" y="40"/>
+                  </a:moveTo>
+                  <a:cubicBezTo>
+                    <a:pt x="9" y="40"/>
+                    <a:pt x="0" y="31"/>
+                    <a:pt x="0" y="20"/>
+                  </a:cubicBezTo>
+                  <a:cubicBezTo>
+                    <a:pt x="0" y="9"/>
+                    <a:pt x="9" y="0"/>
+                    <a:pt x="20" y="0"/>
+                  </a:cubicBezTo>
+                  <a:cubicBezTo>
+                    <a:pt x="31" y="0"/>
+                    <a:pt x="40" y="9"/>
+                    <a:pt x="40" y="20"/>
+                  </a:cubicBezTo>
+                  <a:cubicBezTo>
+                    <a:pt x="40" y="31"/>
+                    <a:pt x="31" y="40"/>
+                    <a:pt x="20" y="40"/>
+                  </a:cubicBezTo>
+                  <a:close/>
+                  <a:moveTo>
+                    <a:pt x="20" y="4"/>
+                  </a:moveTo>
+                  <a:cubicBezTo>
+                    <a:pt x="12" y="4"/>
+                    <a:pt x="4" y="11"/>
+                    <a:pt x="4" y="20"/>
+                  </a:cubicBezTo>
+                  <a:cubicBezTo>
+                    <a:pt x="4" y="29"/>
+                    <a:pt x="12" y="36"/>
+                    <a:pt x="20" y="36"/>
+                  </a:cubicBezTo>
+                  <a:cubicBezTo>
+                    <a:pt x="29" y="36"/>
+                    <a:pt x="36" y="29"/>
+                    <a:pt x="36" y="20"/>
+                  </a:cubicBezTo>
+                  <a:cubicBezTo>
+                    <a:pt x="36" y="11"/>
+                    <a:pt x="29" y="4"/>
+                    <a:pt x="20" y="4"/>
+                  </a:cubicBezTo>
+                  <a:close/>
+                </a:path>
+              </a:pathLst>
+            </a:custGeom>
+            <a:grpFill/>
+            <a:ln>
+              <a:noFill/>
+            </a:ln>
+            <a:extLst>
+              <a:ext uri="{91240B29-F687-4f45-9708-019B960494DF}">
+                <a14:hiddenLine xmlns="" xmlns:a16="http://schemas.microsoft.com/office/drawing/2014/main" xmlns:p14="http://schemas.microsoft.com/office/powerpoint/2010/main" xmlns:a14="http://schemas.microsoft.com/office/drawing/2010/main" w="9525">
+                  <a:solidFill>
+                    <a:srgbClr val="000000"/>
+                  </a:solidFill>
+                  <a:round/>
+                  <a:headEnd/>
+                  <a:tailEnd/>
+                </a14:hiddenLine>
+              </a:ext>
+            </a:extLst>
+          </p:spPr>
+          <p:txBody>
+            <a:bodyPr/>
+            <a:lstStyle/>
+            <a:p>
+              <a:endParaRPr lang="en-US"/>
+            </a:p>
+          </p:txBody>
+        </p:sp>
+        <p:sp>
+          <p:nvSpPr>
+            <p:cNvPr id="122" name="Freeform 31">
+              <a:extLst>
+                <a:ext uri="{FF2B5EF4-FFF2-40B4-BE49-F238E27FC236}">
+                  <a16:creationId xmlns:a16="http://schemas.microsoft.com/office/drawing/2014/main" id="{2A037511-5E0A-4293-81AB-28C5DC96BF96}"/>
+                </a:ext>
+                <a:ext uri="{C183D7F6-B498-43B3-948B-1728B52AA6E4}">
+                  <adec:decorative xmlns:adec="http://schemas.microsoft.com/office/drawing/2017/decorative" val="1"/>
+                </a:ext>
+              </a:extLst>
+            </p:cNvPr>
+            <p:cNvSpPr/>
+            <p:nvPr>
+              <p:extLst>
+                <p:ext uri="{386F3935-93C4-4BCD-93E2-E3B085C9AB24}">
+                  <p16:designElem xmlns:p16="http://schemas.microsoft.com/office/powerpoint/2015/main" val="1"/>
+                </p:ext>
+              </p:extLst>
+            </p:nvPr>
+          </p:nvSpPr>
+          <p:spPr bwMode="auto">
+            <a:xfrm>
+              <a:off x="138113" y="5060950"/>
+              <a:ext cx="304800" cy="1778000"/>
+            </a:xfrm>
+            <a:custGeom>
+              <a:avLst/>
+              <a:gdLst/>
+              <a:ahLst/>
+              <a:cxnLst/>
+              <a:rect l="0" t="0" r="r" b="b"/>
+              <a:pathLst>
+                <a:path w="192" h="1120">
+                  <a:moveTo>
+                    <a:pt x="192" y="1120"/>
+                  </a:moveTo>
+                  <a:lnTo>
+                    <a:pt x="177" y="1120"/>
+                  </a:lnTo>
+                  <a:lnTo>
+                    <a:pt x="177" y="360"/>
+                  </a:lnTo>
+                  <a:lnTo>
+                    <a:pt x="0" y="183"/>
+                  </a:lnTo>
+                  <a:lnTo>
+                    <a:pt x="0" y="0"/>
+                  </a:lnTo>
+                  <a:lnTo>
+                    <a:pt x="15" y="0"/>
+                  </a:lnTo>
+                  <a:lnTo>
+                    <a:pt x="15" y="177"/>
+                  </a:lnTo>
+                  <a:lnTo>
+                    <a:pt x="192" y="354"/>
+                  </a:lnTo>
+                  <a:lnTo>
+                    <a:pt x="192" y="1120"/>
+                  </a:lnTo>
+                  <a:close/>
+                </a:path>
+              </a:pathLst>
+            </a:custGeom>
+            <a:grpFill/>
+            <a:ln>
+              <a:noFill/>
+            </a:ln>
+            <a:extLst>
+              <a:ext uri="{91240B29-F687-4f45-9708-019B960494DF}">
+                <a14:hiddenLine xmlns="" xmlns:a16="http://schemas.microsoft.com/office/drawing/2014/main" xmlns:p14="http://schemas.microsoft.com/office/powerpoint/2010/main" xmlns:a14="http://schemas.microsoft.com/office/drawing/2010/main" w="9525">
+                  <a:solidFill>
+                    <a:srgbClr val="000000"/>
+                  </a:solidFill>
+                  <a:round/>
+                  <a:headEnd/>
+                  <a:tailEnd/>
+                </a14:hiddenLine>
+              </a:ext>
+            </a:extLst>
+          </p:spPr>
+          <p:txBody>
+            <a:bodyPr/>
+            <a:lstStyle/>
+            <a:p>
+              <a:endParaRPr lang="en-US"/>
+            </a:p>
+          </p:txBody>
+        </p:sp>
+        <p:sp>
+          <p:nvSpPr>
+            <p:cNvPr id="123" name="Freeform 32">
+              <a:extLst>
+                <a:ext uri="{FF2B5EF4-FFF2-40B4-BE49-F238E27FC236}">
+                  <a16:creationId xmlns:a16="http://schemas.microsoft.com/office/drawing/2014/main" id="{42A7FE1C-EF14-483B-B5FC-FDC150282A2E}"/>
+                </a:ext>
+                <a:ext uri="{C183D7F6-B498-43B3-948B-1728B52AA6E4}">
+                  <adec:decorative xmlns:adec="http://schemas.microsoft.com/office/drawing/2017/decorative" val="1"/>
+                </a:ext>
+              </a:extLst>
+            </p:cNvPr>
+            <p:cNvSpPr>
+              <a:spLocks noEditPoints="1"/>
+            </p:cNvSpPr>
+            <p:nvPr>
+              <p:extLst>
+                <p:ext uri="{386F3935-93C4-4BCD-93E2-E3B085C9AB24}">
+                  <p16:designElem xmlns:p16="http://schemas.microsoft.com/office/powerpoint/2015/main" val="1"/>
+                </p:ext>
+              </p:extLst>
+            </p:nvPr>
+          </p:nvSpPr>
+          <p:spPr bwMode="auto">
+            <a:xfrm>
+              <a:off x="561975" y="6430963"/>
+              <a:ext cx="190500" cy="188913"/>
+            </a:xfrm>
+            <a:custGeom>
+              <a:avLst/>
+              <a:gdLst/>
+              <a:ahLst/>
+              <a:cxnLst/>
+              <a:rect l="0" t="0" r="r" b="b"/>
+              <a:pathLst>
+                <a:path w="40" h="40">
+                  <a:moveTo>
+                    <a:pt x="20" y="40"/>
+                  </a:moveTo>
+                  <a:cubicBezTo>
+                    <a:pt x="9" y="40"/>
+                    <a:pt x="0" y="31"/>
+                    <a:pt x="0" y="20"/>
+                  </a:cubicBezTo>
+                  <a:cubicBezTo>
+                    <a:pt x="0" y="9"/>
+                    <a:pt x="9" y="0"/>
+                    <a:pt x="20" y="0"/>
+                  </a:cubicBezTo>
+                  <a:cubicBezTo>
+                    <a:pt x="31" y="0"/>
+                    <a:pt x="40" y="9"/>
+                    <a:pt x="40" y="20"/>
+                  </a:cubicBezTo>
+                  <a:cubicBezTo>
+                    <a:pt x="40" y="31"/>
+                    <a:pt x="31" y="40"/>
+                    <a:pt x="20" y="40"/>
+                  </a:cubicBezTo>
+                  <a:close/>
+                  <a:moveTo>
+                    <a:pt x="20" y="4"/>
+                  </a:moveTo>
+                  <a:cubicBezTo>
+                    <a:pt x="12" y="4"/>
+                    <a:pt x="4" y="11"/>
+                    <a:pt x="4" y="20"/>
+                  </a:cubicBezTo>
+                  <a:cubicBezTo>
+                    <a:pt x="4" y="29"/>
+                    <a:pt x="12" y="36"/>
+                    <a:pt x="20" y="36"/>
+                  </a:cubicBezTo>
+                  <a:cubicBezTo>
+                    <a:pt x="29" y="36"/>
+                    <a:pt x="36" y="29"/>
+                    <a:pt x="36" y="20"/>
+                  </a:cubicBezTo>
+                  <a:cubicBezTo>
+                    <a:pt x="36" y="11"/>
+                    <a:pt x="29" y="4"/>
+                    <a:pt x="20" y="4"/>
+                  </a:cubicBezTo>
+                  <a:close/>
+                </a:path>
+              </a:pathLst>
+            </a:custGeom>
+            <a:grpFill/>
+            <a:ln>
+              <a:noFill/>
+            </a:ln>
+            <a:extLst>
+              <a:ext uri="{91240B29-F687-4f45-9708-019B960494DF}">
+                <a14:hiddenLine xmlns="" xmlns:a16="http://schemas.microsoft.com/office/drawing/2014/main" xmlns:p14="http://schemas.microsoft.com/office/powerpoint/2010/main" xmlns:a14="http://schemas.microsoft.com/office/drawing/2010/main" w="9525">
+                  <a:solidFill>
+                    <a:srgbClr val="000000"/>
+                  </a:solidFill>
+                  <a:round/>
+                  <a:headEnd/>
+                  <a:tailEnd/>
+                </a14:hiddenLine>
+              </a:ext>
+            </a:extLst>
+          </p:spPr>
+          <p:txBody>
+            <a:bodyPr/>
+            <a:lstStyle/>
+            <a:p>
+              <a:endParaRPr lang="en-US"/>
+            </a:p>
+          </p:txBody>
+        </p:sp>
+        <p:sp>
+          <p:nvSpPr>
+            <p:cNvPr id="124" name="Rectangle 33">
+              <a:extLst>
+                <a:ext uri="{FF2B5EF4-FFF2-40B4-BE49-F238E27FC236}">
+                  <a16:creationId xmlns:a16="http://schemas.microsoft.com/office/drawing/2014/main" id="{45A82D49-825B-47BC-8622-A1D54C5C212C}"/>
+                </a:ext>
+                <a:ext uri="{C183D7F6-B498-43B3-948B-1728B52AA6E4}">
+                  <adec:decorative xmlns:adec="http://schemas.microsoft.com/office/drawing/2017/decorative" val="1"/>
+                </a:ext>
+              </a:extLst>
+            </p:cNvPr>
+            <p:cNvSpPr>
+              <a:spLocks noChangeArrowheads="1"/>
+            </p:cNvSpPr>
+            <p:nvPr>
+              <p:extLst>
+                <p:ext uri="{386F3935-93C4-4BCD-93E2-E3B085C9AB24}">
+                  <p16:designElem xmlns:p16="http://schemas.microsoft.com/office/powerpoint/2015/main" val="1"/>
+                </p:ext>
+              </p:extLst>
+            </p:nvPr>
+          </p:nvSpPr>
+          <p:spPr bwMode="auto">
+            <a:xfrm>
+              <a:off x="642938" y="6610350"/>
+              <a:ext cx="23813" cy="242888"/>
+            </a:xfrm>
+            <a:prstGeom prst="rect">
+              <a:avLst/>
+            </a:prstGeom>
+            <a:grpFill/>
+            <a:ln>
+              <a:noFill/>
+            </a:ln>
+            <a:extLst>
+              <a:ext uri="{91240B29-F687-4f45-9708-019B960494DF}">
+                <a14:hiddenLine xmlns="" xmlns:a16="http://schemas.microsoft.com/office/drawing/2014/main" xmlns:p14="http://schemas.microsoft.com/office/powerpoint/2010/main" xmlns:a14="http://schemas.microsoft.com/office/drawing/2010/main" w="9525">
+                  <a:solidFill>
+                    <a:srgbClr val="000000"/>
+                  </a:solidFill>
+                  <a:miter lim="800000"/>
+                  <a:headEnd/>
+                  <a:tailEnd/>
+                </a14:hiddenLine>
+              </a:ext>
+            </a:extLst>
+          </p:spPr>
+          <p:txBody>
+            <a:bodyPr/>
+            <a:lstStyle/>
+            <a:p>
+              <a:endParaRPr lang="en-US"/>
+            </a:p>
+          </p:txBody>
+        </p:sp>
+        <p:sp>
+          <p:nvSpPr>
+            <p:cNvPr id="125" name="Freeform 34">
+              <a:extLst>
+                <a:ext uri="{FF2B5EF4-FFF2-40B4-BE49-F238E27FC236}">
+                  <a16:creationId xmlns:a16="http://schemas.microsoft.com/office/drawing/2014/main" id="{039D74A5-B4AF-4800-B941-E5F8CD44E770}"/>
+                </a:ext>
+                <a:ext uri="{C183D7F6-B498-43B3-948B-1728B52AA6E4}">
+                  <adec:decorative xmlns:adec="http://schemas.microsoft.com/office/drawing/2017/decorative" val="1"/>
+                </a:ext>
+              </a:extLst>
+            </p:cNvPr>
+            <p:cNvSpPr>
+              <a:spLocks noEditPoints="1"/>
+            </p:cNvSpPr>
+            <p:nvPr>
+              <p:extLst>
+                <p:ext uri="{386F3935-93C4-4BCD-93E2-E3B085C9AB24}">
+                  <p16:designElem xmlns:p16="http://schemas.microsoft.com/office/powerpoint/2015/main" val="1"/>
+                </p:ext>
+              </p:extLst>
+            </p:nvPr>
+          </p:nvSpPr>
+          <p:spPr bwMode="auto">
+            <a:xfrm>
+              <a:off x="76200" y="6430963"/>
+              <a:ext cx="190500" cy="188913"/>
+            </a:xfrm>
+            <a:custGeom>
+              <a:avLst/>
+              <a:gdLst/>
+              <a:ahLst/>
+              <a:cxnLst/>
+              <a:rect l="0" t="0" r="r" b="b"/>
+              <a:pathLst>
+                <a:path w="40" h="40">
+                  <a:moveTo>
+                    <a:pt x="20" y="40"/>
+                  </a:moveTo>
+                  <a:cubicBezTo>
+                    <a:pt x="9" y="40"/>
+                    <a:pt x="0" y="31"/>
+                    <a:pt x="0" y="20"/>
+                  </a:cubicBezTo>
+                  <a:cubicBezTo>
+                    <a:pt x="0" y="9"/>
+                    <a:pt x="9" y="0"/>
+                    <a:pt x="20" y="0"/>
+                  </a:cubicBezTo>
+                  <a:cubicBezTo>
+                    <a:pt x="32" y="0"/>
+                    <a:pt x="40" y="9"/>
+                    <a:pt x="40" y="20"/>
+                  </a:cubicBezTo>
+                  <a:cubicBezTo>
+                    <a:pt x="40" y="31"/>
+                    <a:pt x="32" y="40"/>
+                    <a:pt x="20" y="40"/>
+                  </a:cubicBezTo>
+                  <a:close/>
+                  <a:moveTo>
+                    <a:pt x="20" y="4"/>
+                  </a:moveTo>
+                  <a:cubicBezTo>
+                    <a:pt x="12" y="4"/>
+                    <a:pt x="4" y="11"/>
+                    <a:pt x="4" y="20"/>
+                  </a:cubicBezTo>
+                  <a:cubicBezTo>
+                    <a:pt x="4" y="29"/>
+                    <a:pt x="12" y="36"/>
+                    <a:pt x="20" y="36"/>
+                  </a:cubicBezTo>
+                  <a:cubicBezTo>
+                    <a:pt x="29" y="36"/>
+                    <a:pt x="36" y="29"/>
+                    <a:pt x="36" y="20"/>
+                  </a:cubicBezTo>
+                  <a:cubicBezTo>
+                    <a:pt x="36" y="11"/>
+                    <a:pt x="29" y="4"/>
+                    <a:pt x="20" y="4"/>
+                  </a:cubicBezTo>
+                  <a:close/>
+                </a:path>
+              </a:pathLst>
+            </a:custGeom>
+            <a:grpFill/>
+            <a:ln>
+              <a:noFill/>
+            </a:ln>
+            <a:extLst>
+              <a:ext uri="{91240B29-F687-4f45-9708-019B960494DF}">
+                <a14:hiddenLine xmlns="" xmlns:a16="http://schemas.microsoft.com/office/drawing/2014/main" xmlns:p14="http://schemas.microsoft.com/office/powerpoint/2010/main" xmlns:a14="http://schemas.microsoft.com/office/drawing/2010/main" w="9525">
+                  <a:solidFill>
+                    <a:srgbClr val="000000"/>
+                  </a:solidFill>
+                  <a:round/>
+                  <a:headEnd/>
+                  <a:tailEnd/>
+                </a14:hiddenLine>
+              </a:ext>
+            </a:extLst>
+          </p:spPr>
+          <p:txBody>
+            <a:bodyPr/>
+            <a:lstStyle/>
+            <a:p>
+              <a:endParaRPr lang="en-US"/>
+            </a:p>
+          </p:txBody>
+        </p:sp>
+        <p:sp>
+          <p:nvSpPr>
+            <p:cNvPr id="126" name="Freeform 35">
+              <a:extLst>
+                <a:ext uri="{FF2B5EF4-FFF2-40B4-BE49-F238E27FC236}">
+                  <a16:creationId xmlns:a16="http://schemas.microsoft.com/office/drawing/2014/main" id="{70B5D059-1472-474F-BDE6-881B5D1CD7BF}"/>
+                </a:ext>
+                <a:ext uri="{C183D7F6-B498-43B3-948B-1728B52AA6E4}">
+                  <adec:decorative xmlns:adec="http://schemas.microsoft.com/office/drawing/2017/decorative" val="1"/>
+                </a:ext>
+              </a:extLst>
+            </p:cNvPr>
+            <p:cNvSpPr/>
+            <p:nvPr>
+              <p:extLst>
+                <p:ext uri="{386F3935-93C4-4BCD-93E2-E3B085C9AB24}">
+                  <p16:designElem xmlns:p16="http://schemas.microsoft.com/office/powerpoint/2015/main" val="1"/>
+                </p:ext>
+              </p:extLst>
+            </p:nvPr>
+          </p:nvSpPr>
+          <p:spPr bwMode="auto">
+            <a:xfrm>
+              <a:off x="0" y="5978525"/>
+              <a:ext cx="190500" cy="461963"/>
+            </a:xfrm>
+            <a:custGeom>
+              <a:avLst/>
+              <a:gdLst/>
+              <a:ahLst/>
+              <a:cxnLst/>
+              <a:rect l="0" t="0" r="r" b="b"/>
+              <a:pathLst>
+                <a:path w="120" h="291">
+                  <a:moveTo>
+                    <a:pt x="120" y="291"/>
+                  </a:moveTo>
+                  <a:lnTo>
+                    <a:pt x="105" y="291"/>
+                  </a:lnTo>
+                  <a:lnTo>
+                    <a:pt x="105" y="114"/>
+                  </a:lnTo>
+                  <a:lnTo>
+                    <a:pt x="0" y="9"/>
+                  </a:lnTo>
+                  <a:lnTo>
+                    <a:pt x="12" y="0"/>
+                  </a:lnTo>
+                  <a:lnTo>
+                    <a:pt x="120" y="108"/>
+                  </a:lnTo>
+                  <a:lnTo>
+                    <a:pt x="120" y="291"/>
+                  </a:lnTo>
+                  <a:close/>
+                </a:path>
+              </a:pathLst>
+            </a:custGeom>
+            <a:grpFill/>
+            <a:ln>
+              <a:noFill/>
+            </a:ln>
+            <a:extLst>
+              <a:ext uri="{91240B29-F687-4f45-9708-019B960494DF}">
+                <a14:hiddenLine xmlns="" xmlns:a16="http://schemas.microsoft.com/office/drawing/2014/main" xmlns:p14="http://schemas.microsoft.com/office/powerpoint/2010/main" xmlns:a14="http://schemas.microsoft.com/office/drawing/2010/main" w="9525">
+                  <a:solidFill>
+                    <a:srgbClr val="000000"/>
+                  </a:solidFill>
+                  <a:round/>
+                  <a:headEnd/>
+                  <a:tailEnd/>
+                </a14:hiddenLine>
+              </a:ext>
+            </a:extLst>
+          </p:spPr>
+          <p:txBody>
+            <a:bodyPr/>
+            <a:lstStyle/>
+            <a:p>
+              <a:endParaRPr lang="en-US"/>
+            </a:p>
+          </p:txBody>
+        </p:sp>
+        <p:sp>
+          <p:nvSpPr>
+            <p:cNvPr id="127" name="Freeform 36">
+              <a:extLst>
+                <a:ext uri="{FF2B5EF4-FFF2-40B4-BE49-F238E27FC236}">
+                  <a16:creationId xmlns:a16="http://schemas.microsoft.com/office/drawing/2014/main" id="{736D79CC-81E0-4C87-ABAC-58197ADBDA33}"/>
+                </a:ext>
+                <a:ext uri="{C183D7F6-B498-43B3-948B-1728B52AA6E4}">
+                  <adec:decorative xmlns:adec="http://schemas.microsoft.com/office/drawing/2017/decorative" val="1"/>
+                </a:ext>
+              </a:extLst>
+            </p:cNvPr>
+            <p:cNvSpPr/>
+            <p:nvPr>
+              <p:extLst>
+                <p:ext uri="{386F3935-93C4-4BCD-93E2-E3B085C9AB24}">
+                  <p16:designElem xmlns:p16="http://schemas.microsoft.com/office/powerpoint/2015/main" val="1"/>
+                </p:ext>
+              </p:extLst>
+            </p:nvPr>
+          </p:nvSpPr>
+          <p:spPr bwMode="auto">
+            <a:xfrm>
+              <a:off x="1014413" y="1801813"/>
+              <a:ext cx="214313" cy="755650"/>
+            </a:xfrm>
+            <a:custGeom>
+              <a:avLst/>
+              <a:gdLst/>
+              <a:ahLst/>
+              <a:cxnLst/>
+              <a:rect l="0" t="0" r="r" b="b"/>
+              <a:pathLst>
+                <a:path w="135" h="476">
+                  <a:moveTo>
+                    <a:pt x="12" y="476"/>
+                  </a:moveTo>
+                  <a:lnTo>
+                    <a:pt x="0" y="476"/>
+                  </a:lnTo>
+                  <a:lnTo>
+                    <a:pt x="0" y="128"/>
+                  </a:lnTo>
+                  <a:lnTo>
+                    <a:pt x="126" y="0"/>
+                  </a:lnTo>
+                  <a:lnTo>
+                    <a:pt x="135" y="9"/>
+                  </a:lnTo>
+                  <a:lnTo>
+                    <a:pt x="12" y="131"/>
+                  </a:lnTo>
+                  <a:lnTo>
+                    <a:pt x="12" y="476"/>
+                  </a:lnTo>
+                  <a:close/>
+                </a:path>
+              </a:pathLst>
+            </a:custGeom>
+            <a:grpFill/>
+            <a:ln>
+              <a:noFill/>
+            </a:ln>
+            <a:extLst>
+              <a:ext uri="{91240B29-F687-4f45-9708-019B960494DF}">
+                <a14:hiddenLine xmlns="" xmlns:a16="http://schemas.microsoft.com/office/drawing/2014/main" xmlns:p14="http://schemas.microsoft.com/office/powerpoint/2010/main" xmlns:a14="http://schemas.microsoft.com/office/drawing/2010/main" w="9525">
+                  <a:solidFill>
+                    <a:srgbClr val="000000"/>
+                  </a:solidFill>
+                  <a:round/>
+                  <a:headEnd/>
+                  <a:tailEnd/>
+                </a14:hiddenLine>
+              </a:ext>
+            </a:extLst>
+          </p:spPr>
+          <p:txBody>
+            <a:bodyPr/>
+            <a:lstStyle/>
+            <a:p>
+              <a:endParaRPr lang="en-US"/>
+            </a:p>
+          </p:txBody>
+        </p:sp>
+        <p:sp>
+          <p:nvSpPr>
+            <p:cNvPr id="128" name="Freeform 37">
+              <a:extLst>
+                <a:ext uri="{FF2B5EF4-FFF2-40B4-BE49-F238E27FC236}">
+                  <a16:creationId xmlns:a16="http://schemas.microsoft.com/office/drawing/2014/main" id="{7E72BA97-1228-4006-B095-8D9FB45FB141}"/>
+                </a:ext>
+                <a:ext uri="{C183D7F6-B498-43B3-948B-1728B52AA6E4}">
+                  <adec:decorative xmlns:adec="http://schemas.microsoft.com/office/drawing/2017/decorative" val="1"/>
+                </a:ext>
+              </a:extLst>
+            </p:cNvPr>
+            <p:cNvSpPr>
+              <a:spLocks noEditPoints="1"/>
+            </p:cNvSpPr>
+            <p:nvPr>
+              <p:extLst>
+                <p:ext uri="{386F3935-93C4-4BCD-93E2-E3B085C9AB24}">
+                  <p16:designElem xmlns:p16="http://schemas.microsoft.com/office/powerpoint/2015/main" val="1"/>
+                </p:ext>
+              </p:extLst>
+            </p:nvPr>
+          </p:nvSpPr>
+          <p:spPr bwMode="auto">
+            <a:xfrm>
+              <a:off x="938213" y="2547938"/>
+              <a:ext cx="166688" cy="160338"/>
+            </a:xfrm>
+            <a:custGeom>
+              <a:avLst/>
+              <a:gdLst/>
+              <a:ahLst/>
+              <a:cxnLst/>
+              <a:rect l="0" t="0" r="r" b="b"/>
+              <a:pathLst>
+                <a:path w="35" h="34">
+                  <a:moveTo>
+                    <a:pt x="18" y="34"/>
+                  </a:moveTo>
+                  <a:cubicBezTo>
+                    <a:pt x="8" y="34"/>
+                    <a:pt x="0" y="26"/>
+                    <a:pt x="0" y="17"/>
+                  </a:cubicBezTo>
+                  <a:cubicBezTo>
+                    <a:pt x="0" y="7"/>
+                    <a:pt x="8" y="0"/>
+                    <a:pt x="18" y="0"/>
+                  </a:cubicBezTo>
+                  <a:cubicBezTo>
+                    <a:pt x="27" y="0"/>
+                    <a:pt x="35" y="7"/>
+                    <a:pt x="35" y="17"/>
+                  </a:cubicBezTo>
+                  <a:cubicBezTo>
+                    <a:pt x="35" y="26"/>
+                    <a:pt x="27" y="34"/>
+                    <a:pt x="18" y="34"/>
+                  </a:cubicBezTo>
+                  <a:close/>
+                  <a:moveTo>
+                    <a:pt x="18" y="4"/>
+                  </a:moveTo>
+                  <a:cubicBezTo>
+                    <a:pt x="10" y="4"/>
+                    <a:pt x="4" y="10"/>
+                    <a:pt x="4" y="17"/>
+                  </a:cubicBezTo>
+                  <a:cubicBezTo>
+                    <a:pt x="4" y="24"/>
+                    <a:pt x="10" y="30"/>
+                    <a:pt x="18" y="30"/>
+                  </a:cubicBezTo>
+                  <a:cubicBezTo>
+                    <a:pt x="25" y="30"/>
+                    <a:pt x="31" y="24"/>
+                    <a:pt x="31" y="17"/>
+                  </a:cubicBezTo>
+                  <a:cubicBezTo>
+                    <a:pt x="31" y="10"/>
+                    <a:pt x="25" y="4"/>
+                    <a:pt x="18" y="4"/>
+                  </a:cubicBezTo>
+                  <a:close/>
+                </a:path>
+              </a:pathLst>
+            </a:custGeom>
+            <a:grpFill/>
+            <a:ln>
+              <a:noFill/>
+            </a:ln>
+            <a:extLst>
+              <a:ext uri="{91240B29-F687-4f45-9708-019B960494DF}">
+                <a14:hiddenLine xmlns="" xmlns:a16="http://schemas.microsoft.com/office/drawing/2014/main" xmlns:p14="http://schemas.microsoft.com/office/powerpoint/2010/main" xmlns:a14="http://schemas.microsoft.com/office/drawing/2010/main" w="9525">
+                  <a:solidFill>
+                    <a:srgbClr val="000000"/>
+                  </a:solidFill>
+                  <a:round/>
+                  <a:headEnd/>
+                  <a:tailEnd/>
+                </a14:hiddenLine>
+              </a:ext>
+            </a:extLst>
+          </p:spPr>
+          <p:txBody>
+            <a:bodyPr/>
+            <a:lstStyle/>
+            <a:p>
+              <a:endParaRPr lang="en-US"/>
+            </a:p>
+          </p:txBody>
+        </p:sp>
+        <p:sp>
+          <p:nvSpPr>
+            <p:cNvPr id="129" name="Freeform 38">
+              <a:extLst>
+                <a:ext uri="{FF2B5EF4-FFF2-40B4-BE49-F238E27FC236}">
+                  <a16:creationId xmlns:a16="http://schemas.microsoft.com/office/drawing/2014/main" id="{36FA3A99-37FB-4B03-A810-425BC9B37933}"/>
+                </a:ext>
+                <a:ext uri="{C183D7F6-B498-43B3-948B-1728B52AA6E4}">
+                  <adec:decorative xmlns:adec="http://schemas.microsoft.com/office/drawing/2017/decorative" val="1"/>
+                </a:ext>
+              </a:extLst>
+            </p:cNvPr>
+            <p:cNvSpPr/>
+            <p:nvPr>
+              <p:extLst>
+                <p:ext uri="{386F3935-93C4-4BCD-93E2-E3B085C9AB24}">
+                  <p16:designElem xmlns:p16="http://schemas.microsoft.com/office/powerpoint/2015/main" val="1"/>
+                </p:ext>
+              </p:extLst>
+            </p:nvPr>
+          </p:nvSpPr>
+          <p:spPr bwMode="auto">
+            <a:xfrm>
+              <a:off x="595313" y="4763"/>
+              <a:ext cx="638175" cy="4025900"/>
+            </a:xfrm>
+            <a:custGeom>
+              <a:avLst/>
+              <a:gdLst/>
+              <a:ahLst/>
+              <a:cxnLst/>
+              <a:rect l="0" t="0" r="r" b="b"/>
+              <a:pathLst>
+                <a:path w="402" h="2536">
+                  <a:moveTo>
+                    <a:pt x="402" y="2536"/>
+                  </a:moveTo>
+                  <a:lnTo>
+                    <a:pt x="387" y="2536"/>
+                  </a:lnTo>
+                  <a:lnTo>
+                    <a:pt x="387" y="2311"/>
+                  </a:lnTo>
+                  <a:lnTo>
+                    <a:pt x="0" y="1925"/>
+                  </a:lnTo>
+                  <a:lnTo>
+                    <a:pt x="0" y="0"/>
+                  </a:lnTo>
+                  <a:lnTo>
+                    <a:pt x="15" y="0"/>
+                  </a:lnTo>
+                  <a:lnTo>
+                    <a:pt x="15" y="1916"/>
+                  </a:lnTo>
+                  <a:lnTo>
+                    <a:pt x="402" y="2302"/>
+                  </a:lnTo>
+                  <a:lnTo>
+                    <a:pt x="402" y="2536"/>
+                  </a:lnTo>
+                  <a:close/>
+                </a:path>
+              </a:pathLst>
+            </a:custGeom>
+            <a:grpFill/>
+            <a:ln>
+              <a:noFill/>
+            </a:ln>
+            <a:extLst>
+              <a:ext uri="{91240B29-F687-4f45-9708-019B960494DF}">
+                <a14:hiddenLine xmlns="" xmlns:a16="http://schemas.microsoft.com/office/drawing/2014/main" xmlns:p14="http://schemas.microsoft.com/office/powerpoint/2010/main" xmlns:a14="http://schemas.microsoft.com/office/drawing/2010/main" w="9525">
+                  <a:solidFill>
+                    <a:srgbClr val="000000"/>
+                  </a:solidFill>
+                  <a:round/>
+                  <a:headEnd/>
+                  <a:tailEnd/>
+                </a14:hiddenLine>
+              </a:ext>
+            </a:extLst>
+          </p:spPr>
+          <p:txBody>
+            <a:bodyPr/>
+            <a:lstStyle/>
+            <a:p>
+              <a:endParaRPr lang="en-US"/>
+            </a:p>
+          </p:txBody>
+        </p:sp>
+        <p:sp>
+          <p:nvSpPr>
+            <p:cNvPr id="130" name="Freeform 39">
+              <a:extLst>
+                <a:ext uri="{FF2B5EF4-FFF2-40B4-BE49-F238E27FC236}">
+                  <a16:creationId xmlns:a16="http://schemas.microsoft.com/office/drawing/2014/main" id="{2E45B959-2AD5-4FE4-BF6A-4F011011CFAA}"/>
+                </a:ext>
+                <a:ext uri="{C183D7F6-B498-43B3-948B-1728B52AA6E4}">
+                  <adec:decorative xmlns:adec="http://schemas.microsoft.com/office/drawing/2017/decorative" val="1"/>
+                </a:ext>
+              </a:extLst>
+            </p:cNvPr>
+            <p:cNvSpPr/>
+            <p:nvPr>
+              <p:extLst>
+                <p:ext uri="{386F3935-93C4-4BCD-93E2-E3B085C9AB24}">
+                  <p16:designElem xmlns:p16="http://schemas.microsoft.com/office/powerpoint/2015/main" val="1"/>
+                </p:ext>
+              </p:extLst>
+            </p:nvPr>
+          </p:nvSpPr>
+          <p:spPr bwMode="auto">
+            <a:xfrm>
+              <a:off x="1223963" y="1382713"/>
+              <a:ext cx="142875" cy="476250"/>
+            </a:xfrm>
+            <a:custGeom>
+              <a:avLst/>
+              <a:gdLst/>
+              <a:ahLst/>
+              <a:cxnLst/>
+              <a:rect l="0" t="0" r="r" b="b"/>
+              <a:pathLst>
+                <a:path w="90" h="300">
+                  <a:moveTo>
+                    <a:pt x="90" y="300"/>
+                  </a:moveTo>
+                  <a:lnTo>
+                    <a:pt x="78" y="300"/>
+                  </a:lnTo>
+                  <a:lnTo>
+                    <a:pt x="78" y="84"/>
+                  </a:lnTo>
+                  <a:lnTo>
+                    <a:pt x="0" y="9"/>
+                  </a:lnTo>
+                  <a:lnTo>
+                    <a:pt x="9" y="0"/>
+                  </a:lnTo>
+                  <a:lnTo>
+                    <a:pt x="90" y="81"/>
+                  </a:lnTo>
+                  <a:lnTo>
+                    <a:pt x="90" y="300"/>
+                  </a:lnTo>
+                  <a:close/>
+                </a:path>
+              </a:pathLst>
+            </a:custGeom>
+            <a:grpFill/>
+            <a:ln>
+              <a:noFill/>
+            </a:ln>
+            <a:extLst>
+              <a:ext uri="{91240B29-F687-4f45-9708-019B960494DF}">
+                <a14:hiddenLine xmlns="" xmlns:a16="http://schemas.microsoft.com/office/drawing/2014/main" xmlns:p14="http://schemas.microsoft.com/office/powerpoint/2010/main" xmlns:a14="http://schemas.microsoft.com/office/drawing/2010/main" w="9525">
+                  <a:solidFill>
+                    <a:srgbClr val="000000"/>
+                  </a:solidFill>
+                  <a:round/>
+                  <a:headEnd/>
+                  <a:tailEnd/>
+                </a14:hiddenLine>
+              </a:ext>
+            </a:extLst>
+          </p:spPr>
+          <p:txBody>
+            <a:bodyPr/>
+            <a:lstStyle/>
+            <a:p>
+              <a:endParaRPr lang="en-US"/>
+            </a:p>
+          </p:txBody>
+        </p:sp>
+        <p:sp>
+          <p:nvSpPr>
+            <p:cNvPr id="131" name="Freeform 40">
+              <a:extLst>
+                <a:ext uri="{FF2B5EF4-FFF2-40B4-BE49-F238E27FC236}">
+                  <a16:creationId xmlns:a16="http://schemas.microsoft.com/office/drawing/2014/main" id="{CEE29A17-924F-4EED-A18C-E6A0137E52EB}"/>
+                </a:ext>
+                <a:ext uri="{C183D7F6-B498-43B3-948B-1728B52AA6E4}">
+                  <adec:decorative xmlns:adec="http://schemas.microsoft.com/office/drawing/2017/decorative" val="1"/>
+                </a:ext>
+              </a:extLst>
+            </p:cNvPr>
+            <p:cNvSpPr>
+              <a:spLocks noEditPoints="1"/>
+            </p:cNvSpPr>
+            <p:nvPr>
+              <p:extLst>
+                <p:ext uri="{386F3935-93C4-4BCD-93E2-E3B085C9AB24}">
+                  <p16:designElem xmlns:p16="http://schemas.microsoft.com/office/powerpoint/2015/main" val="1"/>
+                </p:ext>
+              </p:extLst>
+            </p:nvPr>
+          </p:nvSpPr>
+          <p:spPr bwMode="auto">
+            <a:xfrm>
+              <a:off x="1300163" y="1849438"/>
+              <a:ext cx="109538" cy="107950"/>
+            </a:xfrm>
+            <a:custGeom>
+              <a:avLst/>
+              <a:gdLst/>
+              <a:ahLst/>
+              <a:cxnLst/>
+              <a:rect l="0" t="0" r="r" b="b"/>
+              <a:pathLst>
+                <a:path w="23" h="23">
+                  <a:moveTo>
+                    <a:pt x="12" y="23"/>
+                  </a:moveTo>
+                  <a:cubicBezTo>
+                    <a:pt x="5" y="23"/>
+                    <a:pt x="0" y="18"/>
+                    <a:pt x="0" y="12"/>
+                  </a:cubicBezTo>
+                  <a:cubicBezTo>
+                    <a:pt x="0" y="5"/>
+                    <a:pt x="5" y="0"/>
+                    <a:pt x="12" y="0"/>
+                  </a:cubicBezTo>
+                  <a:cubicBezTo>
+                    <a:pt x="18" y="0"/>
+                    <a:pt x="23" y="5"/>
+                    <a:pt x="23" y="12"/>
+                  </a:cubicBezTo>
+                  <a:cubicBezTo>
+                    <a:pt x="23" y="18"/>
+                    <a:pt x="18" y="23"/>
+                    <a:pt x="12" y="23"/>
+                  </a:cubicBezTo>
+                  <a:close/>
+                  <a:moveTo>
+                    <a:pt x="12" y="4"/>
+                  </a:moveTo>
+                  <a:cubicBezTo>
+                    <a:pt x="8" y="4"/>
+                    <a:pt x="4" y="8"/>
+                    <a:pt x="4" y="12"/>
+                  </a:cubicBezTo>
+                  <a:cubicBezTo>
+                    <a:pt x="4" y="16"/>
+                    <a:pt x="8" y="19"/>
+                    <a:pt x="12" y="19"/>
+                  </a:cubicBezTo>
+                  <a:cubicBezTo>
+                    <a:pt x="16" y="19"/>
+                    <a:pt x="19" y="16"/>
+                    <a:pt x="19" y="12"/>
+                  </a:cubicBezTo>
+                  <a:cubicBezTo>
+                    <a:pt x="19" y="8"/>
+                    <a:pt x="16" y="4"/>
+                    <a:pt x="12" y="4"/>
+                  </a:cubicBezTo>
+                  <a:close/>
+                </a:path>
+              </a:pathLst>
+            </a:custGeom>
+            <a:grpFill/>
+            <a:ln>
+              <a:noFill/>
+            </a:ln>
+            <a:extLst>
+              <a:ext uri="{91240B29-F687-4f45-9708-019B960494DF}">
+                <a14:hiddenLine xmlns="" xmlns:a16="http://schemas.microsoft.com/office/drawing/2014/main" xmlns:p14="http://schemas.microsoft.com/office/powerpoint/2010/main" xmlns:a14="http://schemas.microsoft.com/office/drawing/2010/main" w="9525">
+                  <a:solidFill>
+                    <a:srgbClr val="000000"/>
+                  </a:solidFill>
+                  <a:round/>
+                  <a:headEnd/>
+                  <a:tailEnd/>
+                </a14:hiddenLine>
+              </a:ext>
+            </a:extLst>
+          </p:spPr>
+          <p:txBody>
+            <a:bodyPr/>
+            <a:lstStyle/>
+            <a:p>
+              <a:endParaRPr lang="en-US"/>
+            </a:p>
+          </p:txBody>
+        </p:sp>
+        <p:sp>
+          <p:nvSpPr>
+            <p:cNvPr id="132" name="Freeform 41">
+              <a:extLst>
+                <a:ext uri="{FF2B5EF4-FFF2-40B4-BE49-F238E27FC236}">
+                  <a16:creationId xmlns:a16="http://schemas.microsoft.com/office/drawing/2014/main" id="{EFB8BDF1-3A59-4EE5-BFAB-4F4B301E37C9}"/>
+                </a:ext>
+                <a:ext uri="{C183D7F6-B498-43B3-948B-1728B52AA6E4}">
+                  <adec:decorative xmlns:adec="http://schemas.microsoft.com/office/drawing/2017/decorative" val="1"/>
+                </a:ext>
+              </a:extLst>
+            </p:cNvPr>
+            <p:cNvSpPr/>
+            <p:nvPr>
+              <p:extLst>
+                <p:ext uri="{386F3935-93C4-4BCD-93E2-E3B085C9AB24}">
+                  <p16:designElem xmlns:p16="http://schemas.microsoft.com/office/powerpoint/2015/main" val="1"/>
+                </p:ext>
+              </p:extLst>
+            </p:nvPr>
+          </p:nvSpPr>
+          <p:spPr bwMode="auto">
+            <a:xfrm>
+              <a:off x="280988" y="3417888"/>
+              <a:ext cx="142875" cy="474663"/>
+            </a:xfrm>
+            <a:custGeom>
+              <a:avLst/>
+              <a:gdLst/>
+              <a:ahLst/>
+              <a:cxnLst/>
+              <a:rect l="0" t="0" r="r" b="b"/>
+              <a:pathLst>
+                <a:path w="90" h="299">
+                  <a:moveTo>
+                    <a:pt x="12" y="299"/>
+                  </a:moveTo>
+                  <a:lnTo>
+                    <a:pt x="0" y="299"/>
+                  </a:lnTo>
+                  <a:lnTo>
+                    <a:pt x="0" y="80"/>
+                  </a:lnTo>
+                  <a:lnTo>
+                    <a:pt x="81" y="0"/>
+                  </a:lnTo>
+                  <a:lnTo>
+                    <a:pt x="90" y="8"/>
+                  </a:lnTo>
+                  <a:lnTo>
+                    <a:pt x="12" y="83"/>
+                  </a:lnTo>
+                  <a:lnTo>
+                    <a:pt x="12" y="299"/>
+                  </a:lnTo>
+                  <a:close/>
+                </a:path>
+              </a:pathLst>
+            </a:custGeom>
+            <a:grpFill/>
+            <a:ln>
+              <a:noFill/>
+            </a:ln>
+            <a:extLst>
+              <a:ext uri="{91240B29-F687-4f45-9708-019B960494DF}">
+                <a14:hiddenLine xmlns="" xmlns:a16="http://schemas.microsoft.com/office/drawing/2014/main" xmlns:p14="http://schemas.microsoft.com/office/powerpoint/2010/main" xmlns:a14="http://schemas.microsoft.com/office/drawing/2010/main" w="9525">
+                  <a:solidFill>
+                    <a:srgbClr val="000000"/>
+                  </a:solidFill>
+                  <a:round/>
+                  <a:headEnd/>
+                  <a:tailEnd/>
+                </a14:hiddenLine>
+              </a:ext>
+            </a:extLst>
+          </p:spPr>
+          <p:txBody>
+            <a:bodyPr/>
+            <a:lstStyle/>
+            <a:p>
+              <a:endParaRPr lang="en-US"/>
+            </a:p>
+          </p:txBody>
+        </p:sp>
+        <p:sp>
+          <p:nvSpPr>
+            <p:cNvPr id="133" name="Freeform 42">
+              <a:extLst>
+                <a:ext uri="{FF2B5EF4-FFF2-40B4-BE49-F238E27FC236}">
+                  <a16:creationId xmlns:a16="http://schemas.microsoft.com/office/drawing/2014/main" id="{8F94E417-93B4-4071-A6D1-AE66CA68229A}"/>
+                </a:ext>
+                <a:ext uri="{C183D7F6-B498-43B3-948B-1728B52AA6E4}">
+                  <adec:decorative xmlns:adec="http://schemas.microsoft.com/office/drawing/2017/decorative" val="1"/>
+                </a:ext>
+              </a:extLst>
+            </p:cNvPr>
+            <p:cNvSpPr>
+              <a:spLocks noEditPoints="1"/>
+            </p:cNvSpPr>
+            <p:nvPr>
+              <p:extLst>
+                <p:ext uri="{386F3935-93C4-4BCD-93E2-E3B085C9AB24}">
+                  <p16:designElem xmlns:p16="http://schemas.microsoft.com/office/powerpoint/2015/main" val="1"/>
+                </p:ext>
+              </p:extLst>
+            </p:nvPr>
+          </p:nvSpPr>
+          <p:spPr bwMode="auto">
+            <a:xfrm>
+              <a:off x="238125" y="3883025"/>
+              <a:ext cx="109538" cy="109538"/>
+            </a:xfrm>
+            <a:custGeom>
+              <a:avLst/>
+              <a:gdLst/>
+              <a:ahLst/>
+              <a:cxnLst/>
+              <a:rect l="0" t="0" r="r" b="b"/>
+              <a:pathLst>
+                <a:path w="23" h="23">
+                  <a:moveTo>
+                    <a:pt x="11" y="23"/>
+                  </a:moveTo>
+                  <a:cubicBezTo>
+                    <a:pt x="5" y="23"/>
+                    <a:pt x="0" y="18"/>
+                    <a:pt x="0" y="12"/>
+                  </a:cubicBezTo>
+                  <a:cubicBezTo>
+                    <a:pt x="0" y="5"/>
+                    <a:pt x="5" y="0"/>
+                    <a:pt x="11" y="0"/>
+                  </a:cubicBezTo>
+                  <a:cubicBezTo>
+                    <a:pt x="17" y="0"/>
+                    <a:pt x="23" y="5"/>
+                    <a:pt x="23" y="12"/>
+                  </a:cubicBezTo>
+                  <a:cubicBezTo>
+                    <a:pt x="23" y="18"/>
+                    <a:pt x="17" y="23"/>
+                    <a:pt x="11" y="23"/>
+                  </a:cubicBezTo>
+                  <a:close/>
+                  <a:moveTo>
+                    <a:pt x="11" y="4"/>
+                  </a:moveTo>
+                  <a:cubicBezTo>
+                    <a:pt x="7" y="4"/>
+                    <a:pt x="4" y="8"/>
+                    <a:pt x="4" y="12"/>
+                  </a:cubicBezTo>
+                  <a:cubicBezTo>
+                    <a:pt x="4" y="16"/>
+                    <a:pt x="7" y="19"/>
+                    <a:pt x="11" y="19"/>
+                  </a:cubicBezTo>
+                  <a:cubicBezTo>
+                    <a:pt x="15" y="19"/>
+                    <a:pt x="19" y="16"/>
+                    <a:pt x="19" y="12"/>
+                  </a:cubicBezTo>
+                  <a:cubicBezTo>
+                    <a:pt x="19" y="8"/>
+                    <a:pt x="15" y="4"/>
+                    <a:pt x="11" y="4"/>
+                  </a:cubicBezTo>
+                  <a:close/>
+                </a:path>
+              </a:pathLst>
+            </a:custGeom>
+            <a:grpFill/>
+            <a:ln>
+              <a:noFill/>
+            </a:ln>
+            <a:extLst>
+              <a:ext uri="{91240B29-F687-4f45-9708-019B960494DF}">
+                <a14:hiddenLine xmlns="" xmlns:a16="http://schemas.microsoft.com/office/drawing/2014/main" xmlns:p14="http://schemas.microsoft.com/office/powerpoint/2010/main" xmlns:a14="http://schemas.microsoft.com/office/drawing/2010/main" w="9525">
+                  <a:solidFill>
+                    <a:srgbClr val="000000"/>
+                  </a:solidFill>
+                  <a:round/>
+                  <a:headEnd/>
+                  <a:tailEnd/>
+                </a14:hiddenLine>
+              </a:ext>
+            </a:extLst>
+          </p:spPr>
+          <p:txBody>
+            <a:bodyPr/>
+            <a:lstStyle/>
+            <a:p>
+              <a:endParaRPr lang="en-US"/>
+            </a:p>
+          </p:txBody>
+        </p:sp>
+        <p:sp>
+          <p:nvSpPr>
+            <p:cNvPr id="134" name="Freeform 43">
+              <a:extLst>
+                <a:ext uri="{FF2B5EF4-FFF2-40B4-BE49-F238E27FC236}">
+                  <a16:creationId xmlns:a16="http://schemas.microsoft.com/office/drawing/2014/main" id="{A18F44A8-385D-4EB4-A013-7EB252A275EE}"/>
+                </a:ext>
+                <a:ext uri="{C183D7F6-B498-43B3-948B-1728B52AA6E4}">
+                  <adec:decorative xmlns:adec="http://schemas.microsoft.com/office/drawing/2017/decorative" val="1"/>
+                </a:ext>
+              </a:extLst>
+            </p:cNvPr>
+            <p:cNvSpPr/>
+            <p:nvPr>
+              <p:extLst>
+                <p:ext uri="{386F3935-93C4-4BCD-93E2-E3B085C9AB24}">
+                  <p16:designElem xmlns:p16="http://schemas.microsoft.com/office/powerpoint/2015/main" val="1"/>
+                </p:ext>
+              </p:extLst>
+            </p:nvPr>
+          </p:nvSpPr>
+          <p:spPr bwMode="auto">
+            <a:xfrm>
+              <a:off x="4763" y="2166938"/>
+              <a:ext cx="114300" cy="452438"/>
+            </a:xfrm>
+            <a:custGeom>
+              <a:avLst/>
+              <a:gdLst/>
+              <a:ahLst/>
+              <a:cxnLst/>
+              <a:rect l="0" t="0" r="r" b="b"/>
+              <a:pathLst>
+                <a:path w="72" h="285">
+                  <a:moveTo>
+                    <a:pt x="6" y="285"/>
+                  </a:moveTo>
+                  <a:lnTo>
+                    <a:pt x="0" y="276"/>
+                  </a:lnTo>
+                  <a:lnTo>
+                    <a:pt x="60" y="216"/>
+                  </a:lnTo>
+                  <a:lnTo>
+                    <a:pt x="60" y="0"/>
+                  </a:lnTo>
+                  <a:lnTo>
+                    <a:pt x="72" y="0"/>
+                  </a:lnTo>
+                  <a:lnTo>
+                    <a:pt x="72" y="222"/>
+                  </a:lnTo>
+                  <a:lnTo>
+                    <a:pt x="6" y="285"/>
+                  </a:lnTo>
+                  <a:close/>
+                </a:path>
+              </a:pathLst>
+            </a:custGeom>
+            <a:grpFill/>
+            <a:ln>
+              <a:noFill/>
+            </a:ln>
+            <a:extLst>
+              <a:ext uri="{91240B29-F687-4f45-9708-019B960494DF}">
+                <a14:hiddenLine xmlns="" xmlns:a16="http://schemas.microsoft.com/office/drawing/2014/main" xmlns:p14="http://schemas.microsoft.com/office/powerpoint/2010/main" xmlns:a14="http://schemas.microsoft.com/office/drawing/2010/main" w="9525">
+                  <a:solidFill>
+                    <a:srgbClr val="000000"/>
+                  </a:solidFill>
+                  <a:round/>
+                  <a:headEnd/>
+                  <a:tailEnd/>
+                </a14:hiddenLine>
+              </a:ext>
+            </a:extLst>
+          </p:spPr>
+          <p:txBody>
+            <a:bodyPr/>
+            <a:lstStyle/>
+            <a:p>
+              <a:endParaRPr lang="en-US"/>
+            </a:p>
+          </p:txBody>
+        </p:sp>
+        <p:sp>
+          <p:nvSpPr>
+            <p:cNvPr id="135" name="Freeform 44">
+              <a:extLst>
+                <a:ext uri="{FF2B5EF4-FFF2-40B4-BE49-F238E27FC236}">
+                  <a16:creationId xmlns:a16="http://schemas.microsoft.com/office/drawing/2014/main" id="{B25FB320-9784-4EA9-B1AE-3BF9106E6E0B}"/>
+                </a:ext>
+                <a:ext uri="{C183D7F6-B498-43B3-948B-1728B52AA6E4}">
+                  <adec:decorative xmlns:adec="http://schemas.microsoft.com/office/drawing/2017/decorative" val="1"/>
+                </a:ext>
+              </a:extLst>
+            </p:cNvPr>
+            <p:cNvSpPr>
+              <a:spLocks noEditPoints="1"/>
+            </p:cNvSpPr>
+            <p:nvPr>
+              <p:extLst>
+                <p:ext uri="{386F3935-93C4-4BCD-93E2-E3B085C9AB24}">
+                  <p16:designElem xmlns:p16="http://schemas.microsoft.com/office/powerpoint/2015/main" val="1"/>
+                </p:ext>
+              </p:extLst>
+            </p:nvPr>
+          </p:nvSpPr>
+          <p:spPr bwMode="auto">
+            <a:xfrm>
+              <a:off x="52388" y="2066925"/>
+              <a:ext cx="109538" cy="109538"/>
+            </a:xfrm>
+            <a:custGeom>
+              <a:avLst/>
+              <a:gdLst/>
+              <a:ahLst/>
+              <a:cxnLst/>
+              <a:rect l="0" t="0" r="r" b="b"/>
+              <a:pathLst>
+                <a:path w="23" h="23">
+                  <a:moveTo>
+                    <a:pt x="12" y="23"/>
+                  </a:moveTo>
+                  <a:cubicBezTo>
+                    <a:pt x="5" y="23"/>
+                    <a:pt x="0" y="18"/>
+                    <a:pt x="0" y="12"/>
+                  </a:cubicBezTo>
+                  <a:cubicBezTo>
+                    <a:pt x="0" y="5"/>
+                    <a:pt x="5" y="0"/>
+                    <a:pt x="12" y="0"/>
+                  </a:cubicBezTo>
+                  <a:cubicBezTo>
+                    <a:pt x="18" y="0"/>
+                    <a:pt x="23" y="5"/>
+                    <a:pt x="23" y="12"/>
+                  </a:cubicBezTo>
+                  <a:cubicBezTo>
+                    <a:pt x="23" y="18"/>
+                    <a:pt x="18" y="23"/>
+                    <a:pt x="12" y="23"/>
+                  </a:cubicBezTo>
+                  <a:close/>
+                  <a:moveTo>
+                    <a:pt x="12" y="4"/>
+                  </a:moveTo>
+                  <a:cubicBezTo>
+                    <a:pt x="8" y="4"/>
+                    <a:pt x="4" y="8"/>
+                    <a:pt x="4" y="12"/>
+                  </a:cubicBezTo>
+                  <a:cubicBezTo>
+                    <a:pt x="4" y="16"/>
+                    <a:pt x="8" y="19"/>
+                    <a:pt x="12" y="19"/>
+                  </a:cubicBezTo>
+                  <a:cubicBezTo>
+                    <a:pt x="16" y="19"/>
+                    <a:pt x="19" y="16"/>
+                    <a:pt x="19" y="12"/>
+                  </a:cubicBezTo>
+                  <a:cubicBezTo>
+                    <a:pt x="19" y="8"/>
+                    <a:pt x="16" y="4"/>
+                    <a:pt x="12" y="4"/>
+                  </a:cubicBezTo>
+                  <a:close/>
+                </a:path>
+              </a:pathLst>
+            </a:custGeom>
+            <a:grpFill/>
+            <a:ln>
+              <a:noFill/>
+            </a:ln>
+            <a:extLst>
+              <a:ext uri="{91240B29-F687-4f45-9708-019B960494DF}">
+                <a14:hiddenLine xmlns="" xmlns:a16="http://schemas.microsoft.com/office/drawing/2014/main" xmlns:p14="http://schemas.microsoft.com/office/powerpoint/2010/main" xmlns:a14="http://schemas.microsoft.com/office/drawing/2010/main" w="9525">
+                  <a:solidFill>
+                    <a:srgbClr val="000000"/>
+                  </a:solidFill>
+                  <a:round/>
+                  <a:headEnd/>
+                  <a:tailEnd/>
+                </a14:hiddenLine>
+              </a:ext>
+            </a:extLst>
+          </p:spPr>
+          <p:txBody>
+            <a:bodyPr/>
+            <a:lstStyle/>
+            <a:p>
+              <a:endParaRPr lang="en-US"/>
+            </a:p>
+          </p:txBody>
+        </p:sp>
+        <p:sp>
+          <p:nvSpPr>
+            <p:cNvPr id="136" name="Rectangle 45">
+              <a:extLst>
+                <a:ext uri="{FF2B5EF4-FFF2-40B4-BE49-F238E27FC236}">
+                  <a16:creationId xmlns:a16="http://schemas.microsoft.com/office/drawing/2014/main" id="{C9EB05E6-5BE4-4EE1-9F0C-E8B57B362EA3}"/>
+                </a:ext>
+                <a:ext uri="{C183D7F6-B498-43B3-948B-1728B52AA6E4}">
+                  <adec:decorative xmlns:adec="http://schemas.microsoft.com/office/drawing/2017/decorative" val="1"/>
+                </a:ext>
+              </a:extLst>
+            </p:cNvPr>
+            <p:cNvSpPr>
+              <a:spLocks noChangeArrowheads="1"/>
+            </p:cNvSpPr>
+            <p:nvPr>
+              <p:extLst>
+                <p:ext uri="{386F3935-93C4-4BCD-93E2-E3B085C9AB24}">
+                  <p16:designElem xmlns:p16="http://schemas.microsoft.com/office/powerpoint/2015/main" val="1"/>
+                </p:ext>
+              </p:extLst>
+            </p:nvPr>
+          </p:nvSpPr>
+          <p:spPr bwMode="auto">
+            <a:xfrm>
+              <a:off x="1228725" y="4662488"/>
+              <a:ext cx="23813" cy="2181225"/>
+            </a:xfrm>
+            <a:prstGeom prst="rect">
+              <a:avLst/>
+            </a:prstGeom>
+            <a:grpFill/>
+            <a:ln>
+              <a:noFill/>
+            </a:ln>
+            <a:extLst>
+              <a:ext uri="{91240B29-F687-4f45-9708-019B960494DF}">
+                <a14:hiddenLine xmlns="" xmlns:a16="http://schemas.microsoft.com/office/drawing/2014/main" xmlns:p14="http://schemas.microsoft.com/office/powerpoint/2010/main" xmlns:a14="http://schemas.microsoft.com/office/drawing/2010/main" w="9525">
+                  <a:solidFill>
+                    <a:srgbClr val="000000"/>
+                  </a:solidFill>
+                  <a:miter lim="800000"/>
+                  <a:headEnd/>
+                  <a:tailEnd/>
+                </a14:hiddenLine>
+              </a:ext>
+            </a:extLst>
+          </p:spPr>
+          <p:txBody>
+            <a:bodyPr/>
+            <a:lstStyle/>
+            <a:p>
+              <a:endParaRPr lang="en-US"/>
+            </a:p>
+          </p:txBody>
+        </p:sp>
+        <p:sp>
+          <p:nvSpPr>
+            <p:cNvPr id="137" name="Freeform 46">
+              <a:extLst>
+                <a:ext uri="{FF2B5EF4-FFF2-40B4-BE49-F238E27FC236}">
+                  <a16:creationId xmlns:a16="http://schemas.microsoft.com/office/drawing/2014/main" id="{C66CAA98-15DB-4EF7-B2CA-54F523A3C765}"/>
+                </a:ext>
+                <a:ext uri="{C183D7F6-B498-43B3-948B-1728B52AA6E4}">
+                  <adec:decorative xmlns:adec="http://schemas.microsoft.com/office/drawing/2017/decorative" val="1"/>
+                </a:ext>
+              </a:extLst>
+            </p:cNvPr>
+            <p:cNvSpPr/>
+            <p:nvPr>
+              <p:extLst>
+                <p:ext uri="{386F3935-93C4-4BCD-93E2-E3B085C9AB24}">
+                  <p16:designElem xmlns:p16="http://schemas.microsoft.com/office/powerpoint/2015/main" val="1"/>
+                </p:ext>
+              </p:extLst>
+            </p:nvPr>
+          </p:nvSpPr>
+          <p:spPr bwMode="auto">
+            <a:xfrm>
+              <a:off x="1319213" y="5041900"/>
+              <a:ext cx="371475" cy="1801813"/>
+            </a:xfrm>
+            <a:custGeom>
+              <a:avLst/>
+              <a:gdLst/>
+              <a:ahLst/>
+              <a:cxnLst/>
+              <a:rect l="0" t="0" r="r" b="b"/>
+              <a:pathLst>
+                <a:path w="234" h="1135">
+                  <a:moveTo>
+                    <a:pt x="15" y="1135"/>
+                  </a:moveTo>
+                  <a:lnTo>
+                    <a:pt x="0" y="1135"/>
+                  </a:lnTo>
+                  <a:lnTo>
+                    <a:pt x="0" y="515"/>
+                  </a:lnTo>
+                  <a:lnTo>
+                    <a:pt x="0" y="512"/>
+                  </a:lnTo>
+                  <a:lnTo>
+                    <a:pt x="219" y="0"/>
+                  </a:lnTo>
+                  <a:lnTo>
+                    <a:pt x="234" y="6"/>
+                  </a:lnTo>
+                  <a:lnTo>
+                    <a:pt x="15" y="518"/>
+                  </a:lnTo>
+                  <a:lnTo>
+                    <a:pt x="15" y="1135"/>
+                  </a:lnTo>
+                  <a:close/>
+                </a:path>
+              </a:pathLst>
+            </a:custGeom>
+            <a:grpFill/>
+            <a:ln>
+              <a:noFill/>
+            </a:ln>
+            <a:extLst>
+              <a:ext uri="{91240B29-F687-4f45-9708-019B960494DF}">
+                <a14:hiddenLine xmlns="" xmlns:a16="http://schemas.microsoft.com/office/drawing/2014/main" xmlns:p14="http://schemas.microsoft.com/office/powerpoint/2010/main" xmlns:a14="http://schemas.microsoft.com/office/drawing/2010/main" w="9525">
+                  <a:solidFill>
+                    <a:srgbClr val="000000"/>
+                  </a:solidFill>
+                  <a:round/>
+                  <a:headEnd/>
+                  <a:tailEnd/>
+                </a14:hiddenLine>
+              </a:ext>
+            </a:extLst>
+          </p:spPr>
+          <p:txBody>
+            <a:bodyPr/>
+            <a:lstStyle/>
+            <a:p>
+              <a:endParaRPr lang="en-US"/>
+            </a:p>
+          </p:txBody>
+        </p:sp>
+        <p:sp>
+          <p:nvSpPr>
+            <p:cNvPr id="138" name="Freeform 47">
+              <a:extLst>
+                <a:ext uri="{FF2B5EF4-FFF2-40B4-BE49-F238E27FC236}">
+                  <a16:creationId xmlns:a16="http://schemas.microsoft.com/office/drawing/2014/main" id="{7A30C330-EB27-4D08-82D2-7311A8505E77}"/>
+                </a:ext>
+                <a:ext uri="{C183D7F6-B498-43B3-948B-1728B52AA6E4}">
+                  <adec:decorative xmlns:adec="http://schemas.microsoft.com/office/drawing/2017/decorative" val="1"/>
+                </a:ext>
+              </a:extLst>
+            </p:cNvPr>
+            <p:cNvSpPr>
+              <a:spLocks noEditPoints="1"/>
+            </p:cNvSpPr>
+            <p:nvPr>
+              <p:extLst>
+                <p:ext uri="{386F3935-93C4-4BCD-93E2-E3B085C9AB24}">
+                  <p16:designElem xmlns:p16="http://schemas.microsoft.com/office/powerpoint/2015/main" val="1"/>
+                </p:ext>
+              </p:extLst>
+            </p:nvPr>
+          </p:nvSpPr>
+          <p:spPr bwMode="auto">
+            <a:xfrm>
+              <a:off x="1147763" y="4481513"/>
+              <a:ext cx="190500" cy="190500"/>
+            </a:xfrm>
+            <a:custGeom>
+              <a:avLst/>
+              <a:gdLst/>
+              <a:ahLst/>
+              <a:cxnLst/>
+              <a:rect l="0" t="0" r="r" b="b"/>
+              <a:pathLst>
+                <a:path w="40" h="40">
+                  <a:moveTo>
+                    <a:pt x="20" y="40"/>
+                  </a:moveTo>
+                  <a:cubicBezTo>
+                    <a:pt x="9" y="40"/>
+                    <a:pt x="0" y="31"/>
+                    <a:pt x="0" y="20"/>
+                  </a:cubicBezTo>
+                  <a:cubicBezTo>
+                    <a:pt x="0" y="9"/>
+                    <a:pt x="9" y="0"/>
+                    <a:pt x="20" y="0"/>
+                  </a:cubicBezTo>
+                  <a:cubicBezTo>
+                    <a:pt x="31" y="0"/>
+                    <a:pt x="40" y="9"/>
+                    <a:pt x="40" y="20"/>
+                  </a:cubicBezTo>
+                  <a:cubicBezTo>
+                    <a:pt x="40" y="31"/>
+                    <a:pt x="31" y="40"/>
+                    <a:pt x="20" y="40"/>
+                  </a:cubicBezTo>
+                  <a:close/>
+                  <a:moveTo>
+                    <a:pt x="20" y="4"/>
+                  </a:moveTo>
+                  <a:cubicBezTo>
+                    <a:pt x="11" y="4"/>
+                    <a:pt x="4" y="11"/>
+                    <a:pt x="4" y="20"/>
+                  </a:cubicBezTo>
+                  <a:cubicBezTo>
+                    <a:pt x="4" y="29"/>
+                    <a:pt x="11" y="36"/>
+                    <a:pt x="20" y="36"/>
+                  </a:cubicBezTo>
+                  <a:cubicBezTo>
+                    <a:pt x="28" y="36"/>
+                    <a:pt x="36" y="29"/>
+                    <a:pt x="36" y="20"/>
+                  </a:cubicBezTo>
+                  <a:cubicBezTo>
+                    <a:pt x="36" y="11"/>
+                    <a:pt x="28" y="4"/>
+                    <a:pt x="20" y="4"/>
+                  </a:cubicBezTo>
+                  <a:close/>
+                </a:path>
+              </a:pathLst>
+            </a:custGeom>
+            <a:grpFill/>
+            <a:ln>
+              <a:noFill/>
+            </a:ln>
+            <a:extLst>
+              <a:ext uri="{91240B29-F687-4f45-9708-019B960494DF}">
+                <a14:hiddenLine xmlns="" xmlns:a16="http://schemas.microsoft.com/office/drawing/2014/main" xmlns:p14="http://schemas.microsoft.com/office/powerpoint/2010/main" xmlns:a14="http://schemas.microsoft.com/office/drawing/2010/main" w="9525">
+                  <a:solidFill>
+                    <a:srgbClr val="000000"/>
+                  </a:solidFill>
+                  <a:round/>
+                  <a:headEnd/>
+                  <a:tailEnd/>
+                </a14:hiddenLine>
+              </a:ext>
+            </a:extLst>
+          </p:spPr>
+          <p:txBody>
+            <a:bodyPr/>
+            <a:lstStyle/>
+            <a:p>
+              <a:endParaRPr lang="en-US"/>
+            </a:p>
+          </p:txBody>
+        </p:sp>
+        <p:sp>
+          <p:nvSpPr>
+            <p:cNvPr id="139" name="Freeform 48">
+              <a:extLst>
+                <a:ext uri="{FF2B5EF4-FFF2-40B4-BE49-F238E27FC236}">
+                  <a16:creationId xmlns:a16="http://schemas.microsoft.com/office/drawing/2014/main" id="{285C54D0-DCD8-43CD-AE6D-00487565C14E}"/>
+                </a:ext>
+                <a:ext uri="{C183D7F6-B498-43B3-948B-1728B52AA6E4}">
+                  <adec:decorative xmlns:adec="http://schemas.microsoft.com/office/drawing/2017/decorative" val="1"/>
+                </a:ext>
+              </a:extLst>
+            </p:cNvPr>
+            <p:cNvSpPr/>
+            <p:nvPr>
+              <p:extLst>
+                <p:ext uri="{386F3935-93C4-4BCD-93E2-E3B085C9AB24}">
+                  <p16:designElem xmlns:p16="http://schemas.microsoft.com/office/powerpoint/2015/main" val="1"/>
+                </p:ext>
+              </p:extLst>
+            </p:nvPr>
+          </p:nvSpPr>
+          <p:spPr bwMode="auto">
+            <a:xfrm>
+              <a:off x="819150" y="3983038"/>
+              <a:ext cx="347663" cy="2860675"/>
+            </a:xfrm>
+            <a:custGeom>
+              <a:avLst/>
+              <a:gdLst/>
+              <a:ahLst/>
+              <a:cxnLst/>
+              <a:rect l="0" t="0" r="r" b="b"/>
+              <a:pathLst>
+                <a:path w="219" h="1802">
+                  <a:moveTo>
+                    <a:pt x="219" y="1802"/>
+                  </a:moveTo>
+                  <a:lnTo>
+                    <a:pt x="201" y="1802"/>
+                  </a:lnTo>
+                  <a:lnTo>
+                    <a:pt x="201" y="1185"/>
+                  </a:lnTo>
+                  <a:lnTo>
+                    <a:pt x="0" y="3"/>
+                  </a:lnTo>
+                  <a:lnTo>
+                    <a:pt x="15" y="0"/>
+                  </a:lnTo>
+                  <a:lnTo>
+                    <a:pt x="219" y="1185"/>
+                  </a:lnTo>
+                  <a:lnTo>
+                    <a:pt x="219" y="1802"/>
+                  </a:lnTo>
+                  <a:close/>
+                </a:path>
+              </a:pathLst>
+            </a:custGeom>
+            <a:grpFill/>
+            <a:ln>
+              <a:noFill/>
+            </a:ln>
+            <a:extLst>
+              <a:ext uri="{91240B29-F687-4f45-9708-019B960494DF}">
+                <a14:hiddenLine xmlns="" xmlns:a16="http://schemas.microsoft.com/office/drawing/2014/main" xmlns:p14="http://schemas.microsoft.com/office/powerpoint/2010/main" xmlns:a14="http://schemas.microsoft.com/office/drawing/2010/main" w="9525">
+                  <a:solidFill>
+                    <a:srgbClr val="000000"/>
+                  </a:solidFill>
+                  <a:round/>
+                  <a:headEnd/>
+                  <a:tailEnd/>
+                </a14:hiddenLine>
+              </a:ext>
+            </a:extLst>
+          </p:spPr>
+          <p:txBody>
+            <a:bodyPr/>
+            <a:lstStyle/>
+            <a:p>
+              <a:endParaRPr lang="en-US"/>
+            </a:p>
+          </p:txBody>
+        </p:sp>
+        <p:sp>
+          <p:nvSpPr>
+            <p:cNvPr id="140" name="Freeform 49">
+              <a:extLst>
+                <a:ext uri="{FF2B5EF4-FFF2-40B4-BE49-F238E27FC236}">
+                  <a16:creationId xmlns:a16="http://schemas.microsoft.com/office/drawing/2014/main" id="{BC525C34-0A4A-4042-8FA3-F64A115AEA65}"/>
+                </a:ext>
+                <a:ext uri="{C183D7F6-B498-43B3-948B-1728B52AA6E4}">
+                  <adec:decorative xmlns:adec="http://schemas.microsoft.com/office/drawing/2017/decorative" val="1"/>
+                </a:ext>
+              </a:extLst>
+            </p:cNvPr>
+            <p:cNvSpPr>
+              <a:spLocks noEditPoints="1"/>
+            </p:cNvSpPr>
+            <p:nvPr>
+              <p:extLst>
+                <p:ext uri="{386F3935-93C4-4BCD-93E2-E3B085C9AB24}">
+                  <p16:designElem xmlns:p16="http://schemas.microsoft.com/office/powerpoint/2015/main" val="1"/>
+                </p:ext>
+              </p:extLst>
+            </p:nvPr>
+          </p:nvSpPr>
+          <p:spPr bwMode="auto">
+            <a:xfrm>
+              <a:off x="728663" y="3806825"/>
+              <a:ext cx="190500" cy="190500"/>
+            </a:xfrm>
+            <a:custGeom>
+              <a:avLst/>
+              <a:gdLst/>
+              <a:ahLst/>
+              <a:cxnLst/>
+              <a:rect l="0" t="0" r="r" b="b"/>
+              <a:pathLst>
+                <a:path w="40" h="40">
+                  <a:moveTo>
+                    <a:pt x="20" y="40"/>
+                  </a:moveTo>
+                  <a:cubicBezTo>
+                    <a:pt x="9" y="40"/>
+                    <a:pt x="0" y="31"/>
+                    <a:pt x="0" y="20"/>
+                  </a:cubicBezTo>
+                  <a:cubicBezTo>
+                    <a:pt x="0" y="9"/>
+                    <a:pt x="9" y="0"/>
+                    <a:pt x="20" y="0"/>
+                  </a:cubicBezTo>
+                  <a:cubicBezTo>
+                    <a:pt x="31" y="0"/>
+                    <a:pt x="40" y="9"/>
+                    <a:pt x="40" y="20"/>
+                  </a:cubicBezTo>
+                  <a:cubicBezTo>
+                    <a:pt x="40" y="31"/>
+                    <a:pt x="31" y="40"/>
+                    <a:pt x="20" y="40"/>
+                  </a:cubicBezTo>
+                  <a:close/>
+                  <a:moveTo>
+                    <a:pt x="20" y="4"/>
+                  </a:moveTo>
+                  <a:cubicBezTo>
+                    <a:pt x="11" y="4"/>
+                    <a:pt x="4" y="11"/>
+                    <a:pt x="4" y="20"/>
+                  </a:cubicBezTo>
+                  <a:cubicBezTo>
+                    <a:pt x="4" y="28"/>
+                    <a:pt x="11" y="36"/>
+                    <a:pt x="20" y="36"/>
+                  </a:cubicBezTo>
+                  <a:cubicBezTo>
+                    <a:pt x="29" y="36"/>
+                    <a:pt x="36" y="28"/>
+                    <a:pt x="36" y="20"/>
+                  </a:cubicBezTo>
+                  <a:cubicBezTo>
+                    <a:pt x="36" y="11"/>
+                    <a:pt x="29" y="4"/>
+                    <a:pt x="20" y="4"/>
+                  </a:cubicBezTo>
+                  <a:close/>
+                </a:path>
+              </a:pathLst>
+            </a:custGeom>
+            <a:grpFill/>
+            <a:ln>
+              <a:noFill/>
+            </a:ln>
+            <a:extLst>
+              <a:ext uri="{91240B29-F687-4f45-9708-019B960494DF}">
+                <a14:hiddenLine xmlns="" xmlns:a16="http://schemas.microsoft.com/office/drawing/2014/main" xmlns:p14="http://schemas.microsoft.com/office/powerpoint/2010/main" xmlns:a14="http://schemas.microsoft.com/office/drawing/2010/main" w="9525">
+                  <a:solidFill>
+                    <a:srgbClr val="000000"/>
+                  </a:solidFill>
+                  <a:round/>
+                  <a:headEnd/>
+                  <a:tailEnd/>
+                </a14:hiddenLine>
+              </a:ext>
+            </a:extLst>
+          </p:spPr>
+          <p:txBody>
+            <a:bodyPr/>
+            <a:lstStyle/>
+            <a:p>
+              <a:endParaRPr lang="en-US"/>
+            </a:p>
+          </p:txBody>
+        </p:sp>
+        <p:sp>
+          <p:nvSpPr>
+            <p:cNvPr id="141" name="Freeform 50">
+              <a:extLst>
+                <a:ext uri="{FF2B5EF4-FFF2-40B4-BE49-F238E27FC236}">
+                  <a16:creationId xmlns:a16="http://schemas.microsoft.com/office/drawing/2014/main" id="{870751A2-DBE9-4631-86D3-800E77491609}"/>
+                </a:ext>
+                <a:ext uri="{C183D7F6-B498-43B3-948B-1728B52AA6E4}">
+                  <adec:decorative xmlns:adec="http://schemas.microsoft.com/office/drawing/2017/decorative" val="1"/>
+                </a:ext>
+              </a:extLst>
+            </p:cNvPr>
+            <p:cNvSpPr>
+              <a:spLocks noEditPoints="1"/>
+            </p:cNvSpPr>
+            <p:nvPr>
+              <p:extLst>
+                <p:ext uri="{386F3935-93C4-4BCD-93E2-E3B085C9AB24}">
+                  <p16:designElem xmlns:p16="http://schemas.microsoft.com/office/powerpoint/2015/main" val="1"/>
+                </p:ext>
+              </p:extLst>
+            </p:nvPr>
+          </p:nvSpPr>
+          <p:spPr bwMode="auto">
+            <a:xfrm>
+              <a:off x="1624013" y="4867275"/>
+              <a:ext cx="190500" cy="188913"/>
+            </a:xfrm>
+            <a:custGeom>
+              <a:avLst/>
+              <a:gdLst/>
+              <a:ahLst/>
+              <a:cxnLst/>
+              <a:rect l="0" t="0" r="r" b="b"/>
+              <a:pathLst>
+                <a:path w="40" h="40">
+                  <a:moveTo>
+                    <a:pt x="20" y="40"/>
+                  </a:moveTo>
+                  <a:cubicBezTo>
+                    <a:pt x="9" y="40"/>
+                    <a:pt x="0" y="31"/>
+                    <a:pt x="0" y="20"/>
+                  </a:cubicBezTo>
+                  <a:cubicBezTo>
+                    <a:pt x="0" y="9"/>
+                    <a:pt x="9" y="0"/>
+                    <a:pt x="20" y="0"/>
+                  </a:cubicBezTo>
+                  <a:cubicBezTo>
+                    <a:pt x="31" y="0"/>
+                    <a:pt x="40" y="9"/>
+                    <a:pt x="40" y="20"/>
+                  </a:cubicBezTo>
+                  <a:cubicBezTo>
+                    <a:pt x="40" y="31"/>
+                    <a:pt x="31" y="40"/>
+                    <a:pt x="20" y="40"/>
+                  </a:cubicBezTo>
+                  <a:close/>
+                  <a:moveTo>
+                    <a:pt x="20" y="4"/>
+                  </a:moveTo>
+                  <a:cubicBezTo>
+                    <a:pt x="11" y="4"/>
+                    <a:pt x="4" y="11"/>
+                    <a:pt x="4" y="20"/>
+                  </a:cubicBezTo>
+                  <a:cubicBezTo>
+                    <a:pt x="4" y="29"/>
+                    <a:pt x="11" y="36"/>
+                    <a:pt x="20" y="36"/>
+                  </a:cubicBezTo>
+                  <a:cubicBezTo>
+                    <a:pt x="28" y="36"/>
+                    <a:pt x="36" y="29"/>
+                    <a:pt x="36" y="20"/>
+                  </a:cubicBezTo>
+                  <a:cubicBezTo>
+                    <a:pt x="36" y="11"/>
+                    <a:pt x="28" y="4"/>
+                    <a:pt x="20" y="4"/>
+                  </a:cubicBezTo>
+                  <a:close/>
+                </a:path>
+              </a:pathLst>
+            </a:custGeom>
+            <a:grpFill/>
+            <a:ln>
+              <a:noFill/>
+            </a:ln>
+            <a:extLst>
+              <a:ext uri="{91240B29-F687-4f45-9708-019B960494DF}">
+                <a14:hiddenLine xmlns="" xmlns:a16="http://schemas.microsoft.com/office/drawing/2014/main" xmlns:p14="http://schemas.microsoft.com/office/powerpoint/2010/main" xmlns:a14="http://schemas.microsoft.com/office/drawing/2010/main" w="9525">
+                  <a:solidFill>
+                    <a:srgbClr val="000000"/>
+                  </a:solidFill>
+                  <a:round/>
+                  <a:headEnd/>
+                  <a:tailEnd/>
+                </a14:hiddenLine>
+              </a:ext>
+            </a:extLst>
+          </p:spPr>
+          <p:txBody>
+            <a:bodyPr/>
+            <a:lstStyle/>
+            <a:p>
+              <a:endParaRPr lang="en-US"/>
+            </a:p>
+          </p:txBody>
+        </p:sp>
+        <p:sp>
+          <p:nvSpPr>
+            <p:cNvPr id="142" name="Freeform 51">
+              <a:extLst>
+                <a:ext uri="{FF2B5EF4-FFF2-40B4-BE49-F238E27FC236}">
+                  <a16:creationId xmlns:a16="http://schemas.microsoft.com/office/drawing/2014/main" id="{ED6D7806-3E23-488D-80ED-281D3DA72025}"/>
+                </a:ext>
+                <a:ext uri="{C183D7F6-B498-43B3-948B-1728B52AA6E4}">
+                  <adec:decorative xmlns:adec="http://schemas.microsoft.com/office/drawing/2017/decorative" val="1"/>
+                </a:ext>
+              </a:extLst>
+            </p:cNvPr>
+            <p:cNvSpPr/>
+            <p:nvPr>
+              <p:extLst>
+                <p:ext uri="{386F3935-93C4-4BCD-93E2-E3B085C9AB24}">
+                  <p16:designElem xmlns:p16="http://schemas.microsoft.com/office/powerpoint/2015/main" val="1"/>
+                </p:ext>
+              </p:extLst>
+            </p:nvPr>
+          </p:nvSpPr>
+          <p:spPr bwMode="auto">
+            <a:xfrm>
+              <a:off x="1404938" y="5422900"/>
+              <a:ext cx="371475" cy="1425575"/>
+            </a:xfrm>
+            <a:custGeom>
+              <a:avLst/>
+              <a:gdLst/>
+              <a:ahLst/>
+              <a:cxnLst/>
+              <a:rect l="0" t="0" r="r" b="b"/>
+              <a:pathLst>
+                <a:path w="234" h="898">
+                  <a:moveTo>
+                    <a:pt x="18" y="898"/>
+                  </a:moveTo>
+                  <a:lnTo>
+                    <a:pt x="0" y="898"/>
+                  </a:lnTo>
+                  <a:lnTo>
+                    <a:pt x="0" y="515"/>
+                  </a:lnTo>
+                  <a:lnTo>
+                    <a:pt x="0" y="512"/>
+                  </a:lnTo>
+                  <a:lnTo>
+                    <a:pt x="222" y="0"/>
+                  </a:lnTo>
+                  <a:lnTo>
+                    <a:pt x="234" y="6"/>
+                  </a:lnTo>
+                  <a:lnTo>
+                    <a:pt x="18" y="518"/>
+                  </a:lnTo>
+                  <a:lnTo>
+                    <a:pt x="18" y="898"/>
+                  </a:lnTo>
+                  <a:close/>
+                </a:path>
+              </a:pathLst>
+            </a:custGeom>
+            <a:grpFill/>
+            <a:ln>
+              <a:noFill/>
+            </a:ln>
+            <a:extLst>
+              <a:ext uri="{91240B29-F687-4f45-9708-019B960494DF}">
+                <a14:hiddenLine xmlns="" xmlns:a16="http://schemas.microsoft.com/office/drawing/2014/main" xmlns:p14="http://schemas.microsoft.com/office/powerpoint/2010/main" xmlns:a14="http://schemas.microsoft.com/office/drawing/2010/main" w="9525">
+                  <a:solidFill>
+                    <a:srgbClr val="000000"/>
+                  </a:solidFill>
+                  <a:round/>
+                  <a:headEnd/>
+                  <a:tailEnd/>
+                </a14:hiddenLine>
+              </a:ext>
+            </a:extLst>
+          </p:spPr>
+          <p:txBody>
+            <a:bodyPr/>
+            <a:lstStyle/>
+            <a:p>
+              <a:endParaRPr lang="en-US"/>
+            </a:p>
+          </p:txBody>
+        </p:sp>
+        <p:sp>
+          <p:nvSpPr>
+            <p:cNvPr id="143" name="Freeform 52">
+              <a:extLst>
+                <a:ext uri="{FF2B5EF4-FFF2-40B4-BE49-F238E27FC236}">
+                  <a16:creationId xmlns:a16="http://schemas.microsoft.com/office/drawing/2014/main" id="{170E0895-F9C9-44BA-AF81-F7938C7E4F2D}"/>
+                </a:ext>
+                <a:ext uri="{C183D7F6-B498-43B3-948B-1728B52AA6E4}">
+                  <adec:decorative xmlns:adec="http://schemas.microsoft.com/office/drawing/2017/decorative" val="1"/>
+                </a:ext>
+              </a:extLst>
+            </p:cNvPr>
+            <p:cNvSpPr/>
+            <p:nvPr>
+              <p:extLst>
+                <p:ext uri="{386F3935-93C4-4BCD-93E2-E3B085C9AB24}">
+                  <p16:designElem xmlns:p16="http://schemas.microsoft.com/office/powerpoint/2015/main" val="1"/>
+                </p:ext>
+              </p:extLst>
+            </p:nvPr>
+          </p:nvSpPr>
+          <p:spPr bwMode="auto">
+            <a:xfrm>
+              <a:off x="1666875" y="5945188"/>
+              <a:ext cx="152400" cy="912813"/>
+            </a:xfrm>
+            <a:custGeom>
+              <a:avLst/>
+              <a:gdLst/>
+              <a:ahLst/>
+              <a:cxnLst/>
+              <a:rect l="0" t="0" r="r" b="b"/>
+              <a:pathLst>
+                <a:path w="96" h="575">
+                  <a:moveTo>
+                    <a:pt x="15" y="575"/>
+                  </a:moveTo>
+                  <a:lnTo>
+                    <a:pt x="0" y="569"/>
+                  </a:lnTo>
+                  <a:lnTo>
+                    <a:pt x="81" y="383"/>
+                  </a:lnTo>
+                  <a:lnTo>
+                    <a:pt x="81" y="0"/>
+                  </a:lnTo>
+                  <a:lnTo>
+                    <a:pt x="96" y="0"/>
+                  </a:lnTo>
+                  <a:lnTo>
+                    <a:pt x="96" y="386"/>
+                  </a:lnTo>
+                  <a:lnTo>
+                    <a:pt x="15" y="575"/>
+                  </a:lnTo>
+                  <a:close/>
+                </a:path>
+              </a:pathLst>
+            </a:custGeom>
+            <a:grpFill/>
+            <a:ln>
+              <a:noFill/>
+            </a:ln>
+            <a:extLst>
+              <a:ext uri="{91240B29-F687-4f45-9708-019B960494DF}">
+                <a14:hiddenLine xmlns="" xmlns:a16="http://schemas.microsoft.com/office/drawing/2014/main" xmlns:p14="http://schemas.microsoft.com/office/powerpoint/2010/main" xmlns:a14="http://schemas.microsoft.com/office/drawing/2010/main" w="9525">
+                  <a:solidFill>
+                    <a:srgbClr val="000000"/>
+                  </a:solidFill>
+                  <a:round/>
+                  <a:headEnd/>
+                  <a:tailEnd/>
+                </a14:hiddenLine>
+              </a:ext>
+            </a:extLst>
+          </p:spPr>
+          <p:txBody>
+            <a:bodyPr/>
+            <a:lstStyle/>
+            <a:p>
+              <a:endParaRPr lang="en-US"/>
+            </a:p>
+          </p:txBody>
+        </p:sp>
+        <p:sp>
+          <p:nvSpPr>
+            <p:cNvPr id="144" name="Freeform 53">
+              <a:extLst>
+                <a:ext uri="{FF2B5EF4-FFF2-40B4-BE49-F238E27FC236}">
+                  <a16:creationId xmlns:a16="http://schemas.microsoft.com/office/drawing/2014/main" id="{75AD3DD3-BD4A-4DD9-9AC1-C60E34174401}"/>
+                </a:ext>
+                <a:ext uri="{C183D7F6-B498-43B3-948B-1728B52AA6E4}">
+                  <adec:decorative xmlns:adec="http://schemas.microsoft.com/office/drawing/2017/decorative" val="1"/>
+                </a:ext>
+              </a:extLst>
+            </p:cNvPr>
+            <p:cNvSpPr>
+              <a:spLocks noEditPoints="1"/>
+            </p:cNvSpPr>
+            <p:nvPr>
+              <p:extLst>
+                <p:ext uri="{386F3935-93C4-4BCD-93E2-E3B085C9AB24}">
+                  <p16:designElem xmlns:p16="http://schemas.microsoft.com/office/powerpoint/2015/main" val="1"/>
+                </p:ext>
+              </p:extLst>
+            </p:nvPr>
+          </p:nvSpPr>
+          <p:spPr bwMode="auto">
+            <a:xfrm>
+              <a:off x="1709738" y="5246688"/>
+              <a:ext cx="190500" cy="190500"/>
+            </a:xfrm>
+            <a:custGeom>
+              <a:avLst/>
+              <a:gdLst/>
+              <a:ahLst/>
+              <a:cxnLst/>
+              <a:rect l="0" t="0" r="r" b="b"/>
+              <a:pathLst>
+                <a:path w="40" h="40">
+                  <a:moveTo>
+                    <a:pt x="20" y="40"/>
+                  </a:moveTo>
+                  <a:cubicBezTo>
+                    <a:pt x="9" y="40"/>
+                    <a:pt x="0" y="31"/>
+                    <a:pt x="0" y="20"/>
+                  </a:cubicBezTo>
+                  <a:cubicBezTo>
+                    <a:pt x="0" y="9"/>
+                    <a:pt x="9" y="0"/>
+                    <a:pt x="20" y="0"/>
+                  </a:cubicBezTo>
+                  <a:cubicBezTo>
+                    <a:pt x="31" y="0"/>
+                    <a:pt x="40" y="9"/>
+                    <a:pt x="40" y="20"/>
+                  </a:cubicBezTo>
+                  <a:cubicBezTo>
+                    <a:pt x="40" y="31"/>
+                    <a:pt x="31" y="40"/>
+                    <a:pt x="20" y="40"/>
+                  </a:cubicBezTo>
+                  <a:close/>
+                  <a:moveTo>
+                    <a:pt x="20" y="4"/>
+                  </a:moveTo>
+                  <a:cubicBezTo>
+                    <a:pt x="11" y="4"/>
+                    <a:pt x="4" y="11"/>
+                    <a:pt x="4" y="20"/>
+                  </a:cubicBezTo>
+                  <a:cubicBezTo>
+                    <a:pt x="4" y="29"/>
+                    <a:pt x="11" y="36"/>
+                    <a:pt x="20" y="36"/>
+                  </a:cubicBezTo>
+                  <a:cubicBezTo>
+                    <a:pt x="29" y="36"/>
+                    <a:pt x="36" y="29"/>
+                    <a:pt x="36" y="20"/>
+                  </a:cubicBezTo>
+                  <a:cubicBezTo>
+                    <a:pt x="36" y="11"/>
+                    <a:pt x="29" y="4"/>
+                    <a:pt x="20" y="4"/>
+                  </a:cubicBezTo>
+                  <a:close/>
+                </a:path>
+              </a:pathLst>
+            </a:custGeom>
+            <a:grpFill/>
+            <a:ln>
+              <a:noFill/>
+            </a:ln>
+            <a:extLst>
+              <a:ext uri="{91240B29-F687-4f45-9708-019B960494DF}">
+                <a14:hiddenLine xmlns="" xmlns:a16="http://schemas.microsoft.com/office/drawing/2014/main" xmlns:p14="http://schemas.microsoft.com/office/powerpoint/2010/main" xmlns:a14="http://schemas.microsoft.com/office/drawing/2010/main" w="9525">
+                  <a:solidFill>
+                    <a:srgbClr val="000000"/>
+                  </a:solidFill>
+                  <a:round/>
+                  <a:headEnd/>
+                  <a:tailEnd/>
+                </a14:hiddenLine>
+              </a:ext>
+            </a:extLst>
+          </p:spPr>
+          <p:txBody>
+            <a:bodyPr/>
+            <a:lstStyle/>
+            <a:p>
+              <a:endParaRPr lang="en-US"/>
+            </a:p>
+          </p:txBody>
+        </p:sp>
+        <p:sp>
+          <p:nvSpPr>
+            <p:cNvPr id="145" name="Freeform 54">
+              <a:extLst>
+                <a:ext uri="{FF2B5EF4-FFF2-40B4-BE49-F238E27FC236}">
+                  <a16:creationId xmlns:a16="http://schemas.microsoft.com/office/drawing/2014/main" id="{D047B55E-0847-4696-8101-A643C3C7E911}"/>
+                </a:ext>
+                <a:ext uri="{C183D7F6-B498-43B3-948B-1728B52AA6E4}">
+                  <adec:decorative xmlns:adec="http://schemas.microsoft.com/office/drawing/2017/decorative" val="1"/>
+                </a:ext>
+              </a:extLst>
+            </p:cNvPr>
+            <p:cNvSpPr>
+              <a:spLocks noEditPoints="1"/>
+            </p:cNvSpPr>
+            <p:nvPr>
+              <p:extLst>
+                <p:ext uri="{386F3935-93C4-4BCD-93E2-E3B085C9AB24}">
+                  <p16:designElem xmlns:p16="http://schemas.microsoft.com/office/powerpoint/2015/main" val="1"/>
+                </p:ext>
+              </p:extLst>
+            </p:nvPr>
+          </p:nvSpPr>
+          <p:spPr bwMode="auto">
+            <a:xfrm>
+              <a:off x="1709738" y="5764213"/>
+              <a:ext cx="190500" cy="190500"/>
+            </a:xfrm>
+            <a:custGeom>
+              <a:avLst/>
+              <a:gdLst/>
+              <a:ahLst/>
+              <a:cxnLst/>
+              <a:rect l="0" t="0" r="r" b="b"/>
+              <a:pathLst>
+                <a:path w="40" h="40">
+                  <a:moveTo>
+                    <a:pt x="20" y="40"/>
+                  </a:moveTo>
+                  <a:cubicBezTo>
+                    <a:pt x="9" y="40"/>
+                    <a:pt x="0" y="31"/>
+                    <a:pt x="0" y="20"/>
+                  </a:cubicBezTo>
+                  <a:cubicBezTo>
+                    <a:pt x="0" y="9"/>
+                    <a:pt x="9" y="0"/>
+                    <a:pt x="20" y="0"/>
+                  </a:cubicBezTo>
+                  <a:cubicBezTo>
+                    <a:pt x="31" y="0"/>
+                    <a:pt x="40" y="9"/>
+                    <a:pt x="40" y="20"/>
+                  </a:cubicBezTo>
+                  <a:cubicBezTo>
+                    <a:pt x="40" y="31"/>
+                    <a:pt x="31" y="40"/>
+                    <a:pt x="20" y="40"/>
+                  </a:cubicBezTo>
+                  <a:close/>
+                  <a:moveTo>
+                    <a:pt x="20" y="4"/>
+                  </a:moveTo>
+                  <a:cubicBezTo>
+                    <a:pt x="11" y="4"/>
+                    <a:pt x="4" y="11"/>
+                    <a:pt x="4" y="20"/>
+                  </a:cubicBezTo>
+                  <a:cubicBezTo>
+                    <a:pt x="4" y="29"/>
+                    <a:pt x="11" y="36"/>
+                    <a:pt x="20" y="36"/>
+                  </a:cubicBezTo>
+                  <a:cubicBezTo>
+                    <a:pt x="29" y="36"/>
+                    <a:pt x="36" y="29"/>
+                    <a:pt x="36" y="20"/>
+                  </a:cubicBezTo>
+                  <a:cubicBezTo>
+                    <a:pt x="36" y="11"/>
+                    <a:pt x="29" y="4"/>
+                    <a:pt x="20" y="4"/>
+                  </a:cubicBezTo>
+                  <a:close/>
+                </a:path>
+              </a:pathLst>
+            </a:custGeom>
+            <a:grpFill/>
+            <a:ln>
+              <a:noFill/>
+            </a:ln>
+            <a:extLst>
+              <a:ext uri="{91240B29-F687-4f45-9708-019B960494DF}">
+                <a14:hiddenLine xmlns="" xmlns:a16="http://schemas.microsoft.com/office/drawing/2014/main" xmlns:p14="http://schemas.microsoft.com/office/powerpoint/2010/main" xmlns:a14="http://schemas.microsoft.com/office/drawing/2010/main" w="9525">
+                  <a:solidFill>
+                    <a:srgbClr val="000000"/>
+                  </a:solidFill>
+                  <a:round/>
+                  <a:headEnd/>
+                  <a:tailEnd/>
+                </a14:hiddenLine>
+              </a:ext>
+            </a:extLst>
+          </p:spPr>
+          <p:txBody>
+            <a:bodyPr/>
+            <a:lstStyle/>
+            <a:p>
+              <a:endParaRPr lang="en-US"/>
+            </a:p>
+          </p:txBody>
+        </p:sp>
+        <p:sp>
+          <p:nvSpPr>
+            <p:cNvPr id="146" name="Freeform 55">
+              <a:extLst>
+                <a:ext uri="{FF2B5EF4-FFF2-40B4-BE49-F238E27FC236}">
+                  <a16:creationId xmlns:a16="http://schemas.microsoft.com/office/drawing/2014/main" id="{CB3EF1DB-37BD-463B-A542-7AA57DC9FE88}"/>
+                </a:ext>
+                <a:ext uri="{C183D7F6-B498-43B3-948B-1728B52AA6E4}">
+                  <adec:decorative xmlns:adec="http://schemas.microsoft.com/office/drawing/2017/decorative" val="1"/>
+                </a:ext>
+              </a:extLst>
+            </p:cNvPr>
+            <p:cNvSpPr/>
+            <p:nvPr>
+              <p:extLst>
+                <p:ext uri="{386F3935-93C4-4BCD-93E2-E3B085C9AB24}">
+                  <p16:designElem xmlns:p16="http://schemas.microsoft.com/office/powerpoint/2015/main" val="1"/>
+                </p:ext>
+              </p:extLst>
+            </p:nvPr>
+          </p:nvSpPr>
+          <p:spPr bwMode="auto">
+            <a:xfrm>
+              <a:off x="1766888" y="6330950"/>
+              <a:ext cx="419100" cy="527050"/>
+            </a:xfrm>
+            <a:custGeom>
+              <a:avLst/>
+              <a:gdLst/>
+              <a:ahLst/>
+              <a:cxnLst/>
+              <a:rect l="0" t="0" r="r" b="b"/>
+              <a:pathLst>
+                <a:path w="264" h="332">
+                  <a:moveTo>
+                    <a:pt x="12" y="332"/>
+                  </a:moveTo>
+                  <a:lnTo>
+                    <a:pt x="0" y="326"/>
+                  </a:lnTo>
+                  <a:lnTo>
+                    <a:pt x="45" y="206"/>
+                  </a:lnTo>
+                  <a:lnTo>
+                    <a:pt x="255" y="0"/>
+                  </a:lnTo>
+                  <a:lnTo>
+                    <a:pt x="264" y="12"/>
+                  </a:lnTo>
+                  <a:lnTo>
+                    <a:pt x="60" y="215"/>
+                  </a:lnTo>
+                  <a:lnTo>
+                    <a:pt x="12" y="332"/>
+                  </a:lnTo>
+                  <a:close/>
+                </a:path>
+              </a:pathLst>
+            </a:custGeom>
+            <a:grpFill/>
+            <a:ln>
+              <a:noFill/>
+            </a:ln>
+            <a:extLst>
+              <a:ext uri="{91240B29-F687-4f45-9708-019B960494DF}">
+                <a14:hiddenLine xmlns="" xmlns:a16="http://schemas.microsoft.com/office/drawing/2014/main" xmlns:p14="http://schemas.microsoft.com/office/powerpoint/2010/main" xmlns:a14="http://schemas.microsoft.com/office/drawing/2010/main" w="9525">
+                  <a:solidFill>
+                    <a:srgbClr val="000000"/>
+                  </a:solidFill>
+                  <a:round/>
+                  <a:headEnd/>
+                  <a:tailEnd/>
+                </a14:hiddenLine>
+              </a:ext>
+            </a:extLst>
+          </p:spPr>
+          <p:txBody>
+            <a:bodyPr/>
+            <a:lstStyle/>
+            <a:p>
+              <a:endParaRPr lang="en-US"/>
+            </a:p>
+          </p:txBody>
+        </p:sp>
+        <p:sp>
+          <p:nvSpPr>
+            <p:cNvPr id="147" name="Freeform 56">
+              <a:extLst>
+                <a:ext uri="{FF2B5EF4-FFF2-40B4-BE49-F238E27FC236}">
+                  <a16:creationId xmlns:a16="http://schemas.microsoft.com/office/drawing/2014/main" id="{95D0E013-2F18-4248-9D83-3BFF25A05CDB}"/>
+                </a:ext>
+                <a:ext uri="{C183D7F6-B498-43B3-948B-1728B52AA6E4}">
+                  <adec:decorative xmlns:adec="http://schemas.microsoft.com/office/drawing/2017/decorative" val="1"/>
+                </a:ext>
+              </a:extLst>
+            </p:cNvPr>
+            <p:cNvSpPr>
+              <a:spLocks noEditPoints="1"/>
+            </p:cNvSpPr>
+            <p:nvPr>
+              <p:extLst>
+                <p:ext uri="{386F3935-93C4-4BCD-93E2-E3B085C9AB24}">
+                  <p16:designElem xmlns:p16="http://schemas.microsoft.com/office/powerpoint/2015/main" val="1"/>
+                </p:ext>
+              </p:extLst>
+            </p:nvPr>
+          </p:nvSpPr>
+          <p:spPr bwMode="auto">
+            <a:xfrm>
+              <a:off x="2147888" y="6221413"/>
+              <a:ext cx="157163" cy="147638"/>
+            </a:xfrm>
+            <a:custGeom>
+              <a:avLst/>
+              <a:gdLst/>
+              <a:ahLst/>
+              <a:cxnLst/>
+              <a:rect l="0" t="0" r="r" b="b"/>
+              <a:pathLst>
+                <a:path w="33" h="31">
+                  <a:moveTo>
+                    <a:pt x="16" y="31"/>
+                  </a:moveTo>
+                  <a:cubicBezTo>
+                    <a:pt x="12" y="31"/>
+                    <a:pt x="8" y="29"/>
+                    <a:pt x="5" y="26"/>
+                  </a:cubicBezTo>
+                  <a:cubicBezTo>
+                    <a:pt x="2" y="24"/>
+                    <a:pt x="0" y="20"/>
+                    <a:pt x="0" y="15"/>
+                  </a:cubicBezTo>
+                  <a:cubicBezTo>
+                    <a:pt x="0" y="11"/>
+                    <a:pt x="2" y="7"/>
+                    <a:pt x="5" y="4"/>
+                  </a:cubicBezTo>
+                  <a:cubicBezTo>
+                    <a:pt x="8" y="1"/>
+                    <a:pt x="12" y="0"/>
+                    <a:pt x="16" y="0"/>
+                  </a:cubicBezTo>
+                  <a:cubicBezTo>
+                    <a:pt x="20" y="0"/>
+                    <a:pt x="24" y="1"/>
+                    <a:pt x="27" y="4"/>
+                  </a:cubicBezTo>
+                  <a:cubicBezTo>
+                    <a:pt x="33" y="10"/>
+                    <a:pt x="33" y="20"/>
+                    <a:pt x="27" y="26"/>
+                  </a:cubicBezTo>
+                  <a:cubicBezTo>
+                    <a:pt x="24" y="29"/>
+                    <a:pt x="20" y="31"/>
+                    <a:pt x="16" y="31"/>
+                  </a:cubicBezTo>
+                  <a:close/>
+                  <a:moveTo>
+                    <a:pt x="16" y="4"/>
+                  </a:moveTo>
+                  <a:cubicBezTo>
+                    <a:pt x="13" y="4"/>
+                    <a:pt x="10" y="5"/>
+                    <a:pt x="8" y="7"/>
+                  </a:cubicBezTo>
+                  <a:cubicBezTo>
+                    <a:pt x="6" y="9"/>
+                    <a:pt x="4" y="12"/>
+                    <a:pt x="4" y="15"/>
+                  </a:cubicBezTo>
+                  <a:cubicBezTo>
+                    <a:pt x="4" y="19"/>
+                    <a:pt x="6" y="21"/>
+                    <a:pt x="8" y="24"/>
+                  </a:cubicBezTo>
+                  <a:cubicBezTo>
+                    <a:pt x="10" y="26"/>
+                    <a:pt x="13" y="27"/>
+                    <a:pt x="16" y="27"/>
+                  </a:cubicBezTo>
+                  <a:cubicBezTo>
+                    <a:pt x="19" y="27"/>
+                    <a:pt x="22" y="26"/>
+                    <a:pt x="24" y="24"/>
+                  </a:cubicBezTo>
+                  <a:cubicBezTo>
+                    <a:pt x="29" y="19"/>
+                    <a:pt x="29" y="12"/>
+                    <a:pt x="24" y="7"/>
+                  </a:cubicBezTo>
+                  <a:cubicBezTo>
+                    <a:pt x="22" y="5"/>
+                    <a:pt x="19" y="4"/>
+                    <a:pt x="16" y="4"/>
+                  </a:cubicBezTo>
+                  <a:close/>
+                </a:path>
+              </a:pathLst>
+            </a:custGeom>
+            <a:grpFill/>
+            <a:ln>
+              <a:noFill/>
+            </a:ln>
+            <a:extLst>
+              <a:ext uri="{91240B29-F687-4f45-9708-019B960494DF}">
+                <a14:hiddenLine xmlns="" xmlns:a16="http://schemas.microsoft.com/office/drawing/2014/main" xmlns:p14="http://schemas.microsoft.com/office/powerpoint/2010/main" xmlns:a14="http://schemas.microsoft.com/office/drawing/2010/main" w="9525">
+                  <a:solidFill>
+                    <a:srgbClr val="000000"/>
+                  </a:solidFill>
+                  <a:round/>
+                  <a:headEnd/>
+                  <a:tailEnd/>
+                </a14:hiddenLine>
+              </a:ext>
+            </a:extLst>
+          </p:spPr>
+          <p:txBody>
+            <a:bodyPr/>
+            <a:lstStyle/>
+            <a:p>
+              <a:endParaRPr lang="en-US"/>
+            </a:p>
+          </p:txBody>
+        </p:sp>
+        <p:sp>
+          <p:nvSpPr>
+            <p:cNvPr id="148" name="Freeform 57">
+              <a:extLst>
+                <a:ext uri="{FF2B5EF4-FFF2-40B4-BE49-F238E27FC236}">
+                  <a16:creationId xmlns:a16="http://schemas.microsoft.com/office/drawing/2014/main" id="{E7D95722-3A1F-4917-8C16-D4D409941656}"/>
+                </a:ext>
+                <a:ext uri="{C183D7F6-B498-43B3-948B-1728B52AA6E4}">
+                  <adec:decorative xmlns:adec="http://schemas.microsoft.com/office/drawing/2017/decorative" val="1"/>
+                </a:ext>
+              </a:extLst>
+            </p:cNvPr>
+            <p:cNvSpPr/>
+            <p:nvPr>
+              <p:extLst>
+                <p:ext uri="{386F3935-93C4-4BCD-93E2-E3B085C9AB24}">
+                  <p16:designElem xmlns:p16="http://schemas.microsoft.com/office/powerpoint/2015/main" val="1"/>
+                </p:ext>
+              </p:extLst>
+            </p:nvPr>
+          </p:nvSpPr>
+          <p:spPr bwMode="auto">
+            <a:xfrm>
+              <a:off x="504825" y="9525"/>
+              <a:ext cx="233363" cy="5103813"/>
+            </a:xfrm>
+            <a:custGeom>
+              <a:avLst/>
+              <a:gdLst/>
+              <a:ahLst/>
+              <a:cxnLst/>
+              <a:rect l="0" t="0" r="r" b="b"/>
+              <a:pathLst>
+                <a:path w="147" h="3215">
+                  <a:moveTo>
+                    <a:pt x="132" y="3215"/>
+                  </a:moveTo>
+                  <a:lnTo>
+                    <a:pt x="129" y="2754"/>
+                  </a:lnTo>
+                  <a:lnTo>
+                    <a:pt x="0" y="1901"/>
+                  </a:lnTo>
+                  <a:lnTo>
+                    <a:pt x="0" y="0"/>
+                  </a:lnTo>
+                  <a:lnTo>
+                    <a:pt x="15" y="0"/>
+                  </a:lnTo>
+                  <a:lnTo>
+                    <a:pt x="15" y="1898"/>
+                  </a:lnTo>
+                  <a:lnTo>
+                    <a:pt x="144" y="2754"/>
+                  </a:lnTo>
+                  <a:lnTo>
+                    <a:pt x="147" y="3215"/>
+                  </a:lnTo>
+                  <a:lnTo>
+                    <a:pt x="132" y="3215"/>
+                  </a:lnTo>
+                  <a:close/>
+                </a:path>
+              </a:pathLst>
+            </a:custGeom>
+            <a:grpFill/>
+            <a:ln>
+              <a:noFill/>
+            </a:ln>
+            <a:extLst>
+              <a:ext uri="{91240B29-F687-4f45-9708-019B960494DF}">
+                <a14:hiddenLine xmlns="" xmlns:a16="http://schemas.microsoft.com/office/drawing/2014/main" xmlns:p14="http://schemas.microsoft.com/office/powerpoint/2010/main" xmlns:a14="http://schemas.microsoft.com/office/drawing/2010/main" w="9525">
+                  <a:solidFill>
+                    <a:srgbClr val="000000"/>
+                  </a:solidFill>
+                  <a:round/>
+                  <a:headEnd/>
+                  <a:tailEnd/>
+                </a14:hiddenLine>
+              </a:ext>
+            </a:extLst>
+          </p:spPr>
+          <p:txBody>
+            <a:bodyPr/>
+            <a:lstStyle/>
+            <a:p>
+              <a:endParaRPr lang="en-US"/>
+            </a:p>
+          </p:txBody>
+        </p:sp>
+        <p:sp>
+          <p:nvSpPr>
+            <p:cNvPr id="149" name="Freeform 58">
+              <a:extLst>
+                <a:ext uri="{FF2B5EF4-FFF2-40B4-BE49-F238E27FC236}">
+                  <a16:creationId xmlns:a16="http://schemas.microsoft.com/office/drawing/2014/main" id="{A54912BE-A961-4720-992C-09A2D13DE2B1}"/>
+                </a:ext>
+                <a:ext uri="{C183D7F6-B498-43B3-948B-1728B52AA6E4}">
+                  <adec:decorative xmlns:adec="http://schemas.microsoft.com/office/drawing/2017/decorative" val="1"/>
+                </a:ext>
+              </a:extLst>
+            </p:cNvPr>
+            <p:cNvSpPr>
+              <a:spLocks noEditPoints="1"/>
+            </p:cNvSpPr>
+            <p:nvPr>
+              <p:extLst>
+                <p:ext uri="{386F3935-93C4-4BCD-93E2-E3B085C9AB24}">
+                  <p16:designElem xmlns:p16="http://schemas.microsoft.com/office/powerpoint/2015/main" val="1"/>
+                </p:ext>
+              </p:extLst>
+            </p:nvPr>
+          </p:nvSpPr>
+          <p:spPr bwMode="auto">
+            <a:xfrm>
+              <a:off x="633413" y="5103813"/>
+              <a:ext cx="185738" cy="185738"/>
+            </a:xfrm>
+            <a:custGeom>
+              <a:avLst/>
+              <a:gdLst/>
+              <a:ahLst/>
+              <a:cxnLst/>
+              <a:rect l="0" t="0" r="r" b="b"/>
+              <a:pathLst>
+                <a:path w="39" h="39">
+                  <a:moveTo>
+                    <a:pt x="20" y="39"/>
+                  </a:moveTo>
+                  <a:cubicBezTo>
+                    <a:pt x="9" y="39"/>
+                    <a:pt x="0" y="30"/>
+                    <a:pt x="0" y="19"/>
+                  </a:cubicBezTo>
+                  <a:cubicBezTo>
+                    <a:pt x="0" y="9"/>
+                    <a:pt x="9" y="0"/>
+                    <a:pt x="20" y="0"/>
+                  </a:cubicBezTo>
+                  <a:cubicBezTo>
+                    <a:pt x="30" y="0"/>
+                    <a:pt x="39" y="9"/>
+                    <a:pt x="39" y="19"/>
+                  </a:cubicBezTo>
+                  <a:cubicBezTo>
+                    <a:pt x="39" y="30"/>
+                    <a:pt x="30" y="39"/>
+                    <a:pt x="20" y="39"/>
+                  </a:cubicBezTo>
+                  <a:close/>
+                  <a:moveTo>
+                    <a:pt x="20" y="4"/>
+                  </a:moveTo>
+                  <a:cubicBezTo>
+                    <a:pt x="11" y="4"/>
+                    <a:pt x="4" y="11"/>
+                    <a:pt x="4" y="19"/>
+                  </a:cubicBezTo>
+                  <a:cubicBezTo>
+                    <a:pt x="4" y="28"/>
+                    <a:pt x="11" y="35"/>
+                    <a:pt x="20" y="35"/>
+                  </a:cubicBezTo>
+                  <a:cubicBezTo>
+                    <a:pt x="28" y="35"/>
+                    <a:pt x="35" y="28"/>
+                    <a:pt x="35" y="19"/>
+                  </a:cubicBezTo>
+                  <a:cubicBezTo>
+                    <a:pt x="35" y="11"/>
+                    <a:pt x="28" y="4"/>
+                    <a:pt x="20" y="4"/>
+                  </a:cubicBezTo>
+                  <a:close/>
+                </a:path>
+              </a:pathLst>
+            </a:custGeom>
+            <a:grpFill/>
+            <a:ln>
+              <a:noFill/>
+            </a:ln>
+            <a:extLst>
+              <a:ext uri="{91240B29-F687-4f45-9708-019B960494DF}">
+                <a14:hiddenLine xmlns="" xmlns:a16="http://schemas.microsoft.com/office/drawing/2014/main" xmlns:p14="http://schemas.microsoft.com/office/powerpoint/2010/main" xmlns:a14="http://schemas.microsoft.com/office/drawing/2010/main" w="9525">
+                  <a:solidFill>
+                    <a:srgbClr val="000000"/>
+                  </a:solidFill>
+                  <a:round/>
+                  <a:headEnd/>
+                  <a:tailEnd/>
+                </a14:hiddenLine>
+              </a:ext>
+            </a:extLst>
+          </p:spPr>
+          <p:txBody>
+            <a:bodyPr/>
+            <a:lstStyle/>
+            <a:p>
+              <a:endParaRPr lang="en-US"/>
+            </a:p>
+          </p:txBody>
+        </p:sp>
+      </p:grpSp>
+      <p:sp useBgFill="1">
+        <p:nvSpPr>
+          <p:cNvPr id="151" name="Round Diagonal Corner Rectangle 7">
+            <a:extLst>
+              <a:ext uri="{FF2B5EF4-FFF2-40B4-BE49-F238E27FC236}">
+                <a16:creationId xmlns:a16="http://schemas.microsoft.com/office/drawing/2014/main" id="{FF5E4228-419E-44B9-B090-94A9540E5B3F}"/>
+              </a:ext>
+              <a:ext uri="{C183D7F6-B498-43B3-948B-1728B52AA6E4}">
+                <adec:decorative xmlns:adec="http://schemas.microsoft.com/office/drawing/2017/decorative" val="1"/>
+              </a:ext>
+            </a:extLst>
+          </p:cNvPr>
+          <p:cNvSpPr>
+            <a:spLocks noGrp="1" noRot="1" noChangeAspect="1" noMove="1" noResize="1" noEditPoints="1" noAdjustHandles="1" noChangeArrowheads="1" noChangeShapeType="1" noTextEdit="1"/>
+          </p:cNvSpPr>
+          <p:nvPr>
+            <p:extLst>
+              <p:ext uri="{386F3935-93C4-4BCD-93E2-E3B085C9AB24}">
+                <p16:designElem xmlns:p16="http://schemas.microsoft.com/office/powerpoint/2015/main" val="1"/>
+              </p:ext>
+            </p:extLst>
+          </p:nvPr>
+        </p:nvSpPr>
+        <p:spPr>
+          <a:xfrm>
+            <a:off x="4059079" y="0"/>
+            <a:ext cx="8132922" cy="6848476"/>
+          </a:xfrm>
+          <a:prstGeom prst="round2DiagRect">
+            <a:avLst>
+              <a:gd name="adj1" fmla="val 0"/>
+              <a:gd name="adj2" fmla="val 0"/>
+            </a:avLst>
+          </a:prstGeom>
+          <a:ln w="19050" cap="sq">
+            <a:noFill/>
+            <a:miter lim="800000"/>
+          </a:ln>
+          <a:effectLst/>
+        </p:spPr>
+        <p:style>
+          <a:lnRef idx="1">
+            <a:schemeClr val="accent1"/>
+          </a:lnRef>
+          <a:fillRef idx="3">
+            <a:schemeClr val="accent1"/>
+          </a:fillRef>
+          <a:effectRef idx="2">
+            <a:schemeClr val="accent1"/>
+          </a:effectRef>
+          <a:fontRef idx="minor">
+            <a:schemeClr val="lt1"/>
+          </a:fontRef>
+        </p:style>
+        <p:txBody>
+          <a:bodyPr rtlCol="0" anchor="ctr"/>
+          <a:lstStyle/>
+          <a:p>
+            <a:pPr algn="ctr"/>
+            <a:endParaRPr lang="en-US"/>
+          </a:p>
+        </p:txBody>
+      </p:sp>
+      <p:sp>
+        <p:nvSpPr>
           <p:cNvPr id="2" name="Title 1">
             <a:extLst>
               <a:ext uri="{FF2B5EF4-FFF2-40B4-BE49-F238E27FC236}">
@@ -12360,16 +17789,28 @@
             <p:ph type="ctrTitle"/>
           </p:nvPr>
         </p:nvSpPr>
-        <p:spPr/>
+        <p:spPr>
+          <a:xfrm>
+            <a:off x="4654296" y="963613"/>
+            <a:ext cx="6013703" cy="4149724"/>
+          </a:xfrm>
+        </p:spPr>
         <p:txBody>
-          <a:bodyPr>
+          <a:bodyPr anchor="ctr">
             <a:normAutofit/>
           </a:bodyPr>
           <a:lstStyle/>
           <a:p>
             <a:r>
               <a:rPr lang="en-US" sz="6000" dirty="0"/>
-              <a:t>Pong-Inertial</a:t>
+              <a:t>Pong-Inertial:</a:t>
+            </a:r>
+            <a:br>
+              <a:rPr lang="en-US" sz="6000" dirty="0"/>
+            </a:br>
+            <a:r>
+              <a:rPr lang="en-US" sz="6000" dirty="0"/>
+              <a:t>an unusual game</a:t>
             </a:r>
           </a:p>
         </p:txBody>
@@ -12390,45 +17831,105 @@
             <p:ph type="subTitle" idx="1"/>
           </p:nvPr>
         </p:nvSpPr>
-        <p:spPr/>
+        <p:spPr>
+          <a:xfrm>
+            <a:off x="1226081" y="1274762"/>
+            <a:ext cx="2502269" cy="4149725"/>
+          </a:xfrm>
+        </p:spPr>
         <p:txBody>
-          <a:bodyPr/>
+          <a:bodyPr anchor="ctr">
+            <a:normAutofit/>
+          </a:bodyPr>
           <a:lstStyle/>
           <a:p>
+            <a:pPr algn="r"/>
             <a:r>
-              <a:rPr lang="en-US" dirty="0"/>
+              <a:rPr lang="en-US" dirty="0">
+                <a:solidFill>
+                  <a:schemeClr val="tx1"/>
+                </a:solidFill>
+              </a:rPr>
               <a:t>The BIPOLES</a:t>
             </a:r>
           </a:p>
           <a:p>
+            <a:pPr algn="r"/>
             <a:r>
-              <a:rPr lang="en-US" dirty="0"/>
+              <a:rPr lang="en-US" dirty="0">
+                <a:solidFill>
+                  <a:schemeClr val="tx1"/>
+                </a:solidFill>
+              </a:rPr>
               <a:t>Benjamin </a:t>
             </a:r>
             <a:r>
-              <a:rPr lang="en-US" dirty="0" err="1"/>
+              <a:rPr lang="en-US" dirty="0" err="1">
+                <a:solidFill>
+                  <a:schemeClr val="tx1"/>
+                </a:solidFill>
+              </a:rPr>
               <a:t>Coull-Neveu</a:t>
             </a:r>
             <a:r>
-              <a:rPr lang="en-US" dirty="0"/>
+              <a:rPr lang="en-US" dirty="0">
+                <a:solidFill>
+                  <a:schemeClr val="tx1"/>
+                </a:solidFill>
+              </a:rPr>
               <a:t>, Franco Del </a:t>
             </a:r>
             <a:r>
-              <a:rPr lang="en-US" dirty="0" err="1"/>
+              <a:rPr lang="en-US" dirty="0" err="1">
+                <a:solidFill>
+                  <a:schemeClr val="tx1"/>
+                </a:solidFill>
+              </a:rPr>
               <a:t>Balso</a:t>
             </a:r>
             <a:r>
-              <a:rPr lang="en-US" dirty="0"/>
+              <a:rPr lang="en-US" dirty="0">
+                <a:solidFill>
+                  <a:schemeClr val="tx1"/>
+                </a:solidFill>
+              </a:rPr>
               <a:t>, Piotr </a:t>
             </a:r>
             <a:r>
-              <a:rPr lang="en-US" dirty="0" err="1"/>
+              <a:rPr lang="en-US" dirty="0" err="1">
+                <a:solidFill>
+                  <a:schemeClr val="tx1"/>
+                </a:solidFill>
+              </a:rPr>
               <a:t>Jakuc</a:t>
             </a:r>
             <a:r>
-              <a:rPr lang="en-US" dirty="0"/>
+              <a:rPr lang="en-US" dirty="0">
+                <a:solidFill>
+                  <a:schemeClr val="tx1"/>
+                </a:solidFill>
+              </a:rPr>
               <a:t>, Sandhya Rottoo</a:t>
             </a:r>
+          </a:p>
+          <a:p>
+            <a:pPr algn="r"/>
+            <a:r>
+              <a:rPr lang="en-US" dirty="0">
+                <a:solidFill>
+                  <a:schemeClr val="tx1"/>
+                </a:solidFill>
+              </a:rPr>
+              <a:t>U2 physics</a:t>
+            </a:r>
+          </a:p>
+          <a:p>
+            <a:pPr algn="r"/>
+            <a:endParaRPr lang="en-US" dirty="0">
+              <a:solidFill>
+                <a:schemeClr val="tx1"/>
+              </a:solidFill>
+            </a:endParaRPr>
           </a:p>
         </p:txBody>
       </p:sp>
@@ -12478,7 +17979,12 @@
             <p:ph type="title"/>
           </p:nvPr>
         </p:nvSpPr>
-        <p:spPr/>
+        <p:spPr>
+          <a:xfrm>
+            <a:off x="1312397" y="919514"/>
+            <a:ext cx="9302752" cy="2748429"/>
+          </a:xfrm>
+        </p:spPr>
         <p:txBody>
           <a:bodyPr>
             <a:normAutofit fontScale="90000"/>
@@ -12488,89 +17994,127 @@
             <a:pPr algn="ctr"/>
             <a:r>
               <a:rPr lang="en-CA" cap="none" dirty="0">
-                <a:effectLst/>
+                <a:solidFill>
+                  <a:schemeClr val="bg1"/>
+                </a:solidFill>
+                <a:latin typeface="Lucida Handwriting" panose="03010101010101010101" pitchFamily="66" charset="77"/>
+                <a:ea typeface="Brush Script MT" panose="03060802040406070304" pitchFamily="66" charset="-122"/>
+                <a:cs typeface="Brush Script MT" panose="03060802040406070304" pitchFamily="66" charset="-122"/>
+              </a:rPr>
+              <a:t>A pong table might seem quite sound</a:t>
+            </a:r>
+            <a:br>
+              <a:rPr lang="en-CA" cap="none" dirty="0">
+                <a:solidFill>
+                  <a:schemeClr val="bg1"/>
+                </a:solidFill>
+                <a:latin typeface="Lucida Handwriting" panose="03010101010101010101" pitchFamily="66" charset="77"/>
+                <a:ea typeface="Brush Script MT" panose="03060802040406070304" pitchFamily="66" charset="-122"/>
+                <a:cs typeface="Brush Script MT" panose="03060802040406070304" pitchFamily="66" charset="-122"/>
+              </a:rPr>
+            </a:br>
+            <a:r>
+              <a:rPr lang="en-CA" cap="none" dirty="0">
+                <a:solidFill>
+                  <a:schemeClr val="bg1"/>
+                </a:solidFill>
+                <a:latin typeface="Lucida Handwriting" panose="03010101010101010101" pitchFamily="66" charset="77"/>
+                <a:ea typeface="Brush Script MT" panose="03060802040406070304" pitchFamily="66" charset="-122"/>
+                <a:cs typeface="Brush Script MT" panose="03060802040406070304" pitchFamily="66" charset="-122"/>
+              </a:rPr>
+              <a:t>But beware, as it starts to go ‘round</a:t>
+            </a:r>
+            <a:br>
+              <a:rPr lang="en-CA" cap="none" dirty="0">
+                <a:solidFill>
+                  <a:schemeClr val="bg1"/>
+                </a:solidFill>
+                <a:latin typeface="Lucida Handwriting" panose="03010101010101010101" pitchFamily="66" charset="77"/>
+                <a:ea typeface="Brush Script MT" panose="03060802040406070304" pitchFamily="66" charset="-122"/>
+                <a:cs typeface="Brush Script MT" panose="03060802040406070304" pitchFamily="66" charset="-122"/>
+              </a:rPr>
+            </a:br>
+            <a:r>
+              <a:rPr lang="en-CA" cap="none" dirty="0">
+                <a:solidFill>
+                  <a:schemeClr val="bg1"/>
+                </a:solidFill>
+                <a:latin typeface="Lucida Handwriting" panose="03010101010101010101" pitchFamily="66" charset="77"/>
+                <a:ea typeface="Brush Script MT" panose="03060802040406070304" pitchFamily="66" charset="-122"/>
+                <a:cs typeface="Brush Script MT" panose="03060802040406070304" pitchFamily="66" charset="-122"/>
+              </a:rPr>
+              <a:t>The forces, fictitious</a:t>
+            </a:r>
+            <a:br>
+              <a:rPr lang="en-CA" cap="none" dirty="0">
+                <a:solidFill>
+                  <a:schemeClr val="bg1"/>
+                </a:solidFill>
+                <a:latin typeface="Lucida Handwriting" panose="03010101010101010101" pitchFamily="66" charset="77"/>
+                <a:ea typeface="Brush Script MT" panose="03060802040406070304" pitchFamily="66" charset="-122"/>
+                <a:cs typeface="Brush Script MT" panose="03060802040406070304" pitchFamily="66" charset="-122"/>
+              </a:rPr>
+            </a:br>
+            <a:r>
+              <a:rPr lang="en-CA" cap="none" dirty="0">
+                <a:solidFill>
+                  <a:schemeClr val="bg1"/>
+                </a:solidFill>
+                <a:latin typeface="Lucida Handwriting" panose="03010101010101010101" pitchFamily="66" charset="77"/>
+                <a:ea typeface="Brush Script MT" panose="03060802040406070304" pitchFamily="66" charset="-122"/>
+                <a:cs typeface="Brush Script MT" panose="03060802040406070304" pitchFamily="66" charset="-122"/>
+              </a:rPr>
+              <a:t>Can be quite pernicious</a:t>
+            </a:r>
+            <a:br>
+              <a:rPr lang="en-CA" cap="none" dirty="0">
+                <a:solidFill>
+                  <a:schemeClr val="bg1"/>
+                </a:solidFill>
+                <a:latin typeface="Lucida Handwriting" panose="03010101010101010101" pitchFamily="66" charset="77"/>
+                <a:ea typeface="Brush Script MT" panose="03060802040406070304" pitchFamily="66" charset="-122"/>
+                <a:cs typeface="Brush Script MT" panose="03060802040406070304" pitchFamily="66" charset="-122"/>
+              </a:rPr>
+            </a:br>
+            <a:r>
+              <a:rPr lang="en-CA" cap="none" dirty="0">
+                <a:solidFill>
+                  <a:schemeClr val="bg1"/>
+                </a:solidFill>
+                <a:latin typeface="Lucida Handwriting" panose="03010101010101010101" pitchFamily="66" charset="77"/>
+                <a:ea typeface="Brush Script MT" panose="03060802040406070304" pitchFamily="66" charset="-122"/>
+                <a:cs typeface="Brush Script MT" panose="03060802040406070304" pitchFamily="66" charset="-122"/>
+              </a:rPr>
+              <a:t>Your ball might end up on the ground</a:t>
+            </a:r>
+            <a:br>
+              <a:rPr lang="en-CA" cap="none" dirty="0">
+                <a:solidFill>
+                  <a:schemeClr val="bg1"/>
+                </a:solidFill>
                 <a:latin typeface="Brush Script MT" panose="03060802040406070304" pitchFamily="66" charset="-122"/>
                 <a:ea typeface="Brush Script MT" panose="03060802040406070304" pitchFamily="66" charset="-122"/>
                 <a:cs typeface="Brush Script MT" panose="03060802040406070304" pitchFamily="66" charset="-122"/>
               </a:rPr>
-              <a:t>We rotated a game of pong</a:t>
-            </a:r>
+            </a:br>
             <a:br>
               <a:rPr lang="en-CA" cap="none" dirty="0">
+                <a:solidFill>
+                  <a:schemeClr val="bg1"/>
+                </a:solidFill>
                 <a:effectLst/>
                 <a:latin typeface="Brush Script MT" panose="03060802040406070304" pitchFamily="66" charset="-122"/>
                 <a:ea typeface="Brush Script MT" panose="03060802040406070304" pitchFamily="66" charset="-122"/>
                 <a:cs typeface="Brush Script MT" panose="03060802040406070304" pitchFamily="66" charset="-122"/>
               </a:rPr>
             </a:br>
-            <a:r>
-              <a:rPr lang="en-CA" cap="none" dirty="0">
-                <a:effectLst/>
-                <a:latin typeface="Brush Script MT" panose="03060802040406070304" pitchFamily="66" charset="-122"/>
-                <a:ea typeface="Brush Script MT" panose="03060802040406070304" pitchFamily="66" charset="-122"/>
-                <a:cs typeface="Brush Script MT" panose="03060802040406070304" pitchFamily="66" charset="-122"/>
-              </a:rPr>
-              <a:t>to play it, you must be quite strong</a:t>
-            </a:r>
-            <a:br>
-              <a:rPr lang="en-CA" cap="none" dirty="0">
-                <a:effectLst/>
-                <a:latin typeface="Brush Script MT" panose="03060802040406070304" pitchFamily="66" charset="-122"/>
-                <a:ea typeface="Brush Script MT" panose="03060802040406070304" pitchFamily="66" charset="-122"/>
-                <a:cs typeface="Brush Script MT" panose="03060802040406070304" pitchFamily="66" charset="-122"/>
-              </a:rPr>
-            </a:br>
-            <a:r>
-              <a:rPr lang="en-CA" cap="none" dirty="0">
-                <a:effectLst/>
-                <a:latin typeface="Brush Script MT" panose="03060802040406070304" pitchFamily="66" charset="-122"/>
-                <a:ea typeface="Brush Script MT" panose="03060802040406070304" pitchFamily="66" charset="-122"/>
-                <a:cs typeface="Brush Script MT" panose="03060802040406070304" pitchFamily="66" charset="-122"/>
-              </a:rPr>
-              <a:t>for forces, fictitious</a:t>
-            </a:r>
-            <a:br>
-              <a:rPr lang="en-CA" cap="none" dirty="0">
-                <a:effectLst/>
-                <a:latin typeface="Brush Script MT" panose="03060802040406070304" pitchFamily="66" charset="-122"/>
-                <a:ea typeface="Brush Script MT" panose="03060802040406070304" pitchFamily="66" charset="-122"/>
-                <a:cs typeface="Brush Script MT" panose="03060802040406070304" pitchFamily="66" charset="-122"/>
-              </a:rPr>
-            </a:br>
-            <a:r>
-              <a:rPr lang="en-CA" cap="none" dirty="0">
-                <a:effectLst/>
-                <a:latin typeface="Brush Script MT" panose="03060802040406070304" pitchFamily="66" charset="-122"/>
-                <a:ea typeface="Brush Script MT" panose="03060802040406070304" pitchFamily="66" charset="-122"/>
-                <a:cs typeface="Brush Script MT" panose="03060802040406070304" pitchFamily="66" charset="-122"/>
-              </a:rPr>
-              <a:t>can be quite pernicious</a:t>
-            </a:r>
-            <a:br>
-              <a:rPr lang="en-CA" cap="none" dirty="0">
-                <a:effectLst/>
-                <a:latin typeface="Brush Script MT" panose="03060802040406070304" pitchFamily="66" charset="-122"/>
-                <a:ea typeface="Brush Script MT" panose="03060802040406070304" pitchFamily="66" charset="-122"/>
-                <a:cs typeface="Brush Script MT" panose="03060802040406070304" pitchFamily="66" charset="-122"/>
-              </a:rPr>
-            </a:br>
-            <a:r>
-              <a:rPr lang="en-CA" cap="none" dirty="0">
-                <a:effectLst/>
-                <a:latin typeface="Brush Script MT" panose="03060802040406070304" pitchFamily="66" charset="-122"/>
-                <a:ea typeface="Brush Script MT" panose="03060802040406070304" pitchFamily="66" charset="-122"/>
-                <a:cs typeface="Brush Script MT" panose="03060802040406070304" pitchFamily="66" charset="-122"/>
-              </a:rPr>
-              <a:t>we fear you might not last too long</a:t>
-            </a:r>
-            <a:br>
-              <a:rPr lang="en-CA" dirty="0">
-                <a:effectLst/>
-                <a:latin typeface="American Typewriter" panose="02090604020004020304" pitchFamily="18" charset="77"/>
-              </a:rPr>
-            </a:br>
-            <a:endParaRPr lang="en-US" dirty="0">
-              <a:latin typeface="American Typewriter" panose="02090604020004020304" pitchFamily="18" charset="77"/>
+            <a:endParaRPr lang="en-US" cap="none" dirty="0">
+              <a:solidFill>
+                <a:schemeClr val="bg1"/>
+              </a:solidFill>
+              <a:latin typeface="Brush Script MT" panose="03060802040406070304" pitchFamily="66" charset="-122"/>
+              <a:ea typeface="Brush Script MT" panose="03060802040406070304" pitchFamily="66" charset="-122"/>
+              <a:cs typeface="Brush Script MT" panose="03060802040406070304" pitchFamily="66" charset="-122"/>
             </a:endParaRPr>
           </a:p>
         </p:txBody>
@@ -12593,7 +18137,7 @@
         </p:nvSpPr>
         <p:spPr>
           <a:xfrm>
-            <a:off x="2927348" y="2755225"/>
+            <a:off x="1142999" y="3499973"/>
             <a:ext cx="9906002" cy="1489496"/>
           </a:xfrm>
         </p:spPr>
@@ -12603,13 +18147,26 @@
           </a:bodyPr>
           <a:lstStyle/>
           <a:p>
+            <a:pPr algn="ctr"/>
             <a:r>
               <a:rPr lang="en-US" sz="2400" dirty="0">
                 <a:solidFill>
                   <a:schemeClr val="bg1"/>
                 </a:solidFill>
               </a:rPr>
-              <a:t>In a rotating reference frame, fictitious forces arise</a:t>
+              <a:t>In a </a:t>
+            </a:r>
+            <a:r>
+              <a:rPr lang="en-US" sz="2400" dirty="0"/>
+              <a:t>rotating</a:t>
+            </a:r>
+            <a:r>
+              <a:rPr lang="en-US" sz="2400" dirty="0">
+                <a:solidFill>
+                  <a:schemeClr val="bg1"/>
+                </a:solidFill>
+              </a:rPr>
+              <a:t> reference frame, fictitious forces arise, and they don’t seem to have a physical origin</a:t>
             </a:r>
           </a:p>
         </p:txBody>
@@ -12630,7 +18187,7 @@
             </p:nvSpPr>
             <p:spPr>
               <a:xfrm>
-                <a:off x="1716119" y="4350098"/>
+                <a:off x="1391662" y="5094846"/>
                 <a:ext cx="9223487" cy="690702"/>
               </a:xfrm>
               <a:prstGeom prst="rect">
@@ -12835,7 +18392,7 @@
             </p:nvSpPr>
             <p:spPr>
               <a:xfrm>
-                <a:off x="1716119" y="4350098"/>
+                <a:off x="1391662" y="5094846"/>
                 <a:ext cx="9223487" cy="690702"/>
               </a:xfrm>
               <a:prstGeom prst="rect">
@@ -12863,10 +18420,885 @@
           </p:sp>
         </mc:Fallback>
       </mc:AlternateContent>
+      <p:sp>
+        <p:nvSpPr>
+          <p:cNvPr id="12" name="TextBox 11">
+            <a:extLst>
+              <a:ext uri="{FF2B5EF4-FFF2-40B4-BE49-F238E27FC236}">
+                <a16:creationId xmlns:a16="http://schemas.microsoft.com/office/drawing/2014/main" id="{3604122A-E4D7-3E39-ACF8-A01815A29D6D}"/>
+              </a:ext>
+            </a:extLst>
+          </p:cNvPr>
+          <p:cNvSpPr txBox="1"/>
+          <p:nvPr/>
+        </p:nvSpPr>
+        <p:spPr>
+          <a:xfrm>
+            <a:off x="4867507" y="5785548"/>
+            <a:ext cx="1310270" cy="369332"/>
+          </a:xfrm>
+          <a:prstGeom prst="rect">
+            <a:avLst/>
+          </a:prstGeom>
+          <a:noFill/>
+        </p:spPr>
+        <p:txBody>
+          <a:bodyPr wrap="square" rtlCol="0">
+            <a:spAutoFit/>
+          </a:bodyPr>
+          <a:lstStyle/>
+          <a:p>
+            <a:r>
+              <a:rPr lang="en-US" dirty="0"/>
+              <a:t>Centrifugal</a:t>
+            </a:r>
+          </a:p>
+        </p:txBody>
+      </p:sp>
+      <p:sp>
+        <p:nvSpPr>
+          <p:cNvPr id="13" name="TextBox 12">
+            <a:extLst>
+              <a:ext uri="{FF2B5EF4-FFF2-40B4-BE49-F238E27FC236}">
+                <a16:creationId xmlns:a16="http://schemas.microsoft.com/office/drawing/2014/main" id="{86CEF995-3035-C386-0207-94BEA6458E07}"/>
+              </a:ext>
+            </a:extLst>
+          </p:cNvPr>
+          <p:cNvSpPr txBox="1"/>
+          <p:nvPr/>
+        </p:nvSpPr>
+        <p:spPr>
+          <a:xfrm>
+            <a:off x="7147984" y="5785548"/>
+            <a:ext cx="1048215" cy="369332"/>
+          </a:xfrm>
+          <a:prstGeom prst="rect">
+            <a:avLst/>
+          </a:prstGeom>
+          <a:noFill/>
+        </p:spPr>
+        <p:txBody>
+          <a:bodyPr wrap="square" rtlCol="0">
+            <a:spAutoFit/>
+          </a:bodyPr>
+          <a:lstStyle/>
+          <a:p>
+            <a:r>
+              <a:rPr lang="en-US" dirty="0"/>
+              <a:t>Coriolis</a:t>
+            </a:r>
+          </a:p>
+        </p:txBody>
+      </p:sp>
+      <p:sp>
+        <p:nvSpPr>
+          <p:cNvPr id="14" name="TextBox 13">
+            <a:extLst>
+              <a:ext uri="{FF2B5EF4-FFF2-40B4-BE49-F238E27FC236}">
+                <a16:creationId xmlns:a16="http://schemas.microsoft.com/office/drawing/2014/main" id="{BF499244-5238-5693-4E75-8D55A1D894D5}"/>
+              </a:ext>
+            </a:extLst>
+          </p:cNvPr>
+          <p:cNvSpPr txBox="1"/>
+          <p:nvPr/>
+        </p:nvSpPr>
+        <p:spPr>
+          <a:xfrm>
+            <a:off x="9285391" y="5785548"/>
+            <a:ext cx="1209908" cy="369332"/>
+          </a:xfrm>
+          <a:prstGeom prst="rect">
+            <a:avLst/>
+          </a:prstGeom>
+          <a:noFill/>
+        </p:spPr>
+        <p:txBody>
+          <a:bodyPr wrap="square" rtlCol="0">
+            <a:spAutoFit/>
+          </a:bodyPr>
+          <a:lstStyle/>
+          <a:p>
+            <a:r>
+              <a:rPr lang="en-US" dirty="0"/>
+              <a:t>Azimuthal</a:t>
+            </a:r>
+          </a:p>
+        </p:txBody>
+      </p:sp>
     </p:spTree>
     <p:extLst>
       <p:ext uri="{BB962C8B-B14F-4D97-AF65-F5344CB8AC3E}">
         <p14:creationId xmlns:p14="http://schemas.microsoft.com/office/powerpoint/2010/main" val="2464576786"/>
+      </p:ext>
+    </p:extLst>
+  </p:cSld>
+  <p:clrMapOvr>
+    <a:masterClrMapping/>
+  </p:clrMapOvr>
+  <p:timing>
+    <p:tnLst>
+      <p:par>
+        <p:cTn id="1" dur="indefinite" restart="never" nodeType="tmRoot">
+          <p:childTnLst>
+            <p:seq concurrent="1" nextAc="seek">
+              <p:cTn id="2" dur="indefinite" nodeType="mainSeq">
+                <p:childTnLst>
+                  <p:par>
+                    <p:cTn id="3" fill="hold">
+                      <p:stCondLst>
+                        <p:cond delay="indefinite"/>
+                      </p:stCondLst>
+                      <p:childTnLst>
+                        <p:par>
+                          <p:cTn id="4" fill="hold">
+                            <p:stCondLst>
+                              <p:cond delay="0"/>
+                            </p:stCondLst>
+                            <p:childTnLst>
+                              <p:par>
+                                <p:cTn id="5" presetID="3" presetClass="entr" presetSubtype="10" fill="hold" grpId="1" nodeType="clickEffect">
+                                  <p:stCondLst>
+                                    <p:cond delay="0"/>
+                                  </p:stCondLst>
+                                  <p:childTnLst>
+                                    <p:set>
+                                      <p:cBhvr>
+                                        <p:cTn id="6" dur="1" fill="hold">
+                                          <p:stCondLst>
+                                            <p:cond delay="0"/>
+                                          </p:stCondLst>
+                                        </p:cTn>
+                                        <p:tgtEl>
+                                          <p:spTgt spid="5">
+                                            <p:txEl>
+                                              <p:pRg st="0" end="0"/>
+                                            </p:txEl>
+                                          </p:spTgt>
+                                        </p:tgtEl>
+                                        <p:attrNameLst>
+                                          <p:attrName>style.visibility</p:attrName>
+                                        </p:attrNameLst>
+                                      </p:cBhvr>
+                                      <p:to>
+                                        <p:strVal val="visible"/>
+                                      </p:to>
+                                    </p:set>
+                                    <p:animEffect transition="in" filter="blinds(horizontal)">
+                                      <p:cBhvr>
+                                        <p:cTn id="7" dur="500"/>
+                                        <p:tgtEl>
+                                          <p:spTgt spid="5">
+                                            <p:txEl>
+                                              <p:pRg st="0" end="0"/>
+                                            </p:txEl>
+                                          </p:spTgt>
+                                        </p:tgtEl>
+                                      </p:cBhvr>
+                                    </p:animEffect>
+                                  </p:childTnLst>
+                                </p:cTn>
+                              </p:par>
+                              <p:par>
+                                <p:cTn id="8" presetID="3" presetClass="entr" presetSubtype="10" fill="hold" grpId="1" nodeType="withEffect">
+                                  <p:stCondLst>
+                                    <p:cond delay="0"/>
+                                  </p:stCondLst>
+                                  <p:childTnLst>
+                                    <p:set>
+                                      <p:cBhvr>
+                                        <p:cTn id="9" dur="1" fill="hold">
+                                          <p:stCondLst>
+                                            <p:cond delay="0"/>
+                                          </p:stCondLst>
+                                        </p:cTn>
+                                        <p:tgtEl>
+                                          <p:spTgt spid="10"/>
+                                        </p:tgtEl>
+                                        <p:attrNameLst>
+                                          <p:attrName>style.visibility</p:attrName>
+                                        </p:attrNameLst>
+                                      </p:cBhvr>
+                                      <p:to>
+                                        <p:strVal val="visible"/>
+                                      </p:to>
+                                    </p:set>
+                                    <p:animEffect transition="in" filter="blinds(horizontal)">
+                                      <p:cBhvr>
+                                        <p:cTn id="10" dur="500"/>
+                                        <p:tgtEl>
+                                          <p:spTgt spid="10"/>
+                                        </p:tgtEl>
+                                      </p:cBhvr>
+                                    </p:animEffect>
+                                  </p:childTnLst>
+                                </p:cTn>
+                              </p:par>
+                              <p:par>
+                                <p:cTn id="11" presetID="3" presetClass="entr" presetSubtype="10" fill="hold" grpId="0" nodeType="withEffect">
+                                  <p:stCondLst>
+                                    <p:cond delay="0"/>
+                                  </p:stCondLst>
+                                  <p:childTnLst>
+                                    <p:set>
+                                      <p:cBhvr>
+                                        <p:cTn id="12" dur="1" fill="hold">
+                                          <p:stCondLst>
+                                            <p:cond delay="0"/>
+                                          </p:stCondLst>
+                                        </p:cTn>
+                                        <p:tgtEl>
+                                          <p:spTgt spid="12"/>
+                                        </p:tgtEl>
+                                        <p:attrNameLst>
+                                          <p:attrName>style.visibility</p:attrName>
+                                        </p:attrNameLst>
+                                      </p:cBhvr>
+                                      <p:to>
+                                        <p:strVal val="visible"/>
+                                      </p:to>
+                                    </p:set>
+                                    <p:animEffect transition="in" filter="blinds(horizontal)">
+                                      <p:cBhvr>
+                                        <p:cTn id="13" dur="500"/>
+                                        <p:tgtEl>
+                                          <p:spTgt spid="12"/>
+                                        </p:tgtEl>
+                                      </p:cBhvr>
+                                    </p:animEffect>
+                                  </p:childTnLst>
+                                </p:cTn>
+                              </p:par>
+                              <p:par>
+                                <p:cTn id="14" presetID="3" presetClass="entr" presetSubtype="10" fill="hold" grpId="0" nodeType="withEffect">
+                                  <p:stCondLst>
+                                    <p:cond delay="0"/>
+                                  </p:stCondLst>
+                                  <p:childTnLst>
+                                    <p:set>
+                                      <p:cBhvr>
+                                        <p:cTn id="15" dur="1" fill="hold">
+                                          <p:stCondLst>
+                                            <p:cond delay="0"/>
+                                          </p:stCondLst>
+                                        </p:cTn>
+                                        <p:tgtEl>
+                                          <p:spTgt spid="13"/>
+                                        </p:tgtEl>
+                                        <p:attrNameLst>
+                                          <p:attrName>style.visibility</p:attrName>
+                                        </p:attrNameLst>
+                                      </p:cBhvr>
+                                      <p:to>
+                                        <p:strVal val="visible"/>
+                                      </p:to>
+                                    </p:set>
+                                    <p:animEffect transition="in" filter="blinds(horizontal)">
+                                      <p:cBhvr>
+                                        <p:cTn id="16" dur="500"/>
+                                        <p:tgtEl>
+                                          <p:spTgt spid="13"/>
+                                        </p:tgtEl>
+                                      </p:cBhvr>
+                                    </p:animEffect>
+                                  </p:childTnLst>
+                                </p:cTn>
+                              </p:par>
+                              <p:par>
+                                <p:cTn id="17" presetID="3" presetClass="entr" presetSubtype="10" fill="hold" grpId="0" nodeType="withEffect">
+                                  <p:stCondLst>
+                                    <p:cond delay="0"/>
+                                  </p:stCondLst>
+                                  <p:childTnLst>
+                                    <p:set>
+                                      <p:cBhvr>
+                                        <p:cTn id="18" dur="1" fill="hold">
+                                          <p:stCondLst>
+                                            <p:cond delay="0"/>
+                                          </p:stCondLst>
+                                        </p:cTn>
+                                        <p:tgtEl>
+                                          <p:spTgt spid="14"/>
+                                        </p:tgtEl>
+                                        <p:attrNameLst>
+                                          <p:attrName>style.visibility</p:attrName>
+                                        </p:attrNameLst>
+                                      </p:cBhvr>
+                                      <p:to>
+                                        <p:strVal val="visible"/>
+                                      </p:to>
+                                    </p:set>
+                                    <p:animEffect transition="in" filter="blinds(horizontal)">
+                                      <p:cBhvr>
+                                        <p:cTn id="19" dur="500"/>
+                                        <p:tgtEl>
+                                          <p:spTgt spid="14"/>
+                                        </p:tgtEl>
+                                      </p:cBhvr>
+                                    </p:animEffect>
+                                  </p:childTnLst>
+                                </p:cTn>
+                              </p:par>
+                            </p:childTnLst>
+                          </p:cTn>
+                        </p:par>
+                      </p:childTnLst>
+                    </p:cTn>
+                  </p:par>
+                </p:childTnLst>
+              </p:cTn>
+              <p:prevCondLst>
+                <p:cond evt="onPrev" delay="0">
+                  <p:tgtEl>
+                    <p:sldTgt/>
+                  </p:tgtEl>
+                </p:cond>
+              </p:prevCondLst>
+              <p:nextCondLst>
+                <p:cond evt="onNext" delay="0">
+                  <p:tgtEl>
+                    <p:sldTgt/>
+                  </p:tgtEl>
+                </p:cond>
+              </p:nextCondLst>
+            </p:seq>
+          </p:childTnLst>
+        </p:cTn>
+      </p:par>
+    </p:tnLst>
+    <p:bldLst>
+      <p:bldP spid="5" grpId="1" build="p"/>
+      <p:bldP spid="10" grpId="1"/>
+      <p:bldP spid="12" grpId="0"/>
+      <p:bldP spid="13" grpId="0"/>
+      <p:bldP spid="14" grpId="0"/>
+    </p:bldLst>
+  </p:timing>
+</p:sld>
+</file>
+
+<file path=ppt/slides/slide3.xml><?xml version="1.0" encoding="utf-8"?>
+<p:sld xmlns:a="http://schemas.openxmlformats.org/drawingml/2006/main" xmlns:r="http://schemas.openxmlformats.org/officeDocument/2006/relationships" xmlns:p="http://schemas.openxmlformats.org/presentationml/2006/main">
+  <p:cSld>
+    <p:spTree>
+      <p:nvGrpSpPr>
+        <p:cNvPr id="1" name=""/>
+        <p:cNvGrpSpPr/>
+        <p:nvPr/>
+      </p:nvGrpSpPr>
+      <p:grpSpPr>
+        <a:xfrm>
+          <a:off x="0" y="0"/>
+          <a:ext cx="0" cy="0"/>
+          <a:chOff x="0" y="0"/>
+          <a:chExt cx="0" cy="0"/>
+        </a:xfrm>
+      </p:grpSpPr>
+      <p:sp>
+        <p:nvSpPr>
+          <p:cNvPr id="2" name="Title 1">
+            <a:extLst>
+              <a:ext uri="{FF2B5EF4-FFF2-40B4-BE49-F238E27FC236}">
+                <a16:creationId xmlns:a16="http://schemas.microsoft.com/office/drawing/2014/main" id="{1356DB5E-8AF0-E9AE-0E39-CFFF6407D2B0}"/>
+              </a:ext>
+            </a:extLst>
+          </p:cNvPr>
+          <p:cNvSpPr>
+            <a:spLocks noGrp="1"/>
+          </p:cNvSpPr>
+          <p:nvPr>
+            <p:ph type="title"/>
+          </p:nvPr>
+        </p:nvSpPr>
+        <p:spPr/>
+        <p:txBody>
+          <a:bodyPr/>
+          <a:lstStyle/>
+          <a:p>
+            <a:pPr algn="ctr"/>
+            <a:r>
+              <a:rPr lang="en-US" dirty="0">
+                <a:solidFill>
+                  <a:schemeClr val="bg1"/>
+                </a:solidFill>
+              </a:rPr>
+              <a:t>A rotating reference frame?????</a:t>
+            </a:r>
+          </a:p>
+        </p:txBody>
+      </p:sp>
+      <p:pic>
+        <p:nvPicPr>
+          <p:cNvPr id="5" name="Content Placeholder 4">
+            <a:extLst>
+              <a:ext uri="{FF2B5EF4-FFF2-40B4-BE49-F238E27FC236}">
+                <a16:creationId xmlns:a16="http://schemas.microsoft.com/office/drawing/2014/main" id="{A1000962-F982-828E-D14A-32EB3ABB8D68}"/>
+              </a:ext>
+            </a:extLst>
+          </p:cNvPr>
+          <p:cNvPicPr>
+            <a:picLocks noGrp="1" noChangeAspect="1"/>
+          </p:cNvPicPr>
+          <p:nvPr>
+            <p:ph idx="1"/>
+          </p:nvPr>
+        </p:nvPicPr>
+        <p:blipFill>
+          <a:blip r:embed="rId2"/>
+          <a:stretch>
+            <a:fillRect/>
+          </a:stretch>
+        </p:blipFill>
+        <p:spPr>
+          <a:xfrm>
+            <a:off x="5375022" y="1590580"/>
+            <a:ext cx="6091413" cy="3419051"/>
+          </a:xfrm>
+        </p:spPr>
+      </p:pic>
+      <p:sp>
+        <p:nvSpPr>
+          <p:cNvPr id="4" name="Text Placeholder 3">
+            <a:extLst>
+              <a:ext uri="{FF2B5EF4-FFF2-40B4-BE49-F238E27FC236}">
+                <a16:creationId xmlns:a16="http://schemas.microsoft.com/office/drawing/2014/main" id="{59A65D66-57E4-CF8D-74B7-E33FF45864F8}"/>
+              </a:ext>
+            </a:extLst>
+          </p:cNvPr>
+          <p:cNvSpPr>
+            <a:spLocks noGrp="1"/>
+          </p:cNvSpPr>
+          <p:nvPr>
+            <p:ph type="body" sz="half" idx="2"/>
+          </p:nvPr>
+        </p:nvSpPr>
+        <p:spPr>
+          <a:xfrm>
+            <a:off x="434898" y="2249486"/>
+            <a:ext cx="4661209" cy="3541714"/>
+          </a:xfrm>
+        </p:spPr>
+        <p:txBody>
+          <a:bodyPr>
+            <a:noAutofit/>
+          </a:bodyPr>
+          <a:lstStyle/>
+          <a:p>
+            <a:r>
+              <a:rPr lang="en-US" sz="2000" dirty="0"/>
+              <a:t>Some guy, probably: </a:t>
+            </a:r>
+            <a:r>
+              <a:rPr lang="en-US" sz="2000" dirty="0">
+                <a:solidFill>
+                  <a:schemeClr val="bg1"/>
+                </a:solidFill>
+              </a:rPr>
+              <a:t>Why would you make a game of pong in a rotating reference frame? That’s so much harder and more annoying. It’s so counter-intuitive to predict the motion of the ball!</a:t>
+            </a:r>
+          </a:p>
+          <a:p>
+            <a:pPr algn="r"/>
+            <a:r>
+              <a:rPr lang="en-US" sz="2000" dirty="0"/>
+              <a:t>Us: </a:t>
+            </a:r>
+            <a:r>
+              <a:rPr lang="en-US" sz="2000" dirty="0">
+                <a:solidFill>
+                  <a:schemeClr val="bg1"/>
+                </a:solidFill>
+              </a:rPr>
+              <a:t>Erm, </a:t>
+            </a:r>
+            <a:r>
+              <a:rPr lang="en-US" sz="2000" dirty="0" err="1">
+                <a:solidFill>
+                  <a:schemeClr val="bg1"/>
+                </a:solidFill>
+              </a:rPr>
+              <a:t>actchully</a:t>
+            </a:r>
+            <a:r>
+              <a:rPr lang="en-US" sz="2000" dirty="0">
+                <a:solidFill>
+                  <a:schemeClr val="bg1"/>
+                </a:solidFill>
+              </a:rPr>
+              <a:t>…you’re right. But also it’s cool. </a:t>
+            </a:r>
+            <a:endParaRPr lang="en-US" sz="2000" dirty="0"/>
+          </a:p>
+        </p:txBody>
+      </p:sp>
+    </p:spTree>
+    <p:extLst>
+      <p:ext uri="{BB962C8B-B14F-4D97-AF65-F5344CB8AC3E}">
+        <p14:creationId xmlns:p14="http://schemas.microsoft.com/office/powerpoint/2010/main" val="342086188"/>
+      </p:ext>
+    </p:extLst>
+  </p:cSld>
+  <p:clrMapOvr>
+    <a:masterClrMapping/>
+  </p:clrMapOvr>
+</p:sld>
+</file>
+
+<file path=ppt/slides/slide4.xml><?xml version="1.0" encoding="utf-8"?>
+<p:sld xmlns:a="http://schemas.openxmlformats.org/drawingml/2006/main" xmlns:r="http://schemas.openxmlformats.org/officeDocument/2006/relationships" xmlns:p="http://schemas.openxmlformats.org/presentationml/2006/main">
+  <p:cSld>
+    <p:spTree>
+      <p:nvGrpSpPr>
+        <p:cNvPr id="1" name=""/>
+        <p:cNvGrpSpPr/>
+        <p:nvPr/>
+      </p:nvGrpSpPr>
+      <p:grpSpPr>
+        <a:xfrm>
+          <a:off x="0" y="0"/>
+          <a:ext cx="0" cy="0"/>
+          <a:chOff x="0" y="0"/>
+          <a:chExt cx="0" cy="0"/>
+        </a:xfrm>
+      </p:grpSpPr>
+      <p:sp>
+        <p:nvSpPr>
+          <p:cNvPr id="2" name="Title 1">
+            <a:extLst>
+              <a:ext uri="{FF2B5EF4-FFF2-40B4-BE49-F238E27FC236}">
+                <a16:creationId xmlns:a16="http://schemas.microsoft.com/office/drawing/2014/main" id="{46DD5950-22CB-EACE-1A20-2057AB9B38AF}"/>
+              </a:ext>
+            </a:extLst>
+          </p:cNvPr>
+          <p:cNvSpPr>
+            <a:spLocks noGrp="1"/>
+          </p:cNvSpPr>
+          <p:nvPr>
+            <p:ph type="title"/>
+          </p:nvPr>
+        </p:nvSpPr>
+        <p:spPr/>
+        <p:txBody>
+          <a:bodyPr/>
+          <a:lstStyle/>
+          <a:p>
+            <a:r>
+              <a:rPr lang="en-US" dirty="0">
+                <a:solidFill>
+                  <a:schemeClr val="bg1"/>
+                </a:solidFill>
+              </a:rPr>
+              <a:t>What did we do?</a:t>
+            </a:r>
+          </a:p>
+        </p:txBody>
+      </p:sp>
+      <p:sp>
+        <p:nvSpPr>
+          <p:cNvPr id="3" name="Content Placeholder 2">
+            <a:extLst>
+              <a:ext uri="{FF2B5EF4-FFF2-40B4-BE49-F238E27FC236}">
+                <a16:creationId xmlns:a16="http://schemas.microsoft.com/office/drawing/2014/main" id="{BEEEE436-AA38-C10D-50A3-FCA395A4B136}"/>
+              </a:ext>
+            </a:extLst>
+          </p:cNvPr>
+          <p:cNvSpPr>
+            <a:spLocks noGrp="1"/>
+          </p:cNvSpPr>
+          <p:nvPr>
+            <p:ph idx="1"/>
+          </p:nvPr>
+        </p:nvSpPr>
+        <p:spPr/>
+        <p:txBody>
+          <a:bodyPr/>
+          <a:lstStyle/>
+          <a:p>
+            <a:r>
+              <a:rPr lang="en-US" dirty="0">
+                <a:solidFill>
+                  <a:schemeClr val="bg1"/>
+                </a:solidFill>
+              </a:rPr>
+              <a:t>Two players are constrained to glide around the rim of a rotating disk</a:t>
+            </a:r>
+          </a:p>
+          <a:p>
+            <a:r>
+              <a:rPr lang="en-US" dirty="0">
+                <a:solidFill>
+                  <a:schemeClr val="bg1"/>
+                </a:solidFill>
+              </a:rPr>
+              <a:t>Since they are rotating with the disk, they see the ball being accelerated in odd ways</a:t>
+            </a:r>
+          </a:p>
+          <a:p>
+            <a:r>
+              <a:rPr lang="en-US" dirty="0">
+                <a:solidFill>
+                  <a:schemeClr val="bg1"/>
+                </a:solidFill>
+              </a:rPr>
+              <a:t>First one to miss their hit loses</a:t>
+            </a:r>
+          </a:p>
+          <a:p>
+            <a:r>
+              <a:rPr lang="en-US" dirty="0">
+                <a:solidFill>
+                  <a:schemeClr val="bg1"/>
+                </a:solidFill>
+              </a:rPr>
+              <a:t>Power-ups appear along the track</a:t>
+            </a:r>
+          </a:p>
+        </p:txBody>
+      </p:sp>
+    </p:spTree>
+    <p:extLst>
+      <p:ext uri="{BB962C8B-B14F-4D97-AF65-F5344CB8AC3E}">
+        <p14:creationId xmlns:p14="http://schemas.microsoft.com/office/powerpoint/2010/main" val="2734255772"/>
+      </p:ext>
+    </p:extLst>
+  </p:cSld>
+  <p:clrMapOvr>
+    <a:masterClrMapping/>
+  </p:clrMapOvr>
+</p:sld>
+</file>
+
+<file path=ppt/slides/slide5.xml><?xml version="1.0" encoding="utf-8"?>
+<p:sld xmlns:a="http://schemas.openxmlformats.org/drawingml/2006/main" xmlns:r="http://schemas.openxmlformats.org/officeDocument/2006/relationships" xmlns:p="http://schemas.openxmlformats.org/presentationml/2006/main">
+  <p:cSld>
+    <p:spTree>
+      <p:nvGrpSpPr>
+        <p:cNvPr id="1" name=""/>
+        <p:cNvGrpSpPr/>
+        <p:nvPr/>
+      </p:nvGrpSpPr>
+      <p:grpSpPr>
+        <a:xfrm>
+          <a:off x="0" y="0"/>
+          <a:ext cx="0" cy="0"/>
+          <a:chOff x="0" y="0"/>
+          <a:chExt cx="0" cy="0"/>
+        </a:xfrm>
+      </p:grpSpPr>
+      <p:sp>
+        <p:nvSpPr>
+          <p:cNvPr id="2" name="Title 1">
+            <a:extLst>
+              <a:ext uri="{FF2B5EF4-FFF2-40B4-BE49-F238E27FC236}">
+                <a16:creationId xmlns:a16="http://schemas.microsoft.com/office/drawing/2014/main" id="{9E497A92-E8CB-ADA0-1F0D-66D88671A9D5}"/>
+              </a:ext>
+            </a:extLst>
+          </p:cNvPr>
+          <p:cNvSpPr>
+            <a:spLocks noGrp="1"/>
+          </p:cNvSpPr>
+          <p:nvPr>
+            <p:ph type="title"/>
+          </p:nvPr>
+        </p:nvSpPr>
+        <p:spPr/>
+        <p:txBody>
+          <a:bodyPr/>
+          <a:lstStyle/>
+          <a:p>
+            <a:r>
+              <a:rPr lang="en-US" dirty="0">
+                <a:solidFill>
+                  <a:schemeClr val="bg1"/>
+                </a:solidFill>
+              </a:rPr>
+              <a:t>How did we do it?</a:t>
+            </a:r>
+          </a:p>
+        </p:txBody>
+      </p:sp>
+      <p:sp>
+        <p:nvSpPr>
+          <p:cNvPr id="3" name="Content Placeholder 2">
+            <a:extLst>
+              <a:ext uri="{FF2B5EF4-FFF2-40B4-BE49-F238E27FC236}">
+                <a16:creationId xmlns:a16="http://schemas.microsoft.com/office/drawing/2014/main" id="{D100705C-70E2-C85A-D5BF-CEC95E8DA08C}"/>
+              </a:ext>
+            </a:extLst>
+          </p:cNvPr>
+          <p:cNvSpPr>
+            <a:spLocks noGrp="1"/>
+          </p:cNvSpPr>
+          <p:nvPr>
+            <p:ph idx="1"/>
+          </p:nvPr>
+        </p:nvSpPr>
+        <p:spPr/>
+        <p:txBody>
+          <a:bodyPr/>
+          <a:lstStyle/>
+          <a:p>
+            <a:r>
+              <a:rPr lang="en-US" dirty="0" err="1">
+                <a:solidFill>
+                  <a:schemeClr val="bg1"/>
+                </a:solidFill>
+              </a:rPr>
+              <a:t>Pygame</a:t>
+            </a:r>
+            <a:r>
+              <a:rPr lang="en-US" dirty="0">
+                <a:solidFill>
+                  <a:schemeClr val="bg1"/>
+                </a:solidFill>
+              </a:rPr>
+              <a:t> is a python-based game development software which allows us to write our own laws of physics into the framework</a:t>
+            </a:r>
+          </a:p>
+        </p:txBody>
+      </p:sp>
+    </p:spTree>
+    <p:extLst>
+      <p:ext uri="{BB962C8B-B14F-4D97-AF65-F5344CB8AC3E}">
+        <p14:creationId xmlns:p14="http://schemas.microsoft.com/office/powerpoint/2010/main" val="3323845888"/>
+      </p:ext>
+    </p:extLst>
+  </p:cSld>
+  <p:clrMapOvr>
+    <a:masterClrMapping/>
+  </p:clrMapOvr>
+</p:sld>
+</file>
+
+<file path=ppt/slides/slide6.xml><?xml version="1.0" encoding="utf-8"?>
+<p:sld xmlns:a="http://schemas.openxmlformats.org/drawingml/2006/main" xmlns:r="http://schemas.openxmlformats.org/officeDocument/2006/relationships" xmlns:p="http://schemas.openxmlformats.org/presentationml/2006/main">
+  <p:cSld>
+    <p:spTree>
+      <p:nvGrpSpPr>
+        <p:cNvPr id="1" name=""/>
+        <p:cNvGrpSpPr/>
+        <p:nvPr/>
+      </p:nvGrpSpPr>
+      <p:grpSpPr>
+        <a:xfrm>
+          <a:off x="0" y="0"/>
+          <a:ext cx="0" cy="0"/>
+          <a:chOff x="0" y="0"/>
+          <a:chExt cx="0" cy="0"/>
+        </a:xfrm>
+      </p:grpSpPr>
+      <p:sp>
+        <p:nvSpPr>
+          <p:cNvPr id="2" name="Title 1">
+            <a:extLst>
+              <a:ext uri="{FF2B5EF4-FFF2-40B4-BE49-F238E27FC236}">
+                <a16:creationId xmlns:a16="http://schemas.microsoft.com/office/drawing/2014/main" id="{4FF49502-CD95-71AC-6DC8-812A8943CD28}"/>
+              </a:ext>
+            </a:extLst>
+          </p:cNvPr>
+          <p:cNvSpPr>
+            <a:spLocks noGrp="1"/>
+          </p:cNvSpPr>
+          <p:nvPr>
+            <p:ph type="title"/>
+          </p:nvPr>
+        </p:nvSpPr>
+        <p:spPr/>
+        <p:txBody>
+          <a:bodyPr/>
+          <a:lstStyle/>
+          <a:p>
+            <a:r>
+              <a:rPr lang="en-US" dirty="0">
+                <a:solidFill>
+                  <a:schemeClr val="bg1"/>
+                </a:solidFill>
+              </a:rPr>
+              <a:t>Takeaways</a:t>
+            </a:r>
+          </a:p>
+        </p:txBody>
+      </p:sp>
+      <p:sp>
+        <p:nvSpPr>
+          <p:cNvPr id="3" name="Content Placeholder 2">
+            <a:extLst>
+              <a:ext uri="{FF2B5EF4-FFF2-40B4-BE49-F238E27FC236}">
+                <a16:creationId xmlns:a16="http://schemas.microsoft.com/office/drawing/2014/main" id="{FDA6929B-7E4D-24A6-660E-80598A7882C2}"/>
+              </a:ext>
+            </a:extLst>
+          </p:cNvPr>
+          <p:cNvSpPr>
+            <a:spLocks noGrp="1"/>
+          </p:cNvSpPr>
+          <p:nvPr>
+            <p:ph sz="half" idx="1"/>
+          </p:nvPr>
+        </p:nvSpPr>
+        <p:spPr/>
+        <p:txBody>
+          <a:bodyPr/>
+          <a:lstStyle/>
+          <a:p>
+            <a:r>
+              <a:rPr lang="en-US" dirty="0">
+                <a:solidFill>
+                  <a:schemeClr val="bg1"/>
+                </a:solidFill>
+              </a:rPr>
+              <a:t>Classical mechanics can be just as cool and weird as QM or relativity</a:t>
+            </a:r>
+          </a:p>
+          <a:p>
+            <a:r>
+              <a:rPr lang="en-US" dirty="0">
+                <a:solidFill>
+                  <a:schemeClr val="bg1"/>
+                </a:solidFill>
+              </a:rPr>
+              <a:t>Physics is easy, coding is hard</a:t>
+            </a:r>
+          </a:p>
+          <a:p>
+            <a:r>
+              <a:rPr lang="en-US" dirty="0">
+                <a:solidFill>
+                  <a:schemeClr val="bg1"/>
+                </a:solidFill>
+              </a:rPr>
+              <a:t>We had a lot of fun making and playing this game, and we hope you will too.</a:t>
+            </a:r>
+          </a:p>
+        </p:txBody>
+      </p:sp>
+      <p:sp>
+        <p:nvSpPr>
+          <p:cNvPr id="4" name="Content Placeholder 3">
+            <a:extLst>
+              <a:ext uri="{FF2B5EF4-FFF2-40B4-BE49-F238E27FC236}">
+                <a16:creationId xmlns:a16="http://schemas.microsoft.com/office/drawing/2014/main" id="{CAB61FB6-B987-4BA7-1AA9-D4269ACADFB3}"/>
+              </a:ext>
+            </a:extLst>
+          </p:cNvPr>
+          <p:cNvSpPr>
+            <a:spLocks noGrp="1"/>
+          </p:cNvSpPr>
+          <p:nvPr>
+            <p:ph sz="half" idx="2"/>
+          </p:nvPr>
+        </p:nvSpPr>
+        <p:spPr/>
+        <p:txBody>
+          <a:bodyPr/>
+          <a:lstStyle/>
+          <a:p>
+            <a:endParaRPr lang="en-US"/>
+          </a:p>
+        </p:txBody>
+      </p:sp>
+    </p:spTree>
+    <p:extLst>
+      <p:ext uri="{BB962C8B-B14F-4D97-AF65-F5344CB8AC3E}">
+        <p14:creationId xmlns:p14="http://schemas.microsoft.com/office/powerpoint/2010/main" val="2036516781"/>
       </p:ext>
     </p:extLst>
   </p:cSld>
